--- a/VMWare - I.pptx
+++ b/VMWare - I.pptx
@@ -5,10 +5,10 @@
     <p:sldMasterId id="2147493455" r:id="rId4"/>
   </p:sldMasterIdLst>
   <p:notesMasterIdLst>
-    <p:notesMasterId r:id="rId61"/>
+    <p:notesMasterId r:id="rId70"/>
   </p:notesMasterIdLst>
   <p:handoutMasterIdLst>
-    <p:handoutMasterId r:id="rId62"/>
+    <p:handoutMasterId r:id="rId71"/>
   </p:handoutMasterIdLst>
   <p:sldIdLst>
     <p:sldId id="256" r:id="rId5"/>
@@ -39,34 +39,43 @@
     <p:sldId id="372" r:id="rId30"/>
     <p:sldId id="373" r:id="rId31"/>
     <p:sldId id="374" r:id="rId32"/>
-    <p:sldId id="375" r:id="rId33"/>
-    <p:sldId id="376" r:id="rId34"/>
-    <p:sldId id="377" r:id="rId35"/>
-    <p:sldId id="378" r:id="rId36"/>
-    <p:sldId id="380" r:id="rId37"/>
-    <p:sldId id="379" r:id="rId38"/>
-    <p:sldId id="381" r:id="rId39"/>
-    <p:sldId id="383" r:id="rId40"/>
-    <p:sldId id="382" r:id="rId41"/>
-    <p:sldId id="384" r:id="rId42"/>
-    <p:sldId id="385" r:id="rId43"/>
-    <p:sldId id="387" r:id="rId44"/>
-    <p:sldId id="388" r:id="rId45"/>
-    <p:sldId id="389" r:id="rId46"/>
-    <p:sldId id="390" r:id="rId47"/>
-    <p:sldId id="391" r:id="rId48"/>
-    <p:sldId id="392" r:id="rId49"/>
-    <p:sldId id="393" r:id="rId50"/>
-    <p:sldId id="394" r:id="rId51"/>
-    <p:sldId id="395" r:id="rId52"/>
-    <p:sldId id="401" r:id="rId53"/>
-    <p:sldId id="396" r:id="rId54"/>
-    <p:sldId id="399" r:id="rId55"/>
-    <p:sldId id="402" r:id="rId56"/>
-    <p:sldId id="400" r:id="rId57"/>
-    <p:sldId id="398" r:id="rId58"/>
-    <p:sldId id="403" r:id="rId59"/>
-    <p:sldId id="404" r:id="rId60"/>
+    <p:sldId id="376" r:id="rId33"/>
+    <p:sldId id="377" r:id="rId34"/>
+    <p:sldId id="378" r:id="rId35"/>
+    <p:sldId id="380" r:id="rId36"/>
+    <p:sldId id="379" r:id="rId37"/>
+    <p:sldId id="381" r:id="rId38"/>
+    <p:sldId id="383" r:id="rId39"/>
+    <p:sldId id="382" r:id="rId40"/>
+    <p:sldId id="384" r:id="rId41"/>
+    <p:sldId id="385" r:id="rId42"/>
+    <p:sldId id="387" r:id="rId43"/>
+    <p:sldId id="388" r:id="rId44"/>
+    <p:sldId id="389" r:id="rId45"/>
+    <p:sldId id="390" r:id="rId46"/>
+    <p:sldId id="391" r:id="rId47"/>
+    <p:sldId id="392" r:id="rId48"/>
+    <p:sldId id="393" r:id="rId49"/>
+    <p:sldId id="394" r:id="rId50"/>
+    <p:sldId id="395" r:id="rId51"/>
+    <p:sldId id="401" r:id="rId52"/>
+    <p:sldId id="396" r:id="rId53"/>
+    <p:sldId id="399" r:id="rId54"/>
+    <p:sldId id="402" r:id="rId55"/>
+    <p:sldId id="400" r:id="rId56"/>
+    <p:sldId id="398" r:id="rId57"/>
+    <p:sldId id="403" r:id="rId58"/>
+    <p:sldId id="404" r:id="rId59"/>
+    <p:sldId id="405" r:id="rId60"/>
+    <p:sldId id="406" r:id="rId61"/>
+    <p:sldId id="407" r:id="rId62"/>
+    <p:sldId id="408" r:id="rId63"/>
+    <p:sldId id="409" r:id="rId64"/>
+    <p:sldId id="410" r:id="rId65"/>
+    <p:sldId id="411" r:id="rId66"/>
+    <p:sldId id="412" r:id="rId67"/>
+    <p:sldId id="413" r:id="rId68"/>
+    <p:sldId id="414" r:id="rId69"/>
   </p:sldIdLst>
   <p:sldSz cx="9144000" cy="5143500" type="screen16x9"/>
   <p:notesSz cx="6858000" cy="9144000"/>
@@ -6769,7 +6778,7 @@
           <a:p>
             <a:fld id="{C7946F5E-E533-49D7-A0D2-585A3E9F8EE2}" type="datetimeFigureOut">
               <a:rPr lang="es-MX" smtClean="0"/>
-              <a:t>02/09/2019</a:t>
+              <a:t>03/09/2019</a:t>
             </a:fld>
             <a:endParaRPr lang="es-MX"/>
           </a:p>
@@ -7473,7 +7482,7 @@
             <a:fld id="{8ACDB3CC-F982-40F9-8DD6-BCC9AFBF44BD}" type="datetime1">
               <a:rPr lang="en-US" smtClean="0"/>
               <a:pPr/>
-              <a:t>9/2/2019</a:t>
+              <a:t>9/3/2019</a:t>
             </a:fld>
             <a:endParaRPr lang="en-US" dirty="0"/>
           </a:p>
@@ -7659,7 +7668,7 @@
           <a:p>
             <a:fld id="{68C2560D-EC28-3B41-86E8-18F1CE0113B4}" type="datetimeFigureOut">
               <a:rPr lang="en-US" smtClean="0"/>
-              <a:t>9/2/2019</a:t>
+              <a:t>9/3/2019</a:t>
             </a:fld>
             <a:endParaRPr lang="en-US"/>
           </a:p>
@@ -7840,7 +7849,7 @@
           <a:p>
             <a:fld id="{68C2560D-EC28-3B41-86E8-18F1CE0113B4}" type="datetimeFigureOut">
               <a:rPr lang="en-US" smtClean="0"/>
-              <a:t>9/2/2019</a:t>
+              <a:t>9/3/2019</a:t>
             </a:fld>
             <a:endParaRPr lang="en-US"/>
           </a:p>
@@ -8026,7 +8035,7 @@
           <a:p>
             <a:fld id="{68C2560D-EC28-3B41-86E8-18F1CE0113B4}" type="datetimeFigureOut">
               <a:rPr lang="en-US" smtClean="0"/>
-              <a:t>9/2/2019</a:t>
+              <a:t>9/3/2019</a:t>
             </a:fld>
             <a:endParaRPr lang="en-US"/>
           </a:p>
@@ -8275,7 +8284,7 @@
             <a:fld id="{4A9E7B99-7C3F-4BC3-B7B8-7E1F8C620B24}" type="datetime1">
               <a:rPr lang="en-US" smtClean="0"/>
               <a:pPr/>
-              <a:t>9/2/2019</a:t>
+              <a:t>9/3/2019</a:t>
             </a:fld>
             <a:endParaRPr lang="en-US"/>
           </a:p>
@@ -8579,7 +8588,7 @@
           <a:p>
             <a:fld id="{68C2560D-EC28-3B41-86E8-18F1CE0113B4}" type="datetimeFigureOut">
               <a:rPr lang="en-US" smtClean="0"/>
-              <a:t>9/2/2019</a:t>
+              <a:t>9/3/2019</a:t>
             </a:fld>
             <a:endParaRPr lang="en-US"/>
           </a:p>
@@ -9012,7 +9021,7 @@
           <a:p>
             <a:fld id="{68C2560D-EC28-3B41-86E8-18F1CE0113B4}" type="datetimeFigureOut">
               <a:rPr lang="en-US" smtClean="0"/>
-              <a:t>9/2/2019</a:t>
+              <a:t>9/3/2019</a:t>
             </a:fld>
             <a:endParaRPr lang="en-US"/>
           </a:p>
@@ -9147,7 +9156,7 @@
           <a:p>
             <a:fld id="{68C2560D-EC28-3B41-86E8-18F1CE0113B4}" type="datetimeFigureOut">
               <a:rPr lang="en-US" smtClean="0"/>
-              <a:t>9/2/2019</a:t>
+              <a:t>9/3/2019</a:t>
             </a:fld>
             <a:endParaRPr lang="en-US"/>
           </a:p>
@@ -9242,7 +9251,7 @@
           <a:p>
             <a:fld id="{68C2560D-EC28-3B41-86E8-18F1CE0113B4}" type="datetimeFigureOut">
               <a:rPr lang="en-US" smtClean="0"/>
-              <a:t>9/2/2019</a:t>
+              <a:t>9/3/2019</a:t>
             </a:fld>
             <a:endParaRPr lang="en-US"/>
           </a:p>
@@ -9520,7 +9529,7 @@
           <a:p>
             <a:fld id="{68C2560D-EC28-3B41-86E8-18F1CE0113B4}" type="datetimeFigureOut">
               <a:rPr lang="en-US" smtClean="0"/>
-              <a:t>9/2/2019</a:t>
+              <a:t>9/3/2019</a:t>
             </a:fld>
             <a:endParaRPr lang="en-US"/>
           </a:p>
@@ -9783,7 +9792,7 @@
           <a:p>
             <a:fld id="{68C2560D-EC28-3B41-86E8-18F1CE0113B4}" type="datetimeFigureOut">
               <a:rPr lang="en-US" smtClean="0"/>
-              <a:t>9/2/2019</a:t>
+              <a:t>9/3/2019</a:t>
             </a:fld>
             <a:endParaRPr lang="en-US"/>
           </a:p>
@@ -9968,7 +9977,7 @@
           <a:p>
             <a:fld id="{68C2560D-EC28-3B41-86E8-18F1CE0113B4}" type="datetimeFigureOut">
               <a:rPr lang="en-US" smtClean="0"/>
-              <a:t>9/2/2019</a:t>
+              <a:t>9/3/2019</a:t>
             </a:fld>
             <a:endParaRPr lang="en-US"/>
           </a:p>
@@ -15942,7 +15951,7 @@
         <p:spPr>
           <a:xfrm>
             <a:off x="124690" y="1212273"/>
-            <a:ext cx="8902352" cy="2308324"/>
+            <a:ext cx="8902352" cy="1815882"/>
           </a:xfrm>
           <a:prstGeom prst="rect">
             <a:avLst/>
@@ -15961,7 +15970,7 @@
                 <a:latin typeface="Arial" panose="020B0604020202020204" pitchFamily="34" charset="0"/>
                 <a:cs typeface="Arial" panose="020B0604020202020204" pitchFamily="34" charset="0"/>
               </a:rPr>
-              <a:t>Clústeres</a:t>
+              <a:t>Almacenes de datos</a:t>
             </a:r>
           </a:p>
           <a:p>
@@ -15971,7 +15980,7 @@
                 <a:latin typeface="Arial" panose="020B0604020202020204" pitchFamily="34" charset="0"/>
                 <a:cs typeface="Arial" panose="020B0604020202020204" pitchFamily="34" charset="0"/>
               </a:rPr>
-              <a:t>Una recopilación de hosts </a:t>
+              <a:t>Una representación virtual de los recursos de almacenamiento físico subyacentes en el centro de datos. Un almacén de datos constituye la ubicación de almacenamiento para los archivos de la máquina virtual. Estos recursos de almacenamiento físico pueden provenir del disco de SCSI local del host </a:t>
             </a:r>
             <a:r>
               <a:rPr lang="es-MX" sz="1600" dirty="0" err="1">
@@ -15985,94 +15994,21 @@
                 <a:latin typeface="Arial" panose="020B0604020202020204" pitchFamily="34" charset="0"/>
                 <a:cs typeface="Arial" panose="020B0604020202020204" pitchFamily="34" charset="0"/>
               </a:rPr>
-              <a:t> y las máquinas virtuales asociadas destinados a trabajar juntos como una unidad. Cuando se agrega un host a un clúster, los recursos del host se vuelven parte de los recursos del clúster. El clúster administra los recursos de todos los hosts.</a:t>
-            </a:r>
-          </a:p>
-          <a:p>
-            <a:pPr algn="just"/>
-            <a:endParaRPr lang="es-MX" sz="1600" dirty="0">
-              <a:latin typeface="Arial" panose="020B0604020202020204" pitchFamily="34" charset="0"/>
-              <a:cs typeface="Arial" panose="020B0604020202020204" pitchFamily="34" charset="0"/>
-            </a:endParaRPr>
-          </a:p>
-          <a:p>
-            <a:pPr algn="just"/>
-            <a:r>
-              <a:rPr lang="es-MX" sz="1600" dirty="0">
-                <a:latin typeface="Arial" panose="020B0604020202020204" pitchFamily="34" charset="0"/>
-                <a:cs typeface="Arial" panose="020B0604020202020204" pitchFamily="34" charset="0"/>
-              </a:rPr>
-              <a:t>Si habilita VMware EVC (</a:t>
-            </a:r>
-            <a:r>
-              <a:rPr lang="es-MX" sz="1600" dirty="0" err="1">
-                <a:latin typeface="Arial" panose="020B0604020202020204" pitchFamily="34" charset="0"/>
-                <a:cs typeface="Arial" panose="020B0604020202020204" pitchFamily="34" charset="0"/>
-              </a:rPr>
-              <a:t>Enhaced</a:t>
-            </a:r>
-            <a:r>
-              <a:rPr lang="es-MX" sz="1600" dirty="0">
-                <a:latin typeface="Arial" panose="020B0604020202020204" pitchFamily="34" charset="0"/>
-                <a:cs typeface="Arial" panose="020B0604020202020204" pitchFamily="34" charset="0"/>
-              </a:rPr>
-              <a:t> </a:t>
-            </a:r>
-            <a:r>
-              <a:rPr lang="es-MX" sz="1600" dirty="0" err="1">
-                <a:latin typeface="Arial" panose="020B0604020202020204" pitchFamily="34" charset="0"/>
-                <a:cs typeface="Arial" panose="020B0604020202020204" pitchFamily="34" charset="0"/>
-              </a:rPr>
-              <a:t>Motion</a:t>
-            </a:r>
-            <a:r>
-              <a:rPr lang="es-MX" sz="1600" dirty="0">
-                <a:latin typeface="Arial" panose="020B0604020202020204" pitchFamily="34" charset="0"/>
-                <a:cs typeface="Arial" panose="020B0604020202020204" pitchFamily="34" charset="0"/>
-              </a:rPr>
-              <a:t> </a:t>
-            </a:r>
-            <a:r>
-              <a:rPr lang="es-MX" sz="1600" dirty="0" err="1">
-                <a:latin typeface="Arial" panose="020B0604020202020204" pitchFamily="34" charset="0"/>
-                <a:cs typeface="Arial" panose="020B0604020202020204" pitchFamily="34" charset="0"/>
-              </a:rPr>
-              <a:t>Compatibility</a:t>
-            </a:r>
-            <a:r>
-              <a:rPr lang="es-MX" sz="1600" dirty="0">
-                <a:latin typeface="Arial" panose="020B0604020202020204" pitchFamily="34" charset="0"/>
-                <a:cs typeface="Arial" panose="020B0604020202020204" pitchFamily="34" charset="0"/>
-              </a:rPr>
-              <a:t>) en un clúster, puede asegurarse de que las migraciones con </a:t>
-            </a:r>
-            <a:r>
-              <a:rPr lang="es-MX" sz="1600" dirty="0" err="1">
-                <a:latin typeface="Arial" panose="020B0604020202020204" pitchFamily="34" charset="0"/>
-                <a:cs typeface="Arial" panose="020B0604020202020204" pitchFamily="34" charset="0"/>
-              </a:rPr>
-              <a:t>vMotion</a:t>
-            </a:r>
-            <a:r>
-              <a:rPr lang="es-MX" sz="1600" dirty="0">
-                <a:latin typeface="Arial" panose="020B0604020202020204" pitchFamily="34" charset="0"/>
-                <a:cs typeface="Arial" panose="020B0604020202020204" pitchFamily="34" charset="0"/>
-              </a:rPr>
-              <a:t> no fallen debido a errores de compatibilidad de CPU. Si habilita </a:t>
-            </a:r>
-            <a:r>
-              <a:rPr lang="es-MX" sz="1600" dirty="0" err="1">
-                <a:latin typeface="Arial" panose="020B0604020202020204" pitchFamily="34" charset="0"/>
-                <a:cs typeface="Arial" panose="020B0604020202020204" pitchFamily="34" charset="0"/>
-              </a:rPr>
-              <a:t>vSphere</a:t>
-            </a:r>
-            <a:r>
-              <a:rPr lang="es-MX" sz="1600" dirty="0">
-                <a:latin typeface="Arial" panose="020B0604020202020204" pitchFamily="34" charset="0"/>
-                <a:cs typeface="Arial" panose="020B0604020202020204" pitchFamily="34" charset="0"/>
-              </a:rPr>
-              <a:t> HA en un clúster, los recursos del clúster se administran como un conjunto de capacidades que permiten recuperarse rápidamente de errores de hardware del host.</a:t>
+              <a:t>, las matrices de disco SAN de canal de fibra, las matrices de disco SAN de </a:t>
+            </a:r>
+            <a:r>
+              <a:rPr lang="es-MX" sz="1600" dirty="0" err="1">
+                <a:latin typeface="Arial" panose="020B0604020202020204" pitchFamily="34" charset="0"/>
+                <a:cs typeface="Arial" panose="020B0604020202020204" pitchFamily="34" charset="0"/>
+              </a:rPr>
+              <a:t>iSCSI</a:t>
+            </a:r>
+            <a:r>
+              <a:rPr lang="es-MX" sz="1600" dirty="0">
+                <a:latin typeface="Arial" panose="020B0604020202020204" pitchFamily="34" charset="0"/>
+                <a:cs typeface="Arial" panose="020B0604020202020204" pitchFamily="34" charset="0"/>
+              </a:rPr>
+              <a:t> o las matrices de almacenamiento conectado a la red (NAS). Presentan un modelo uniforme para los recursos de almacenamiento que necesitan las máquinas virtuales.</a:t>
             </a:r>
           </a:p>
         </p:txBody>
@@ -16080,7 +16016,7 @@
     </p:spTree>
     <p:extLst>
       <p:ext uri="{BB962C8B-B14F-4D97-AF65-F5344CB8AC3E}">
-        <p14:creationId xmlns:p14="http://schemas.microsoft.com/office/powerpoint/2010/main" val="2968385282"/>
+        <p14:creationId xmlns:p14="http://schemas.microsoft.com/office/powerpoint/2010/main" val="2530303635"/>
       </p:ext>
     </p:extLst>
   </p:cSld>
@@ -16688,7 +16624,7 @@
         <p:spPr>
           <a:xfrm>
             <a:off x="124690" y="1212273"/>
-            <a:ext cx="8902352" cy="1815882"/>
+            <a:ext cx="8902352" cy="3293209"/>
           </a:xfrm>
           <a:prstGeom prst="rect">
             <a:avLst/>
@@ -16707,7 +16643,7 @@
                 <a:latin typeface="Arial" panose="020B0604020202020204" pitchFamily="34" charset="0"/>
                 <a:cs typeface="Arial" panose="020B0604020202020204" pitchFamily="34" charset="0"/>
               </a:rPr>
-              <a:t>Almacenes de datos</a:t>
+              <a:t>Redes</a:t>
             </a:r>
           </a:p>
           <a:p>
@@ -16717,35 +16653,76 @@
                 <a:latin typeface="Arial" panose="020B0604020202020204" pitchFamily="34" charset="0"/>
                 <a:cs typeface="Arial" panose="020B0604020202020204" pitchFamily="34" charset="0"/>
               </a:rPr>
-              <a:t>Una representación virtual de los recursos de almacenamiento físico subyacentes en el centro de datos. Un almacén de datos constituye la ubicación de almacenamiento para los archivos de la máquina virtual. Estos recursos de almacenamiento físico pueden provenir del disco de SCSI local del host </a:t>
-            </a:r>
-            <a:r>
-              <a:rPr lang="es-MX" sz="1600" dirty="0" err="1">
-                <a:latin typeface="Arial" panose="020B0604020202020204" pitchFamily="34" charset="0"/>
-                <a:cs typeface="Arial" panose="020B0604020202020204" pitchFamily="34" charset="0"/>
-              </a:rPr>
-              <a:t>ESXi</a:t>
-            </a:r>
-            <a:r>
-              <a:rPr lang="es-MX" sz="1600" dirty="0">
-                <a:latin typeface="Arial" panose="020B0604020202020204" pitchFamily="34" charset="0"/>
-                <a:cs typeface="Arial" panose="020B0604020202020204" pitchFamily="34" charset="0"/>
-              </a:rPr>
-              <a:t>, las matrices de disco SAN de canal de fibra, las matrices de disco SAN de </a:t>
-            </a:r>
-            <a:r>
-              <a:rPr lang="es-MX" sz="1600" dirty="0" err="1">
-                <a:latin typeface="Arial" panose="020B0604020202020204" pitchFamily="34" charset="0"/>
-                <a:cs typeface="Arial" panose="020B0604020202020204" pitchFamily="34" charset="0"/>
-              </a:rPr>
-              <a:t>iSCSI</a:t>
-            </a:r>
-            <a:r>
-              <a:rPr lang="es-MX" sz="1600" dirty="0">
-                <a:latin typeface="Arial" panose="020B0604020202020204" pitchFamily="34" charset="0"/>
-                <a:cs typeface="Arial" panose="020B0604020202020204" pitchFamily="34" charset="0"/>
-              </a:rPr>
-              <a:t> o las matrices de almacenamiento conectado a la red (NAS). Presentan un modelo uniforme para los recursos de almacenamiento que necesitan las máquinas virtuales.</a:t>
+              <a:t>Un conjunto de tarjetas de interfaz de red (NIC virtuales), conmutadores distribuidos o </a:t>
+            </a:r>
+            <a:r>
+              <a:rPr lang="es-MX" sz="1600" dirty="0" err="1">
+                <a:latin typeface="Arial" panose="020B0604020202020204" pitchFamily="34" charset="0"/>
+                <a:cs typeface="Arial" panose="020B0604020202020204" pitchFamily="34" charset="0"/>
+              </a:rPr>
+              <a:t>vSphere</a:t>
+            </a:r>
+            <a:r>
+              <a:rPr lang="es-MX" sz="1600" dirty="0">
+                <a:latin typeface="Arial" panose="020B0604020202020204" pitchFamily="34" charset="0"/>
+                <a:cs typeface="Arial" panose="020B0604020202020204" pitchFamily="34" charset="0"/>
+              </a:rPr>
+              <a:t> </a:t>
+            </a:r>
+            <a:r>
+              <a:rPr lang="es-MX" sz="1600" dirty="0" err="1">
+                <a:latin typeface="Arial" panose="020B0604020202020204" pitchFamily="34" charset="0"/>
+                <a:cs typeface="Arial" panose="020B0604020202020204" pitchFamily="34" charset="0"/>
+              </a:rPr>
+              <a:t>Distributed</a:t>
+            </a:r>
+            <a:r>
+              <a:rPr lang="es-MX" sz="1600" dirty="0">
+                <a:latin typeface="Arial" panose="020B0604020202020204" pitchFamily="34" charset="0"/>
+                <a:cs typeface="Arial" panose="020B0604020202020204" pitchFamily="34" charset="0"/>
+              </a:rPr>
+              <a:t> </a:t>
+            </a:r>
+            <a:r>
+              <a:rPr lang="es-MX" sz="1600" dirty="0" err="1">
+                <a:latin typeface="Arial" panose="020B0604020202020204" pitchFamily="34" charset="0"/>
+                <a:cs typeface="Arial" panose="020B0604020202020204" pitchFamily="34" charset="0"/>
+              </a:rPr>
+              <a:t>Switch</a:t>
+            </a:r>
+            <a:r>
+              <a:rPr lang="es-MX" sz="1600" dirty="0">
+                <a:latin typeface="Arial" panose="020B0604020202020204" pitchFamily="34" charset="0"/>
+                <a:cs typeface="Arial" panose="020B0604020202020204" pitchFamily="34" charset="0"/>
+              </a:rPr>
+              <a:t>, y grupos de puertos o grupos de puertos distribuidos que conectan máquinas virtuales entre sí o con la red física fuera del centro de datos virtual. Todas las máquinas virtuales que se conectan al mismo grupo de puerto pertenecen a la misma red en el entorno virtual, incluso si se encuentran en servidores físicos diferentes. Puede supervisar las redes y puede establecer permisos y alarmas en los grupos de puertos y los grupos de puertos distribuidos.</a:t>
+            </a:r>
+          </a:p>
+          <a:p>
+            <a:pPr algn="just"/>
+            <a:endParaRPr lang="es-MX" sz="1600" dirty="0">
+              <a:latin typeface="Arial" panose="020B0604020202020204" pitchFamily="34" charset="0"/>
+              <a:cs typeface="Arial" panose="020B0604020202020204" pitchFamily="34" charset="0"/>
+            </a:endParaRPr>
+          </a:p>
+          <a:p>
+            <a:pPr algn="just"/>
+            <a:r>
+              <a:rPr lang="es-MX" sz="1600" dirty="0">
+                <a:latin typeface="Arial" panose="020B0604020202020204" pitchFamily="34" charset="0"/>
+                <a:cs typeface="Arial" panose="020B0604020202020204" pitchFamily="34" charset="0"/>
+              </a:rPr>
+              <a:t>Máquinas virtuales</a:t>
+            </a:r>
+          </a:p>
+          <a:p>
+            <a:pPr algn="just"/>
+            <a:r>
+              <a:rPr lang="es-MX" sz="1600" dirty="0">
+                <a:latin typeface="Arial" panose="020B0604020202020204" pitchFamily="34" charset="0"/>
+                <a:cs typeface="Arial" panose="020B0604020202020204" pitchFamily="34" charset="0"/>
+              </a:rPr>
+              <a:t>Un entorno de equipo virtualizado en el que pueden ejecutarse un sistema operativo invitado y el software de aplicación asociado. Varias máquinas virtuales pueden funcionar a la vez en el mismo equipo host administrado.</a:t>
             </a:r>
           </a:p>
         </p:txBody>
@@ -16753,7 +16730,7 @@
     </p:spTree>
     <p:extLst>
       <p:ext uri="{BB962C8B-B14F-4D97-AF65-F5344CB8AC3E}">
-        <p14:creationId xmlns:p14="http://schemas.microsoft.com/office/powerpoint/2010/main" val="2530303635"/>
+        <p14:creationId xmlns:p14="http://schemas.microsoft.com/office/powerpoint/2010/main" val="2900350642"/>
       </p:ext>
     </p:extLst>
   </p:cSld>
@@ -16858,217 +16835,6 @@
         <p:spPr>
           <a:xfrm>
             <a:off x="124690" y="1212273"/>
-            <a:ext cx="8902352" cy="3293209"/>
-          </a:xfrm>
-          <a:prstGeom prst="rect">
-            <a:avLst/>
-          </a:prstGeom>
-          <a:noFill/>
-        </p:spPr>
-        <p:txBody>
-          <a:bodyPr wrap="square" rtlCol="0">
-            <a:spAutoFit/>
-          </a:bodyPr>
-          <a:lstStyle/>
-          <a:p>
-            <a:pPr algn="just"/>
-            <a:r>
-              <a:rPr lang="es-MX" sz="1600" dirty="0">
-                <a:latin typeface="Arial" panose="020B0604020202020204" pitchFamily="34" charset="0"/>
-                <a:cs typeface="Arial" panose="020B0604020202020204" pitchFamily="34" charset="0"/>
-              </a:rPr>
-              <a:t>Redes</a:t>
-            </a:r>
-          </a:p>
-          <a:p>
-            <a:pPr algn="just"/>
-            <a:r>
-              <a:rPr lang="es-MX" sz="1600" dirty="0">
-                <a:latin typeface="Arial" panose="020B0604020202020204" pitchFamily="34" charset="0"/>
-                <a:cs typeface="Arial" panose="020B0604020202020204" pitchFamily="34" charset="0"/>
-              </a:rPr>
-              <a:t>Un conjunto de tarjetas de interfaz de red (NIC virtuales), conmutadores distribuidos o </a:t>
-            </a:r>
-            <a:r>
-              <a:rPr lang="es-MX" sz="1600" dirty="0" err="1">
-                <a:latin typeface="Arial" panose="020B0604020202020204" pitchFamily="34" charset="0"/>
-                <a:cs typeface="Arial" panose="020B0604020202020204" pitchFamily="34" charset="0"/>
-              </a:rPr>
-              <a:t>vSphere</a:t>
-            </a:r>
-            <a:r>
-              <a:rPr lang="es-MX" sz="1600" dirty="0">
-                <a:latin typeface="Arial" panose="020B0604020202020204" pitchFamily="34" charset="0"/>
-                <a:cs typeface="Arial" panose="020B0604020202020204" pitchFamily="34" charset="0"/>
-              </a:rPr>
-              <a:t> </a:t>
-            </a:r>
-            <a:r>
-              <a:rPr lang="es-MX" sz="1600" dirty="0" err="1">
-                <a:latin typeface="Arial" panose="020B0604020202020204" pitchFamily="34" charset="0"/>
-                <a:cs typeface="Arial" panose="020B0604020202020204" pitchFamily="34" charset="0"/>
-              </a:rPr>
-              <a:t>Distributed</a:t>
-            </a:r>
-            <a:r>
-              <a:rPr lang="es-MX" sz="1600" dirty="0">
-                <a:latin typeface="Arial" panose="020B0604020202020204" pitchFamily="34" charset="0"/>
-                <a:cs typeface="Arial" panose="020B0604020202020204" pitchFamily="34" charset="0"/>
-              </a:rPr>
-              <a:t> </a:t>
-            </a:r>
-            <a:r>
-              <a:rPr lang="es-MX" sz="1600" dirty="0" err="1">
-                <a:latin typeface="Arial" panose="020B0604020202020204" pitchFamily="34" charset="0"/>
-                <a:cs typeface="Arial" panose="020B0604020202020204" pitchFamily="34" charset="0"/>
-              </a:rPr>
-              <a:t>Switch</a:t>
-            </a:r>
-            <a:r>
-              <a:rPr lang="es-MX" sz="1600" dirty="0">
-                <a:latin typeface="Arial" panose="020B0604020202020204" pitchFamily="34" charset="0"/>
-                <a:cs typeface="Arial" panose="020B0604020202020204" pitchFamily="34" charset="0"/>
-              </a:rPr>
-              <a:t>, y grupos de puertos o grupos de puertos distribuidos que conectan máquinas virtuales entre sí o con la red física fuera del centro de datos virtual. Todas las máquinas virtuales que se conectan al mismo grupo de puerto pertenecen a la misma red en el entorno virtual, incluso si se encuentran en servidores físicos diferentes. Puede supervisar las redes y puede establecer permisos y alarmas en los grupos de puertos y los grupos de puertos distribuidos.</a:t>
-            </a:r>
-          </a:p>
-          <a:p>
-            <a:pPr algn="just"/>
-            <a:endParaRPr lang="es-MX" sz="1600" dirty="0">
-              <a:latin typeface="Arial" panose="020B0604020202020204" pitchFamily="34" charset="0"/>
-              <a:cs typeface="Arial" panose="020B0604020202020204" pitchFamily="34" charset="0"/>
-            </a:endParaRPr>
-          </a:p>
-          <a:p>
-            <a:pPr algn="just"/>
-            <a:r>
-              <a:rPr lang="es-MX" sz="1600" dirty="0">
-                <a:latin typeface="Arial" panose="020B0604020202020204" pitchFamily="34" charset="0"/>
-                <a:cs typeface="Arial" panose="020B0604020202020204" pitchFamily="34" charset="0"/>
-              </a:rPr>
-              <a:t>Máquinas virtuales</a:t>
-            </a:r>
-          </a:p>
-          <a:p>
-            <a:pPr algn="just"/>
-            <a:r>
-              <a:rPr lang="es-MX" sz="1600" dirty="0">
-                <a:latin typeface="Arial" panose="020B0604020202020204" pitchFamily="34" charset="0"/>
-                <a:cs typeface="Arial" panose="020B0604020202020204" pitchFamily="34" charset="0"/>
-              </a:rPr>
-              <a:t>Un entorno de equipo virtualizado en el que pueden ejecutarse un sistema operativo invitado y el software de aplicación asociado. Varias máquinas virtuales pueden funcionar a la vez en el mismo equipo host administrado.</a:t>
-            </a:r>
-          </a:p>
-        </p:txBody>
-      </p:sp>
-    </p:spTree>
-    <p:extLst>
-      <p:ext uri="{BB962C8B-B14F-4D97-AF65-F5344CB8AC3E}">
-        <p14:creationId xmlns:p14="http://schemas.microsoft.com/office/powerpoint/2010/main" val="2900350642"/>
-      </p:ext>
-    </p:extLst>
-  </p:cSld>
-  <p:clrMapOvr>
-    <a:masterClrMapping/>
-  </p:clrMapOvr>
-</p:sld>
-</file>
-
-<file path=ppt/slides/slide32.xml><?xml version="1.0" encoding="utf-8"?>
-<p:sld xmlns:a="http://schemas.openxmlformats.org/drawingml/2006/main" xmlns:r="http://schemas.openxmlformats.org/officeDocument/2006/relationships" xmlns:p="http://schemas.openxmlformats.org/presentationml/2006/main">
-  <p:cSld>
-    <p:bg>
-      <p:bgPr>
-        <a:blipFill rotWithShape="1">
-          <a:blip r:embed="rId2"/>
-          <a:stretch>
-            <a:fillRect/>
-          </a:stretch>
-        </a:blipFill>
-        <a:effectLst/>
-      </p:bgPr>
-    </p:bg>
-    <p:spTree>
-      <p:nvGrpSpPr>
-        <p:cNvPr id="1" name=""/>
-        <p:cNvGrpSpPr/>
-        <p:nvPr/>
-      </p:nvGrpSpPr>
-      <p:grpSpPr>
-        <a:xfrm>
-          <a:off x="0" y="0"/>
-          <a:ext cx="0" cy="0"/>
-          <a:chOff x="0" y="0"/>
-          <a:chExt cx="0" cy="0"/>
-        </a:xfrm>
-      </p:grpSpPr>
-      <p:sp>
-        <p:nvSpPr>
-          <p:cNvPr id="4" name="CuadroTexto 3">
-            <a:extLst>
-              <a:ext uri="{FF2B5EF4-FFF2-40B4-BE49-F238E27FC236}">
-                <a16:creationId xmlns:a16="http://schemas.microsoft.com/office/drawing/2014/main" id="{22969A7C-AD75-42B9-8681-50349BF7A6A5}"/>
-              </a:ext>
-            </a:extLst>
-          </p:cNvPr>
-          <p:cNvSpPr txBox="1"/>
-          <p:nvPr/>
-        </p:nvSpPr>
-        <p:spPr>
-          <a:xfrm>
-            <a:off x="3553690" y="498764"/>
-            <a:ext cx="5590309" cy="400110"/>
-          </a:xfrm>
-          <a:prstGeom prst="rect">
-            <a:avLst/>
-          </a:prstGeom>
-          <a:noFill/>
-        </p:spPr>
-        <p:txBody>
-          <a:bodyPr wrap="square" rtlCol="0">
-            <a:spAutoFit/>
-          </a:bodyPr>
-          <a:lstStyle/>
-          <a:p>
-            <a:r>
-              <a:rPr lang="es-MX" sz="2000" dirty="0">
-                <a:latin typeface="Arial" panose="020B0604020202020204" pitchFamily="34" charset="0"/>
-                <a:cs typeface="Arial" panose="020B0604020202020204" pitchFamily="34" charset="0"/>
-              </a:rPr>
-              <a:t>Introducción a la virtualización de </a:t>
-            </a:r>
-            <a:r>
-              <a:rPr lang="es-MX" sz="2000" dirty="0" err="1">
-                <a:latin typeface="Arial" panose="020B0604020202020204" pitchFamily="34" charset="0"/>
-                <a:cs typeface="Arial" panose="020B0604020202020204" pitchFamily="34" charset="0"/>
-              </a:rPr>
-              <a:t>vSphere</a:t>
-            </a:r>
-            <a:r>
-              <a:rPr lang="es-MX" sz="2000" dirty="0">
-                <a:latin typeface="Arial" panose="020B0604020202020204" pitchFamily="34" charset="0"/>
-                <a:cs typeface="Arial" panose="020B0604020202020204" pitchFamily="34" charset="0"/>
-              </a:rPr>
-              <a:t> </a:t>
-            </a:r>
-          </a:p>
-        </p:txBody>
-      </p:sp>
-      <p:sp>
-        <p:nvSpPr>
-          <p:cNvPr id="5" name="CuadroTexto 4">
-            <a:extLst>
-              <a:ext uri="{FF2B5EF4-FFF2-40B4-BE49-F238E27FC236}">
-                <a16:creationId xmlns:a16="http://schemas.microsoft.com/office/drawing/2014/main" id="{996360A4-7287-4161-9B02-9963E1AB4B06}"/>
-              </a:ext>
-            </a:extLst>
-          </p:cNvPr>
-          <p:cNvSpPr txBox="1"/>
-          <p:nvPr/>
-        </p:nvSpPr>
-        <p:spPr>
-          <a:xfrm>
-            <a:off x="124690" y="1212273"/>
             <a:ext cx="8902352" cy="2308324"/>
           </a:xfrm>
           <a:prstGeom prst="rect">
@@ -17283,7 +17049,7 @@
 </p:sld>
 </file>
 
-<file path=ppt/slides/slide33.xml><?xml version="1.0" encoding="utf-8"?>
+<file path=ppt/slides/slide32.xml><?xml version="1.0" encoding="utf-8"?>
 <p:sld xmlns:a="http://schemas.openxmlformats.org/drawingml/2006/main" xmlns:r="http://schemas.openxmlformats.org/officeDocument/2006/relationships" xmlns:p="http://schemas.openxmlformats.org/presentationml/2006/main">
   <p:cSld>
     <p:bg>
@@ -17410,6 +17176,201 @@
 </p:sld>
 </file>
 
+<file path=ppt/slides/slide33.xml><?xml version="1.0" encoding="utf-8"?>
+<p:sld xmlns:a="http://schemas.openxmlformats.org/drawingml/2006/main" xmlns:r="http://schemas.openxmlformats.org/officeDocument/2006/relationships" xmlns:p="http://schemas.openxmlformats.org/presentationml/2006/main">
+  <p:cSld>
+    <p:bg>
+      <p:bgPr>
+        <a:blipFill rotWithShape="1">
+          <a:blip r:embed="rId2"/>
+          <a:stretch>
+            <a:fillRect/>
+          </a:stretch>
+        </a:blipFill>
+        <a:effectLst/>
+      </p:bgPr>
+    </p:bg>
+    <p:spTree>
+      <p:nvGrpSpPr>
+        <p:cNvPr id="1" name=""/>
+        <p:cNvGrpSpPr/>
+        <p:nvPr/>
+      </p:nvGrpSpPr>
+      <p:grpSpPr>
+        <a:xfrm>
+          <a:off x="0" y="0"/>
+          <a:ext cx="0" cy="0"/>
+          <a:chOff x="0" y="0"/>
+          <a:chExt cx="0" cy="0"/>
+        </a:xfrm>
+      </p:grpSpPr>
+      <p:sp>
+        <p:nvSpPr>
+          <p:cNvPr id="4" name="CuadroTexto 3">
+            <a:extLst>
+              <a:ext uri="{FF2B5EF4-FFF2-40B4-BE49-F238E27FC236}">
+                <a16:creationId xmlns:a16="http://schemas.microsoft.com/office/drawing/2014/main" id="{22969A7C-AD75-42B9-8681-50349BF7A6A5}"/>
+              </a:ext>
+            </a:extLst>
+          </p:cNvPr>
+          <p:cNvSpPr txBox="1"/>
+          <p:nvPr/>
+        </p:nvSpPr>
+        <p:spPr>
+          <a:xfrm>
+            <a:off x="3104708" y="498764"/>
+            <a:ext cx="6039292" cy="400110"/>
+          </a:xfrm>
+          <a:prstGeom prst="rect">
+            <a:avLst/>
+          </a:prstGeom>
+          <a:noFill/>
+        </p:spPr>
+        <p:txBody>
+          <a:bodyPr wrap="square" rtlCol="0">
+            <a:spAutoFit/>
+          </a:bodyPr>
+          <a:lstStyle/>
+          <a:p>
+            <a:pPr algn="r"/>
+            <a:r>
+              <a:rPr lang="es-MX" sz="2000" dirty="0">
+                <a:latin typeface="Arial" panose="020B0604020202020204" pitchFamily="34" charset="0"/>
+                <a:cs typeface="Arial" panose="020B0604020202020204" pitchFamily="34" charset="0"/>
+              </a:rPr>
+              <a:t>Evolución del centro de datos definido por software</a:t>
+            </a:r>
+          </a:p>
+        </p:txBody>
+      </p:sp>
+      <p:sp>
+        <p:nvSpPr>
+          <p:cNvPr id="5" name="CuadroTexto 4">
+            <a:extLst>
+              <a:ext uri="{FF2B5EF4-FFF2-40B4-BE49-F238E27FC236}">
+                <a16:creationId xmlns:a16="http://schemas.microsoft.com/office/drawing/2014/main" id="{996360A4-7287-4161-9B02-9963E1AB4B06}"/>
+              </a:ext>
+            </a:extLst>
+          </p:cNvPr>
+          <p:cNvSpPr txBox="1"/>
+          <p:nvPr/>
+        </p:nvSpPr>
+        <p:spPr>
+          <a:xfrm>
+            <a:off x="124690" y="1212273"/>
+            <a:ext cx="8902352" cy="3046988"/>
+          </a:xfrm>
+          <a:prstGeom prst="rect">
+            <a:avLst/>
+          </a:prstGeom>
+          <a:noFill/>
+        </p:spPr>
+        <p:txBody>
+          <a:bodyPr wrap="square" rtlCol="0">
+            <a:spAutoFit/>
+          </a:bodyPr>
+          <a:lstStyle/>
+          <a:p>
+            <a:pPr algn="just"/>
+            <a:r>
+              <a:rPr lang="es-MX" sz="1600" dirty="0">
+                <a:latin typeface="Arial" panose="020B0604020202020204" pitchFamily="34" charset="0"/>
+                <a:cs typeface="Arial" panose="020B0604020202020204" pitchFamily="34" charset="0"/>
+              </a:rPr>
+              <a:t>En la era digital, la virtualización se ha abierto paso y cada vez es implementada por más compañías, tanto grandes como pequeñas, ya que las infraestructuras definidas por software proporcionan una inmediatez que las físicas no pueden ofrecer. </a:t>
+            </a:r>
+          </a:p>
+          <a:p>
+            <a:pPr algn="just"/>
+            <a:endParaRPr lang="es-MX" sz="1600" dirty="0">
+              <a:latin typeface="Arial" panose="020B0604020202020204" pitchFamily="34" charset="0"/>
+              <a:cs typeface="Arial" panose="020B0604020202020204" pitchFamily="34" charset="0"/>
+            </a:endParaRPr>
+          </a:p>
+          <a:p>
+            <a:pPr algn="just"/>
+            <a:r>
+              <a:rPr lang="es-MX" sz="1600" dirty="0">
+                <a:latin typeface="Arial" panose="020B0604020202020204" pitchFamily="34" charset="0"/>
+                <a:cs typeface="Arial" panose="020B0604020202020204" pitchFamily="34" charset="0"/>
+              </a:rPr>
+              <a:t>Basados en arquitecturas Hardware, los </a:t>
+            </a:r>
+            <a:r>
+              <a:rPr lang="es-MX" sz="1600" dirty="0" err="1">
+                <a:latin typeface="Arial" panose="020B0604020202020204" pitchFamily="34" charset="0"/>
+                <a:cs typeface="Arial" panose="020B0604020202020204" pitchFamily="34" charset="0"/>
+              </a:rPr>
+              <a:t>DataCenters</a:t>
+            </a:r>
+            <a:r>
+              <a:rPr lang="es-MX" sz="1600" dirty="0">
+                <a:latin typeface="Arial" panose="020B0604020202020204" pitchFamily="34" charset="0"/>
+                <a:cs typeface="Arial" panose="020B0604020202020204" pitchFamily="34" charset="0"/>
+              </a:rPr>
+              <a:t> tradicionales estaban pensados para ser robustos y seguros, pero no adaptables, ágiles y eficientes.</a:t>
+            </a:r>
+          </a:p>
+          <a:p>
+            <a:pPr algn="just"/>
+            <a:endParaRPr lang="es-MX" sz="1600" dirty="0">
+              <a:latin typeface="Arial" panose="020B0604020202020204" pitchFamily="34" charset="0"/>
+              <a:cs typeface="Arial" panose="020B0604020202020204" pitchFamily="34" charset="0"/>
+            </a:endParaRPr>
+          </a:p>
+          <a:p>
+            <a:pPr algn="just"/>
+            <a:r>
+              <a:rPr lang="es-MX" sz="1600" dirty="0">
+                <a:latin typeface="Arial" panose="020B0604020202020204" pitchFamily="34" charset="0"/>
+                <a:cs typeface="Arial" panose="020B0604020202020204" pitchFamily="34" charset="0"/>
+              </a:rPr>
+              <a:t>Centro de datos definidos por software o Software-</a:t>
+            </a:r>
+            <a:r>
+              <a:rPr lang="es-MX" sz="1600" dirty="0" err="1">
+                <a:latin typeface="Arial" panose="020B0604020202020204" pitchFamily="34" charset="0"/>
+                <a:cs typeface="Arial" panose="020B0604020202020204" pitchFamily="34" charset="0"/>
+              </a:rPr>
+              <a:t>Defined</a:t>
+            </a:r>
+            <a:r>
+              <a:rPr lang="es-MX" sz="1600" dirty="0">
+                <a:latin typeface="Arial" panose="020B0604020202020204" pitchFamily="34" charset="0"/>
+                <a:cs typeface="Arial" panose="020B0604020202020204" pitchFamily="34" charset="0"/>
+              </a:rPr>
+              <a:t> Data </a:t>
+            </a:r>
+            <a:r>
+              <a:rPr lang="es-MX" sz="1600" dirty="0" err="1">
+                <a:latin typeface="Arial" panose="020B0604020202020204" pitchFamily="34" charset="0"/>
+                <a:cs typeface="Arial" panose="020B0604020202020204" pitchFamily="34" charset="0"/>
+              </a:rPr>
+              <a:t>Denter</a:t>
+            </a:r>
+            <a:r>
+              <a:rPr lang="es-MX" sz="1600" dirty="0">
+                <a:latin typeface="Arial" panose="020B0604020202020204" pitchFamily="34" charset="0"/>
+                <a:cs typeface="Arial" panose="020B0604020202020204" pitchFamily="34" charset="0"/>
+              </a:rPr>
+              <a:t> (SDDC), es la frase que se usa para referirse a un centro de datos donde toda la infraestructura se virtualiza y se entrega como un servicio. El control del centro de datos está completamente automatizado por el software, es decir, la configuración de hardware se mantiene a través de los sistemas de software inteligentes. </a:t>
+            </a:r>
+          </a:p>
+        </p:txBody>
+      </p:sp>
+    </p:spTree>
+    <p:extLst>
+      <p:ext uri="{BB962C8B-B14F-4D97-AF65-F5344CB8AC3E}">
+        <p14:creationId xmlns:p14="http://schemas.microsoft.com/office/powerpoint/2010/main" val="3626003503"/>
+      </p:ext>
+    </p:extLst>
+  </p:cSld>
+  <p:clrMapOvr>
+    <a:masterClrMapping/>
+  </p:clrMapOvr>
+</p:sld>
+</file>
+
 <file path=ppt/slides/slide34.xml><?xml version="1.0" encoding="utf-8"?>
 <p:sld xmlns:a="http://schemas.openxmlformats.org/drawingml/2006/main" xmlns:r="http://schemas.openxmlformats.org/officeDocument/2006/relationships" xmlns:p="http://schemas.openxmlformats.org/presentationml/2006/main">
   <p:cSld>
@@ -17491,8 +17452,8 @@
         </p:nvSpPr>
         <p:spPr>
           <a:xfrm>
-            <a:off x="124690" y="1212273"/>
-            <a:ext cx="8902352" cy="3046988"/>
+            <a:off x="124689" y="1212273"/>
+            <a:ext cx="3628604" cy="2308324"/>
           </a:xfrm>
           <a:prstGeom prst="rect">
             <a:avLst/>
@@ -17511,91 +17472,73 @@
                 <a:latin typeface="Arial" panose="020B0604020202020204" pitchFamily="34" charset="0"/>
                 <a:cs typeface="Arial" panose="020B0604020202020204" pitchFamily="34" charset="0"/>
               </a:rPr>
-              <a:t>En la era digital, la virtualización se ha abierto paso y cada vez es implementada por más compañías, tanto grandes como pequeñas, ya que las infraestructuras definidas por software proporcionan una inmediatez que las físicas no pueden ofrecer. </a:t>
-            </a:r>
-          </a:p>
-          <a:p>
-            <a:pPr algn="just"/>
-            <a:endParaRPr lang="es-MX" sz="1600" dirty="0">
-              <a:latin typeface="Arial" panose="020B0604020202020204" pitchFamily="34" charset="0"/>
-              <a:cs typeface="Arial" panose="020B0604020202020204" pitchFamily="34" charset="0"/>
-            </a:endParaRPr>
-          </a:p>
-          <a:p>
-            <a:pPr algn="just"/>
-            <a:r>
-              <a:rPr lang="es-MX" sz="1600" dirty="0">
-                <a:latin typeface="Arial" panose="020B0604020202020204" pitchFamily="34" charset="0"/>
-                <a:cs typeface="Arial" panose="020B0604020202020204" pitchFamily="34" charset="0"/>
-              </a:rPr>
-              <a:t>Basados en arquitecturas Hardware, los </a:t>
-            </a:r>
-            <a:r>
-              <a:rPr lang="es-MX" sz="1600" dirty="0" err="1">
-                <a:latin typeface="Arial" panose="020B0604020202020204" pitchFamily="34" charset="0"/>
-                <a:cs typeface="Arial" panose="020B0604020202020204" pitchFamily="34" charset="0"/>
-              </a:rPr>
-              <a:t>DataCenters</a:t>
-            </a:r>
-            <a:r>
-              <a:rPr lang="es-MX" sz="1600" dirty="0">
-                <a:latin typeface="Arial" panose="020B0604020202020204" pitchFamily="34" charset="0"/>
-                <a:cs typeface="Arial" panose="020B0604020202020204" pitchFamily="34" charset="0"/>
-              </a:rPr>
-              <a:t> tradicionales estaban pensados para ser robustos y seguros, pero no adaptables, ágiles y eficientes.</a:t>
-            </a:r>
-          </a:p>
-          <a:p>
-            <a:pPr algn="just"/>
-            <a:endParaRPr lang="es-MX" sz="1600" dirty="0">
-              <a:latin typeface="Arial" panose="020B0604020202020204" pitchFamily="34" charset="0"/>
-              <a:cs typeface="Arial" panose="020B0604020202020204" pitchFamily="34" charset="0"/>
-            </a:endParaRPr>
-          </a:p>
-          <a:p>
-            <a:pPr algn="just"/>
-            <a:r>
-              <a:rPr lang="es-MX" sz="1600" dirty="0">
-                <a:latin typeface="Arial" panose="020B0604020202020204" pitchFamily="34" charset="0"/>
-                <a:cs typeface="Arial" panose="020B0604020202020204" pitchFamily="34" charset="0"/>
-              </a:rPr>
-              <a:t>Centro de datos definidos por software o Software-</a:t>
-            </a:r>
-            <a:r>
-              <a:rPr lang="es-MX" sz="1600" dirty="0" err="1">
-                <a:latin typeface="Arial" panose="020B0604020202020204" pitchFamily="34" charset="0"/>
-                <a:cs typeface="Arial" panose="020B0604020202020204" pitchFamily="34" charset="0"/>
-              </a:rPr>
-              <a:t>Defined</a:t>
-            </a:r>
-            <a:r>
-              <a:rPr lang="es-MX" sz="1600" dirty="0">
-                <a:latin typeface="Arial" panose="020B0604020202020204" pitchFamily="34" charset="0"/>
-                <a:cs typeface="Arial" panose="020B0604020202020204" pitchFamily="34" charset="0"/>
-              </a:rPr>
-              <a:t> Data </a:t>
-            </a:r>
-            <a:r>
-              <a:rPr lang="es-MX" sz="1600" dirty="0" err="1">
-                <a:latin typeface="Arial" panose="020B0604020202020204" pitchFamily="34" charset="0"/>
-                <a:cs typeface="Arial" panose="020B0604020202020204" pitchFamily="34" charset="0"/>
-              </a:rPr>
-              <a:t>Denter</a:t>
-            </a:r>
-            <a:r>
-              <a:rPr lang="es-MX" sz="1600" dirty="0">
-                <a:latin typeface="Arial" panose="020B0604020202020204" pitchFamily="34" charset="0"/>
-                <a:cs typeface="Arial" panose="020B0604020202020204" pitchFamily="34" charset="0"/>
-              </a:rPr>
-              <a:t> (SDDC), es la frase que se usa para referirse a un centro de datos donde toda la infraestructura se virtualiza y se entrega como un servicio. El control del centro de datos está completamente automatizado por el software, es decir, la configuración de hardware se mantiene a través de los sistemas de software inteligentes. </a:t>
+              <a:t>El principio básico del “software </a:t>
+            </a:r>
+            <a:r>
+              <a:rPr lang="es-MX" sz="1600" dirty="0" err="1">
+                <a:latin typeface="Arial" panose="020B0604020202020204" pitchFamily="34" charset="0"/>
+                <a:cs typeface="Arial" panose="020B0604020202020204" pitchFamily="34" charset="0"/>
+              </a:rPr>
+              <a:t>defined</a:t>
+            </a:r>
+            <a:r>
+              <a:rPr lang="es-MX" sz="1600" dirty="0">
+                <a:latin typeface="Arial" panose="020B0604020202020204" pitchFamily="34" charset="0"/>
+                <a:cs typeface="Arial" panose="020B0604020202020204" pitchFamily="34" charset="0"/>
+              </a:rPr>
+              <a:t> </a:t>
+            </a:r>
+            <a:r>
+              <a:rPr lang="es-MX" sz="1600" dirty="0" err="1">
+                <a:latin typeface="Arial" panose="020B0604020202020204" pitchFamily="34" charset="0"/>
+                <a:cs typeface="Arial" panose="020B0604020202020204" pitchFamily="34" charset="0"/>
+              </a:rPr>
+              <a:t>storage</a:t>
+            </a:r>
+            <a:r>
+              <a:rPr lang="es-MX" sz="1600" dirty="0">
+                <a:latin typeface="Arial" panose="020B0604020202020204" pitchFamily="34" charset="0"/>
+                <a:cs typeface="Arial" panose="020B0604020202020204" pitchFamily="34" charset="0"/>
+              </a:rPr>
+              <a:t>”, es la virtualización, que junto con otras funcionalidades para generar eficiencias funciona de la siguiente manera: Se establece un “pool” común de unidades de almacenamiento, y mediante una capa de software, se manejan como uno solo.</a:t>
             </a:r>
           </a:p>
         </p:txBody>
       </p:sp>
+      <p:pic>
+        <p:nvPicPr>
+          <p:cNvPr id="3" name="Imagen 2">
+            <a:extLst>
+              <a:ext uri="{FF2B5EF4-FFF2-40B4-BE49-F238E27FC236}">
+                <a16:creationId xmlns:a16="http://schemas.microsoft.com/office/drawing/2014/main" id="{B80526C8-485D-414F-AA4A-D50ABEB85A1B}"/>
+              </a:ext>
+            </a:extLst>
+          </p:cNvPr>
+          <p:cNvPicPr>
+            <a:picLocks noChangeAspect="1"/>
+          </p:cNvPicPr>
+          <p:nvPr/>
+        </p:nvPicPr>
+        <p:blipFill>
+          <a:blip r:embed="rId3"/>
+          <a:stretch>
+            <a:fillRect/>
+          </a:stretch>
+        </p:blipFill>
+        <p:spPr>
+          <a:xfrm>
+            <a:off x="3902149" y="1212272"/>
+            <a:ext cx="5117162" cy="3135371"/>
+          </a:xfrm>
+          <a:prstGeom prst="rect">
+            <a:avLst/>
+          </a:prstGeom>
+        </p:spPr>
+      </p:pic>
     </p:spTree>
     <p:extLst>
       <p:ext uri="{BB962C8B-B14F-4D97-AF65-F5344CB8AC3E}">
-        <p14:creationId xmlns:p14="http://schemas.microsoft.com/office/powerpoint/2010/main" val="3626003503"/>
+        <p14:creationId xmlns:p14="http://schemas.microsoft.com/office/powerpoint/2010/main" val="1865154648"/>
       </p:ext>
     </p:extLst>
   </p:cSld>
@@ -17687,7 +17630,7 @@
         <p:spPr>
           <a:xfrm>
             <a:off x="124689" y="1212273"/>
-            <a:ext cx="3628604" cy="2308324"/>
+            <a:ext cx="8881088" cy="2062103"/>
           </a:xfrm>
           <a:prstGeom prst="rect">
             <a:avLst/>
@@ -17703,76 +17646,57 @@
             <a:pPr algn="just"/>
             <a:r>
               <a:rPr lang="es-MX" sz="1600" dirty="0">
-                <a:latin typeface="Arial" panose="020B0604020202020204" pitchFamily="34" charset="0"/>
-                <a:cs typeface="Arial" panose="020B0604020202020204" pitchFamily="34" charset="0"/>
-              </a:rPr>
-              <a:t>El principio básico del “software </a:t>
-            </a:r>
-            <a:r>
-              <a:rPr lang="es-MX" sz="1600" dirty="0" err="1">
-                <a:latin typeface="Arial" panose="020B0604020202020204" pitchFamily="34" charset="0"/>
-                <a:cs typeface="Arial" panose="020B0604020202020204" pitchFamily="34" charset="0"/>
-              </a:rPr>
-              <a:t>defined</a:t>
-            </a:r>
-            <a:r>
-              <a:rPr lang="es-MX" sz="1600" dirty="0">
-                <a:latin typeface="Arial" panose="020B0604020202020204" pitchFamily="34" charset="0"/>
-                <a:cs typeface="Arial" panose="020B0604020202020204" pitchFamily="34" charset="0"/>
-              </a:rPr>
-              <a:t> </a:t>
-            </a:r>
-            <a:r>
-              <a:rPr lang="es-MX" sz="1600" dirty="0" err="1">
-                <a:latin typeface="Arial" panose="020B0604020202020204" pitchFamily="34" charset="0"/>
-                <a:cs typeface="Arial" panose="020B0604020202020204" pitchFamily="34" charset="0"/>
-              </a:rPr>
-              <a:t>storage</a:t>
-            </a:r>
-            <a:r>
-              <a:rPr lang="es-MX" sz="1600" dirty="0">
-                <a:latin typeface="Arial" panose="020B0604020202020204" pitchFamily="34" charset="0"/>
-                <a:cs typeface="Arial" panose="020B0604020202020204" pitchFamily="34" charset="0"/>
-              </a:rPr>
-              <a:t>”, es la virtualización, que junto con otras funcionalidades para generar eficiencias funciona de la siguiente manera: Se establece un “pool” común de unidades de almacenamiento, y mediante una capa de software, se manejan como uno solo.</a:t>
+                <a:solidFill>
+                  <a:schemeClr val="tx2">
+                    <a:lumMod val="75000"/>
+                  </a:schemeClr>
+                </a:solidFill>
+                <a:latin typeface="Arial" panose="020B0604020202020204" pitchFamily="34" charset="0"/>
+                <a:cs typeface="Arial" panose="020B0604020202020204" pitchFamily="34" charset="0"/>
+              </a:rPr>
+              <a:t>¿Cuáles es la función de un centro de datos definido por software?</a:t>
+            </a:r>
+          </a:p>
+          <a:p>
+            <a:pPr algn="just"/>
+            <a:endParaRPr lang="es-MX" sz="1600" dirty="0">
+              <a:latin typeface="Arial" panose="020B0604020202020204" pitchFamily="34" charset="0"/>
+              <a:cs typeface="Arial" panose="020B0604020202020204" pitchFamily="34" charset="0"/>
+            </a:endParaRPr>
+          </a:p>
+          <a:p>
+            <a:pPr algn="just"/>
+            <a:r>
+              <a:rPr lang="es-MX" sz="1600" dirty="0">
+                <a:latin typeface="Arial" panose="020B0604020202020204" pitchFamily="34" charset="0"/>
+                <a:cs typeface="Arial" panose="020B0604020202020204" pitchFamily="34" charset="0"/>
+              </a:rPr>
+              <a:t>Disponible en una combinación flexible de nubes privadas e híbridas</a:t>
+            </a:r>
+          </a:p>
+          <a:p>
+            <a:pPr algn="just"/>
+            <a:endParaRPr lang="es-MX" sz="1600" dirty="0">
+              <a:latin typeface="Arial" panose="020B0604020202020204" pitchFamily="34" charset="0"/>
+              <a:cs typeface="Arial" panose="020B0604020202020204" pitchFamily="34" charset="0"/>
+            </a:endParaRPr>
+          </a:p>
+          <a:p>
+            <a:pPr algn="just"/>
+            <a:r>
+              <a:rPr lang="es-MX" sz="1600" dirty="0">
+                <a:latin typeface="Arial" panose="020B0604020202020204" pitchFamily="34" charset="0"/>
+                <a:cs typeface="Arial" panose="020B0604020202020204" pitchFamily="34" charset="0"/>
+              </a:rPr>
+              <a:t>Las aplicaciones y los servicios se pueden aprovisionar y ejecutar en nubes privadas en las instalaciones y en plataformas seguras de IaaS, con una movilidad de cargas de trabajo uniforme en el entorno híbrido. Puede usar prácticamente cualquier hardware, lo que reduce la necesidad de una infraestructura especializada.</a:t>
             </a:r>
           </a:p>
         </p:txBody>
       </p:sp>
-      <p:pic>
-        <p:nvPicPr>
-          <p:cNvPr id="3" name="Imagen 2">
-            <a:extLst>
-              <a:ext uri="{FF2B5EF4-FFF2-40B4-BE49-F238E27FC236}">
-                <a16:creationId xmlns:a16="http://schemas.microsoft.com/office/drawing/2014/main" id="{B80526C8-485D-414F-AA4A-D50ABEB85A1B}"/>
-              </a:ext>
-            </a:extLst>
-          </p:cNvPr>
-          <p:cNvPicPr>
-            <a:picLocks noChangeAspect="1"/>
-          </p:cNvPicPr>
-          <p:nvPr/>
-        </p:nvPicPr>
-        <p:blipFill>
-          <a:blip r:embed="rId3"/>
-          <a:stretch>
-            <a:fillRect/>
-          </a:stretch>
-        </p:blipFill>
-        <p:spPr>
-          <a:xfrm>
-            <a:off x="3902149" y="1212272"/>
-            <a:ext cx="5117162" cy="3135371"/>
-          </a:xfrm>
-          <a:prstGeom prst="rect">
-            <a:avLst/>
-          </a:prstGeom>
-        </p:spPr>
-      </p:pic>
     </p:spTree>
     <p:extLst>
       <p:ext uri="{BB962C8B-B14F-4D97-AF65-F5344CB8AC3E}">
-        <p14:creationId xmlns:p14="http://schemas.microsoft.com/office/powerpoint/2010/main" val="1865154648"/>
+        <p14:creationId xmlns:p14="http://schemas.microsoft.com/office/powerpoint/2010/main" val="84801225"/>
       </p:ext>
     </p:extLst>
   </p:cSld>
@@ -17864,7 +17788,7 @@
         <p:spPr>
           <a:xfrm>
             <a:off x="124689" y="1212273"/>
-            <a:ext cx="8881088" cy="2062103"/>
+            <a:ext cx="8881088" cy="3539430"/>
           </a:xfrm>
           <a:prstGeom prst="rect">
             <a:avLst/>
@@ -17888,7 +17812,7 @@
                 <a:latin typeface="Arial" panose="020B0604020202020204" pitchFamily="34" charset="0"/>
                 <a:cs typeface="Arial" panose="020B0604020202020204" pitchFamily="34" charset="0"/>
               </a:rPr>
-              <a:t>¿Cuáles es la función de un centro de datos definido por software?</a:t>
+              <a:t>¿Por qué?</a:t>
             </a:r>
           </a:p>
           <a:p>
@@ -17899,30 +17823,96 @@
             </a:endParaRPr>
           </a:p>
           <a:p>
-            <a:pPr algn="just"/>
-            <a:r>
-              <a:rPr lang="es-MX" sz="1600" dirty="0">
-                <a:latin typeface="Arial" panose="020B0604020202020204" pitchFamily="34" charset="0"/>
-                <a:cs typeface="Arial" panose="020B0604020202020204" pitchFamily="34" charset="0"/>
-              </a:rPr>
-              <a:t>Disponible en una combinación flexible de nubes privadas e híbridas</a:t>
-            </a:r>
-          </a:p>
-          <a:p>
-            <a:pPr algn="just"/>
-            <a:endParaRPr lang="es-MX" sz="1600" dirty="0">
-              <a:latin typeface="Arial" panose="020B0604020202020204" pitchFamily="34" charset="0"/>
-              <a:cs typeface="Arial" panose="020B0604020202020204" pitchFamily="34" charset="0"/>
-            </a:endParaRPr>
-          </a:p>
-          <a:p>
-            <a:pPr algn="just"/>
-            <a:r>
-              <a:rPr lang="es-MX" sz="1600" dirty="0">
-                <a:latin typeface="Arial" panose="020B0604020202020204" pitchFamily="34" charset="0"/>
-                <a:cs typeface="Arial" panose="020B0604020202020204" pitchFamily="34" charset="0"/>
-              </a:rPr>
-              <a:t>Las aplicaciones y los servicios se pueden aprovisionar y ejecutar en nubes privadas en las instalaciones y en plataformas seguras de IaaS, con una movilidad de cargas de trabajo uniforme en el entorno híbrido. Puede usar prácticamente cualquier hardware, lo que reduce la necesidad de una infraestructura especializada.</a:t>
+            <a:pPr marL="285750" indent="-285750" algn="just">
+              <a:buFont typeface="Wingdings" panose="05000000000000000000" pitchFamily="2" charset="2"/>
+              <a:buChar char="§"/>
+            </a:pPr>
+            <a:r>
+              <a:rPr lang="es-MX" sz="1600" dirty="0">
+                <a:latin typeface="Arial" panose="020B0604020202020204" pitchFamily="34" charset="0"/>
+                <a:cs typeface="Arial" panose="020B0604020202020204" pitchFamily="34" charset="0"/>
+              </a:rPr>
+              <a:t>Estandarizada: Infraestructura homogénea provista a través de un conjunto de hardware x86 standard, para eliminar la complejidad innecesaria.</a:t>
+            </a:r>
+          </a:p>
+          <a:p>
+            <a:pPr marL="285750" indent="-285750" algn="just">
+              <a:buFont typeface="Wingdings" panose="05000000000000000000" pitchFamily="2" charset="2"/>
+              <a:buChar char="§"/>
+            </a:pPr>
+            <a:r>
+              <a:rPr lang="es-MX" sz="1600" dirty="0">
+                <a:latin typeface="Arial" panose="020B0604020202020204" pitchFamily="34" charset="0"/>
+                <a:cs typeface="Arial" panose="020B0604020202020204" pitchFamily="34" charset="0"/>
+              </a:rPr>
+              <a:t>Homogénea: Una plataforma unificada, optimizada para todo el </a:t>
+            </a:r>
+            <a:r>
+              <a:rPr lang="es-MX" sz="1600" dirty="0" err="1">
+                <a:latin typeface="Arial" panose="020B0604020202020204" pitchFamily="34" charset="0"/>
+                <a:cs typeface="Arial" panose="020B0604020202020204" pitchFamily="34" charset="0"/>
+              </a:rPr>
+              <a:t>DataCenter</a:t>
+            </a:r>
+            <a:r>
+              <a:rPr lang="es-MX" sz="1600" dirty="0">
+                <a:latin typeface="Arial" panose="020B0604020202020204" pitchFamily="34" charset="0"/>
+                <a:cs typeface="Arial" panose="020B0604020202020204" pitchFamily="34" charset="0"/>
+              </a:rPr>
+              <a:t>, para soportar de manera flexible cualquier carga de trabajo.</a:t>
+            </a:r>
+          </a:p>
+          <a:p>
+            <a:pPr marL="285750" indent="-285750" algn="just">
+              <a:buFont typeface="Wingdings" panose="05000000000000000000" pitchFamily="2" charset="2"/>
+              <a:buChar char="§"/>
+            </a:pPr>
+            <a:r>
+              <a:rPr lang="es-MX" sz="1600" dirty="0">
+                <a:latin typeface="Arial" panose="020B0604020202020204" pitchFamily="34" charset="0"/>
+                <a:cs typeface="Arial" panose="020B0604020202020204" pitchFamily="34" charset="0"/>
+              </a:rPr>
+              <a:t>Adaptativa: Infraestructura </a:t>
+            </a:r>
+            <a:r>
+              <a:rPr lang="es-MX" sz="1600" dirty="0" err="1">
+                <a:latin typeface="Arial" panose="020B0604020202020204" pitchFamily="34" charset="0"/>
+                <a:cs typeface="Arial" panose="020B0604020202020204" pitchFamily="34" charset="0"/>
+              </a:rPr>
+              <a:t>auto-programable</a:t>
+            </a:r>
+            <a:r>
+              <a:rPr lang="es-MX" sz="1600" dirty="0">
+                <a:latin typeface="Arial" panose="020B0604020202020204" pitchFamily="34" charset="0"/>
+                <a:cs typeface="Arial" panose="020B0604020202020204" pitchFamily="34" charset="0"/>
+              </a:rPr>
+              <a:t> que configura y reconfigura dinámicamente el ambiente, de acuerdo a la demanda cambiante de las aplicaciones, para máxima performance, agilidad y eficiencia.</a:t>
+            </a:r>
+          </a:p>
+          <a:p>
+            <a:pPr marL="285750" indent="-285750" algn="just">
+              <a:buFont typeface="Wingdings" panose="05000000000000000000" pitchFamily="2" charset="2"/>
+              <a:buChar char="§"/>
+            </a:pPr>
+            <a:r>
+              <a:rPr lang="es-MX" sz="1600" dirty="0">
+                <a:latin typeface="Arial" panose="020B0604020202020204" pitchFamily="34" charset="0"/>
+                <a:cs typeface="Arial" panose="020B0604020202020204" pitchFamily="34" charset="0"/>
+              </a:rPr>
+              <a:t>Automatizada: Un orquestador de gestión con inteligencia incluida, para eliminar los complejos scripts de administración, para realizar operaciones con menos esfuerzo manual y para obtener un ahorro significativo en los costos.</a:t>
+            </a:r>
+          </a:p>
+          <a:p>
+            <a:pPr marL="285750" indent="-285750" algn="just">
+              <a:buFont typeface="Wingdings" panose="05000000000000000000" pitchFamily="2" charset="2"/>
+              <a:buChar char="§"/>
+            </a:pPr>
+            <a:r>
+              <a:rPr lang="es-MX" sz="1600" dirty="0">
+                <a:latin typeface="Arial" panose="020B0604020202020204" pitchFamily="34" charset="0"/>
+                <a:cs typeface="Arial" panose="020B0604020202020204" pitchFamily="34" charset="0"/>
+              </a:rPr>
+              <a:t>Resistente: Una arquitectura basada en software que compensa cualquier falla de hardware, entregando disponibilidad sin precedentes al mínimo costo.</a:t>
             </a:r>
           </a:p>
         </p:txBody>
@@ -17930,7 +17920,7 @@
     </p:spTree>
     <p:extLst>
       <p:ext uri="{BB962C8B-B14F-4D97-AF65-F5344CB8AC3E}">
-        <p14:creationId xmlns:p14="http://schemas.microsoft.com/office/powerpoint/2010/main" val="84801225"/>
+        <p14:creationId xmlns:p14="http://schemas.microsoft.com/office/powerpoint/2010/main" val="1401040699"/>
       </p:ext>
     </p:extLst>
   </p:cSld>
@@ -18022,7 +18012,7 @@
         <p:spPr>
           <a:xfrm>
             <a:off x="124689" y="1212273"/>
-            <a:ext cx="8881088" cy="3539430"/>
+            <a:ext cx="8881088" cy="1323439"/>
           </a:xfrm>
           <a:prstGeom prst="rect">
             <a:avLst/>
@@ -18046,7 +18036,7 @@
                 <a:latin typeface="Arial" panose="020B0604020202020204" pitchFamily="34" charset="0"/>
                 <a:cs typeface="Arial" panose="020B0604020202020204" pitchFamily="34" charset="0"/>
               </a:rPr>
-              <a:t>¿Por qué?</a:t>
+              <a:t>Componentes (SDDC):</a:t>
             </a:r>
           </a:p>
           <a:p>
@@ -18066,7 +18056,7 @@
                 <a:latin typeface="Arial" panose="020B0604020202020204" pitchFamily="34" charset="0"/>
                 <a:cs typeface="Arial" panose="020B0604020202020204" pitchFamily="34" charset="0"/>
               </a:rPr>
-              <a:t>Estandarizada: Infraestructura homogénea provista a través de un conjunto de hardware x86 standard, para eliminar la complejidad innecesaria.</a:t>
+              <a:t>Virtualización de Servidores</a:t>
             </a:r>
           </a:p>
           <a:p>
@@ -18079,21 +18069,7 @@
                 <a:latin typeface="Arial" panose="020B0604020202020204" pitchFamily="34" charset="0"/>
                 <a:cs typeface="Arial" panose="020B0604020202020204" pitchFamily="34" charset="0"/>
               </a:rPr>
-              <a:t>Homogénea: Una plataforma unificada, optimizada para todo el </a:t>
-            </a:r>
-            <a:r>
-              <a:rPr lang="es-MX" sz="1600" dirty="0" err="1">
-                <a:latin typeface="Arial" panose="020B0604020202020204" pitchFamily="34" charset="0"/>
-                <a:cs typeface="Arial" panose="020B0604020202020204" pitchFamily="34" charset="0"/>
-              </a:rPr>
-              <a:t>DataCenter</a:t>
-            </a:r>
-            <a:r>
-              <a:rPr lang="es-MX" sz="1600" dirty="0">
-                <a:latin typeface="Arial" panose="020B0604020202020204" pitchFamily="34" charset="0"/>
-                <a:cs typeface="Arial" panose="020B0604020202020204" pitchFamily="34" charset="0"/>
-              </a:rPr>
-              <a:t>, para soportar de manera flexible cualquier carga de trabajo.</a:t>
+              <a:t>Virtualización del Almacenamiento</a:t>
             </a:r>
           </a:p>
           <a:p>
@@ -18106,47 +18082,7 @@
                 <a:latin typeface="Arial" panose="020B0604020202020204" pitchFamily="34" charset="0"/>
                 <a:cs typeface="Arial" panose="020B0604020202020204" pitchFamily="34" charset="0"/>
               </a:rPr>
-              <a:t>Adaptativa: Infraestructura </a:t>
-            </a:r>
-            <a:r>
-              <a:rPr lang="es-MX" sz="1600" dirty="0" err="1">
-                <a:latin typeface="Arial" panose="020B0604020202020204" pitchFamily="34" charset="0"/>
-                <a:cs typeface="Arial" panose="020B0604020202020204" pitchFamily="34" charset="0"/>
-              </a:rPr>
-              <a:t>auto-programable</a:t>
-            </a:r>
-            <a:r>
-              <a:rPr lang="es-MX" sz="1600" dirty="0">
-                <a:latin typeface="Arial" panose="020B0604020202020204" pitchFamily="34" charset="0"/>
-                <a:cs typeface="Arial" panose="020B0604020202020204" pitchFamily="34" charset="0"/>
-              </a:rPr>
-              <a:t> que configura y reconfigura dinámicamente el ambiente, de acuerdo a la demanda cambiante de las aplicaciones, para máxima performance, agilidad y eficiencia.</a:t>
-            </a:r>
-          </a:p>
-          <a:p>
-            <a:pPr marL="285750" indent="-285750" algn="just">
-              <a:buFont typeface="Wingdings" panose="05000000000000000000" pitchFamily="2" charset="2"/>
-              <a:buChar char="§"/>
-            </a:pPr>
-            <a:r>
-              <a:rPr lang="es-MX" sz="1600" dirty="0">
-                <a:latin typeface="Arial" panose="020B0604020202020204" pitchFamily="34" charset="0"/>
-                <a:cs typeface="Arial" panose="020B0604020202020204" pitchFamily="34" charset="0"/>
-              </a:rPr>
-              <a:t>Automatizada: Un orquestador de gestión con inteligencia incluida, para eliminar los complejos scripts de administración, para realizar operaciones con menos esfuerzo manual y para obtener un ahorro significativo en los costos.</a:t>
-            </a:r>
-          </a:p>
-          <a:p>
-            <a:pPr marL="285750" indent="-285750" algn="just">
-              <a:buFont typeface="Wingdings" panose="05000000000000000000" pitchFamily="2" charset="2"/>
-              <a:buChar char="§"/>
-            </a:pPr>
-            <a:r>
-              <a:rPr lang="es-MX" sz="1600" dirty="0">
-                <a:latin typeface="Arial" panose="020B0604020202020204" pitchFamily="34" charset="0"/>
-                <a:cs typeface="Arial" panose="020B0604020202020204" pitchFamily="34" charset="0"/>
-              </a:rPr>
-              <a:t>Resistente: Una arquitectura basada en software que compensa cualquier falla de hardware, entregando disponibilidad sin precedentes al mínimo costo.</a:t>
+              <a:t>Virtualización de Redes </a:t>
             </a:r>
           </a:p>
         </p:txBody>
@@ -18154,7 +18090,7 @@
     </p:spTree>
     <p:extLst>
       <p:ext uri="{BB962C8B-B14F-4D97-AF65-F5344CB8AC3E}">
-        <p14:creationId xmlns:p14="http://schemas.microsoft.com/office/powerpoint/2010/main" val="1401040699"/>
+        <p14:creationId xmlns:p14="http://schemas.microsoft.com/office/powerpoint/2010/main" val="3292713028"/>
       </p:ext>
     </p:extLst>
   </p:cSld>
@@ -18246,7 +18182,7 @@
         <p:spPr>
           <a:xfrm>
             <a:off x="124689" y="1212273"/>
-            <a:ext cx="8881088" cy="1323439"/>
+            <a:ext cx="5787013" cy="3785652"/>
           </a:xfrm>
           <a:prstGeom prst="rect">
             <a:avLst/>
@@ -18270,7 +18206,7 @@
                 <a:latin typeface="Arial" panose="020B0604020202020204" pitchFamily="34" charset="0"/>
                 <a:cs typeface="Arial" panose="020B0604020202020204" pitchFamily="34" charset="0"/>
               </a:rPr>
-              <a:t>Componentes (SDDC):</a:t>
+              <a:t>Arquitectura SDDC:</a:t>
             </a:r>
           </a:p>
           <a:p>
@@ -18290,7 +18226,21 @@
                 <a:latin typeface="Arial" panose="020B0604020202020204" pitchFamily="34" charset="0"/>
                 <a:cs typeface="Arial" panose="020B0604020202020204" pitchFamily="34" charset="0"/>
               </a:rPr>
-              <a:t>Virtualización de Servidores</a:t>
+              <a:t>La capa física: los servidores </a:t>
+            </a:r>
+            <a:r>
+              <a:rPr lang="es-MX" sz="1600" dirty="0" err="1">
+                <a:latin typeface="Arial" panose="020B0604020202020204" pitchFamily="34" charset="0"/>
+                <a:cs typeface="Arial" panose="020B0604020202020204" pitchFamily="34" charset="0"/>
+              </a:rPr>
+              <a:t>ESXi</a:t>
+            </a:r>
+            <a:r>
+              <a:rPr lang="es-MX" sz="1600" dirty="0">
+                <a:latin typeface="Arial" panose="020B0604020202020204" pitchFamily="34" charset="0"/>
+                <a:cs typeface="Arial" panose="020B0604020202020204" pitchFamily="34" charset="0"/>
+              </a:rPr>
+              <a:t>, discos duros y equipos de red que ocupan espacio en el centro de datos.</a:t>
             </a:r>
           </a:p>
           <a:p>
@@ -18303,7 +18253,35 @@
                 <a:latin typeface="Arial" panose="020B0604020202020204" pitchFamily="34" charset="0"/>
                 <a:cs typeface="Arial" panose="020B0604020202020204" pitchFamily="34" charset="0"/>
               </a:rPr>
-              <a:t>Virtualización del Almacenamiento</a:t>
+              <a:t>La capa virtual: es el software que abstrae cada uno de estos recursos y lo entrega como un servicio. Incluye las máquinas virtuales (</a:t>
+            </a:r>
+            <a:r>
+              <a:rPr lang="es-MX" sz="1600" dirty="0" err="1">
+                <a:latin typeface="Arial" panose="020B0604020202020204" pitchFamily="34" charset="0"/>
+                <a:cs typeface="Arial" panose="020B0604020202020204" pitchFamily="34" charset="0"/>
+              </a:rPr>
+              <a:t>VMs</a:t>
+            </a:r>
+            <a:r>
+              <a:rPr lang="es-MX" sz="1600" dirty="0">
+                <a:latin typeface="Arial" panose="020B0604020202020204" pitchFamily="34" charset="0"/>
+                <a:cs typeface="Arial" panose="020B0604020202020204" pitchFamily="34" charset="0"/>
+              </a:rPr>
+              <a:t>). Además, incluye VSAN para almacenamiento definido por software (SDS)  así como también NSX para la función de red definida por software (SDN). También puede incluir otros servicios de seguridad como </a:t>
+            </a:r>
+            <a:r>
+              <a:rPr lang="es-MX" sz="1600" dirty="0" err="1">
+                <a:latin typeface="Arial" panose="020B0604020202020204" pitchFamily="34" charset="0"/>
+                <a:cs typeface="Arial" panose="020B0604020202020204" pitchFamily="34" charset="0"/>
+              </a:rPr>
+              <a:t>AppDefense</a:t>
+            </a:r>
+            <a:r>
+              <a:rPr lang="es-MX" sz="1600" dirty="0">
+                <a:latin typeface="Arial" panose="020B0604020202020204" pitchFamily="34" charset="0"/>
+                <a:cs typeface="Arial" panose="020B0604020202020204" pitchFamily="34" charset="0"/>
+              </a:rPr>
+              <a:t>.</a:t>
             </a:r>
           </a:p>
           <a:p>
@@ -18316,15 +18294,76 @@
                 <a:latin typeface="Arial" panose="020B0604020202020204" pitchFamily="34" charset="0"/>
                 <a:cs typeface="Arial" panose="020B0604020202020204" pitchFamily="34" charset="0"/>
               </a:rPr>
-              <a:t>Virtualización de Redes </a:t>
+              <a:t>La capa de administración: esta es la capa que une las dos capas anteriores como </a:t>
+            </a:r>
+            <a:r>
+              <a:rPr lang="es-MX" sz="1600" dirty="0" err="1">
+                <a:latin typeface="Arial" panose="020B0604020202020204" pitchFamily="34" charset="0"/>
+                <a:cs typeface="Arial" panose="020B0604020202020204" pitchFamily="34" charset="0"/>
+              </a:rPr>
+              <a:t>vCenter</a:t>
+            </a:r>
+            <a:r>
+              <a:rPr lang="es-MX" sz="1600" dirty="0">
+                <a:latin typeface="Arial" panose="020B0604020202020204" pitchFamily="34" charset="0"/>
+                <a:cs typeface="Arial" panose="020B0604020202020204" pitchFamily="34" charset="0"/>
+              </a:rPr>
+              <a:t> que hacen posible ejecutar el centro de datos desde una interfaz centralizada.</a:t>
             </a:r>
           </a:p>
         </p:txBody>
       </p:sp>
+      <p:pic>
+        <p:nvPicPr>
+          <p:cNvPr id="24578" name="Picture 2" descr="SDDC">
+            <a:extLst>
+              <a:ext uri="{FF2B5EF4-FFF2-40B4-BE49-F238E27FC236}">
+                <a16:creationId xmlns:a16="http://schemas.microsoft.com/office/drawing/2014/main" id="{C4B02C65-FF68-4E60-8C4B-B94D327A5B78}"/>
+              </a:ext>
+            </a:extLst>
+          </p:cNvPr>
+          <p:cNvPicPr>
+            <a:picLocks noChangeAspect="1" noChangeArrowheads="1"/>
+          </p:cNvPicPr>
+          <p:nvPr/>
+        </p:nvPicPr>
+        <p:blipFill>
+          <a:blip r:embed="rId3">
+            <a:extLst>
+              <a:ext uri="{28A0092B-C50C-407E-A947-70E740481C1C}">
+                <a14:useLocalDpi xmlns:a14="http://schemas.microsoft.com/office/drawing/2010/main" val="0"/>
+              </a:ext>
+            </a:extLst>
+          </a:blip>
+          <a:srcRect/>
+          <a:stretch>
+            <a:fillRect/>
+          </a:stretch>
+        </p:blipFill>
+        <p:spPr bwMode="auto">
+          <a:xfrm>
+            <a:off x="5879803" y="1626783"/>
+            <a:ext cx="3232298" cy="2684212"/>
+          </a:xfrm>
+          <a:prstGeom prst="rect">
+            <a:avLst/>
+          </a:prstGeom>
+          <a:noFill/>
+          <a:extLst>
+            <a:ext uri="{909E8E84-426E-40DD-AFC4-6F175D3DCCD1}">
+              <a14:hiddenFill xmlns:a14="http://schemas.microsoft.com/office/drawing/2010/main">
+                <a:solidFill>
+                  <a:srgbClr val="FFFFFF"/>
+                </a:solidFill>
+              </a14:hiddenFill>
+            </a:ext>
+          </a:extLst>
+        </p:spPr>
+      </p:pic>
     </p:spTree>
     <p:extLst>
       <p:ext uri="{BB962C8B-B14F-4D97-AF65-F5344CB8AC3E}">
-        <p14:creationId xmlns:p14="http://schemas.microsoft.com/office/powerpoint/2010/main" val="3292713028"/>
+        <p14:creationId xmlns:p14="http://schemas.microsoft.com/office/powerpoint/2010/main" val="3103858515"/>
       </p:ext>
     </p:extLst>
   </p:cSld>
@@ -18416,7 +18455,7 @@
         <p:spPr>
           <a:xfrm>
             <a:off x="124689" y="1212273"/>
-            <a:ext cx="5787013" cy="3785652"/>
+            <a:ext cx="8934251" cy="3293209"/>
           </a:xfrm>
           <a:prstGeom prst="rect">
             <a:avLst/>
@@ -18440,7 +18479,7 @@
                 <a:latin typeface="Arial" panose="020B0604020202020204" pitchFamily="34" charset="0"/>
                 <a:cs typeface="Arial" panose="020B0604020202020204" pitchFamily="34" charset="0"/>
               </a:rPr>
-              <a:t>Arquitectura SDDC:</a:t>
+              <a:t>Puntos a considerar</a:t>
             </a:r>
           </a:p>
           <a:p>
@@ -18460,21 +18499,7 @@
                 <a:latin typeface="Arial" panose="020B0604020202020204" pitchFamily="34" charset="0"/>
                 <a:cs typeface="Arial" panose="020B0604020202020204" pitchFamily="34" charset="0"/>
               </a:rPr>
-              <a:t>La capa física: los servidores </a:t>
-            </a:r>
-            <a:r>
-              <a:rPr lang="es-MX" sz="1600" dirty="0" err="1">
-                <a:latin typeface="Arial" panose="020B0604020202020204" pitchFamily="34" charset="0"/>
-                <a:cs typeface="Arial" panose="020B0604020202020204" pitchFamily="34" charset="0"/>
-              </a:rPr>
-              <a:t>ESXi</a:t>
-            </a:r>
-            <a:r>
-              <a:rPr lang="es-MX" sz="1600" dirty="0">
-                <a:latin typeface="Arial" panose="020B0604020202020204" pitchFamily="34" charset="0"/>
-                <a:cs typeface="Arial" panose="020B0604020202020204" pitchFamily="34" charset="0"/>
-              </a:rPr>
-              <a:t>, discos duros y equipos de red que ocupan espacio en el centro de datos.</a:t>
+              <a:t>Complejidad: La migración es un proceso lento y complicado ya que el software y el hardware deben de funcionar en conjunto. </a:t>
             </a:r>
           </a:p>
           <a:p>
@@ -18482,41 +18507,10 @@
               <a:buFont typeface="Wingdings" panose="05000000000000000000" pitchFamily="2" charset="2"/>
               <a:buChar char="§"/>
             </a:pPr>
-            <a:r>
-              <a:rPr lang="es-MX" sz="1600" dirty="0">
-                <a:latin typeface="Arial" panose="020B0604020202020204" pitchFamily="34" charset="0"/>
-                <a:cs typeface="Arial" panose="020B0604020202020204" pitchFamily="34" charset="0"/>
-              </a:rPr>
-              <a:t>La capa virtual: es el software que abstrae cada uno de estos recursos y lo entrega como un servicio. Incluye las máquinas virtuales (</a:t>
-            </a:r>
-            <a:r>
-              <a:rPr lang="es-MX" sz="1600" dirty="0" err="1">
-                <a:latin typeface="Arial" panose="020B0604020202020204" pitchFamily="34" charset="0"/>
-                <a:cs typeface="Arial" panose="020B0604020202020204" pitchFamily="34" charset="0"/>
-              </a:rPr>
-              <a:t>VMs</a:t>
-            </a:r>
-            <a:r>
-              <a:rPr lang="es-MX" sz="1600" dirty="0">
-                <a:latin typeface="Arial" panose="020B0604020202020204" pitchFamily="34" charset="0"/>
-                <a:cs typeface="Arial" panose="020B0604020202020204" pitchFamily="34" charset="0"/>
-              </a:rPr>
-              <a:t>). Además, incluye VSAN para almacenamiento definido por software (SDS)  así como también NSX para la función de red definida por software (SDN). También puede incluir otros servicios de seguridad como </a:t>
-            </a:r>
-            <a:r>
-              <a:rPr lang="es-MX" sz="1600" dirty="0" err="1">
-                <a:latin typeface="Arial" panose="020B0604020202020204" pitchFamily="34" charset="0"/>
-                <a:cs typeface="Arial" panose="020B0604020202020204" pitchFamily="34" charset="0"/>
-              </a:rPr>
-              <a:t>AppDefense</a:t>
-            </a:r>
-            <a:r>
-              <a:rPr lang="es-MX" sz="1600" dirty="0">
-                <a:latin typeface="Arial" panose="020B0604020202020204" pitchFamily="34" charset="0"/>
-                <a:cs typeface="Arial" panose="020B0604020202020204" pitchFamily="34" charset="0"/>
-              </a:rPr>
-              <a:t>.</a:t>
-            </a:r>
+            <a:endParaRPr lang="es-MX" sz="1600" dirty="0">
+              <a:latin typeface="Arial" panose="020B0604020202020204" pitchFamily="34" charset="0"/>
+              <a:cs typeface="Arial" panose="020B0604020202020204" pitchFamily="34" charset="0"/>
+            </a:endParaRPr>
           </a:p>
           <a:p>
             <a:pPr marL="285750" indent="-285750" algn="just">
@@ -18528,76 +18522,94 @@
                 <a:latin typeface="Arial" panose="020B0604020202020204" pitchFamily="34" charset="0"/>
                 <a:cs typeface="Arial" panose="020B0604020202020204" pitchFamily="34" charset="0"/>
               </a:rPr>
-              <a:t>La capa de administración: esta es la capa que une las dos capas anteriores como </a:t>
-            </a:r>
-            <a:r>
-              <a:rPr lang="es-MX" sz="1600" dirty="0" err="1">
-                <a:latin typeface="Arial" panose="020B0604020202020204" pitchFamily="34" charset="0"/>
-                <a:cs typeface="Arial" panose="020B0604020202020204" pitchFamily="34" charset="0"/>
-              </a:rPr>
-              <a:t>vCenter</a:t>
-            </a:r>
-            <a:r>
-              <a:rPr lang="es-MX" sz="1600" dirty="0">
-                <a:latin typeface="Arial" panose="020B0604020202020204" pitchFamily="34" charset="0"/>
-                <a:cs typeface="Arial" panose="020B0604020202020204" pitchFamily="34" charset="0"/>
-              </a:rPr>
-              <a:t> que hacen posible ejecutar el centro de datos desde una interfaz centralizada.</a:t>
+              <a:t>Seguridad: La naturaleza compleja de un Software-</a:t>
+            </a:r>
+            <a:r>
+              <a:rPr lang="es-MX" sz="1600" dirty="0" err="1">
+                <a:latin typeface="Arial" panose="020B0604020202020204" pitchFamily="34" charset="0"/>
+                <a:cs typeface="Arial" panose="020B0604020202020204" pitchFamily="34" charset="0"/>
+              </a:rPr>
+              <a:t>defined</a:t>
+            </a:r>
+            <a:r>
+              <a:rPr lang="es-MX" sz="1600" dirty="0">
+                <a:latin typeface="Arial" panose="020B0604020202020204" pitchFamily="34" charset="0"/>
+                <a:cs typeface="Arial" panose="020B0604020202020204" pitchFamily="34" charset="0"/>
+              </a:rPr>
+              <a:t> data center puede hacer que la seguridad sea más difícil de garantizarla que la infraestructura tradicional. En la misma encuesta, la mayoría de los encuestados consideraron que las herramientas de seguridad Software-</a:t>
+            </a:r>
+            <a:r>
+              <a:rPr lang="es-MX" sz="1600" dirty="0" err="1">
+                <a:latin typeface="Arial" panose="020B0604020202020204" pitchFamily="34" charset="0"/>
+                <a:cs typeface="Arial" panose="020B0604020202020204" pitchFamily="34" charset="0"/>
+              </a:rPr>
+              <a:t>defined</a:t>
+            </a:r>
+            <a:r>
+              <a:rPr lang="es-MX" sz="1600" dirty="0">
+                <a:latin typeface="Arial" panose="020B0604020202020204" pitchFamily="34" charset="0"/>
+                <a:cs typeface="Arial" panose="020B0604020202020204" pitchFamily="34" charset="0"/>
+              </a:rPr>
+              <a:t> data center </a:t>
+            </a:r>
+            <a:r>
+              <a:rPr lang="es-MX" sz="1600" dirty="0" err="1">
+                <a:latin typeface="Arial" panose="020B0604020202020204" pitchFamily="34" charset="0"/>
+                <a:cs typeface="Arial" panose="020B0604020202020204" pitchFamily="34" charset="0"/>
+              </a:rPr>
+              <a:t>estana</a:t>
+            </a:r>
+            <a:r>
+              <a:rPr lang="es-MX" sz="1600" dirty="0">
+                <a:latin typeface="Arial" panose="020B0604020202020204" pitchFamily="34" charset="0"/>
+                <a:cs typeface="Arial" panose="020B0604020202020204" pitchFamily="34" charset="0"/>
+              </a:rPr>
+              <a:t> la altura de la tarea.</a:t>
+            </a:r>
+          </a:p>
+          <a:p>
+            <a:pPr marL="285750" indent="-285750" algn="just">
+              <a:buFont typeface="Wingdings" panose="05000000000000000000" pitchFamily="2" charset="2"/>
+              <a:buChar char="§"/>
+            </a:pPr>
+            <a:endParaRPr lang="es-MX" sz="1600" dirty="0">
+              <a:latin typeface="Arial" panose="020B0604020202020204" pitchFamily="34" charset="0"/>
+              <a:cs typeface="Arial" panose="020B0604020202020204" pitchFamily="34" charset="0"/>
+            </a:endParaRPr>
+          </a:p>
+          <a:p>
+            <a:pPr marL="285750" indent="-285750" algn="just">
+              <a:buFont typeface="Wingdings" panose="05000000000000000000" pitchFamily="2" charset="2"/>
+              <a:buChar char="§"/>
+            </a:pPr>
+            <a:r>
+              <a:rPr lang="es-MX" sz="1600" dirty="0">
+                <a:latin typeface="Arial" panose="020B0604020202020204" pitchFamily="34" charset="0"/>
+                <a:cs typeface="Arial" panose="020B0604020202020204" pitchFamily="34" charset="0"/>
+              </a:rPr>
+              <a:t>Entornos híbridos y Multi-Cloud: Muchas organizaciones con Software-</a:t>
+            </a:r>
+            <a:r>
+              <a:rPr lang="es-MX" sz="1600" dirty="0" err="1">
+                <a:latin typeface="Arial" panose="020B0604020202020204" pitchFamily="34" charset="0"/>
+                <a:cs typeface="Arial" panose="020B0604020202020204" pitchFamily="34" charset="0"/>
+              </a:rPr>
+              <a:t>defined</a:t>
+            </a:r>
+            <a:r>
+              <a:rPr lang="es-MX" sz="1600" dirty="0">
+                <a:latin typeface="Arial" panose="020B0604020202020204" pitchFamily="34" charset="0"/>
+                <a:cs typeface="Arial" panose="020B0604020202020204" pitchFamily="34" charset="0"/>
+              </a:rPr>
+              <a:t> data center también tienen nubes privadas y utilizan múltiples servicios de nube pública. Esto creara una nube híbrida que agregara una capa extra de complejidad en la implementación.</a:t>
             </a:r>
           </a:p>
         </p:txBody>
       </p:sp>
-      <p:pic>
-        <p:nvPicPr>
-          <p:cNvPr id="24578" name="Picture 2" descr="SDDC">
-            <a:extLst>
-              <a:ext uri="{FF2B5EF4-FFF2-40B4-BE49-F238E27FC236}">
-                <a16:creationId xmlns:a16="http://schemas.microsoft.com/office/drawing/2014/main" id="{C4B02C65-FF68-4E60-8C4B-B94D327A5B78}"/>
-              </a:ext>
-            </a:extLst>
-          </p:cNvPr>
-          <p:cNvPicPr>
-            <a:picLocks noChangeAspect="1" noChangeArrowheads="1"/>
-          </p:cNvPicPr>
-          <p:nvPr/>
-        </p:nvPicPr>
-        <p:blipFill>
-          <a:blip r:embed="rId3">
-            <a:extLst>
-              <a:ext uri="{28A0092B-C50C-407E-A947-70E740481C1C}">
-                <a14:useLocalDpi xmlns:a14="http://schemas.microsoft.com/office/drawing/2010/main" val="0"/>
-              </a:ext>
-            </a:extLst>
-          </a:blip>
-          <a:srcRect/>
-          <a:stretch>
-            <a:fillRect/>
-          </a:stretch>
-        </p:blipFill>
-        <p:spPr bwMode="auto">
-          <a:xfrm>
-            <a:off x="5879803" y="1626783"/>
-            <a:ext cx="3232298" cy="2684212"/>
-          </a:xfrm>
-          <a:prstGeom prst="rect">
-            <a:avLst/>
-          </a:prstGeom>
-          <a:noFill/>
-          <a:extLst>
-            <a:ext uri="{909E8E84-426E-40DD-AFC4-6F175D3DCCD1}">
-              <a14:hiddenFill xmlns:a14="http://schemas.microsoft.com/office/drawing/2010/main">
-                <a:solidFill>
-                  <a:srgbClr val="FFFFFF"/>
-                </a:solidFill>
-              </a14:hiddenFill>
-            </a:ext>
-          </a:extLst>
-        </p:spPr>
-      </p:pic>
     </p:spTree>
     <p:extLst>
       <p:ext uri="{BB962C8B-B14F-4D97-AF65-F5344CB8AC3E}">
-        <p14:creationId xmlns:p14="http://schemas.microsoft.com/office/powerpoint/2010/main" val="3103858515"/>
+        <p14:creationId xmlns:p14="http://schemas.microsoft.com/office/powerpoint/2010/main" val="3730465317"/>
       </p:ext>
     </p:extLst>
   </p:cSld>
@@ -19022,252 +19034,6 @@
 </file>
 
 <file path=ppt/slides/slide40.xml><?xml version="1.0" encoding="utf-8"?>
-<p:sld xmlns:a="http://schemas.openxmlformats.org/drawingml/2006/main" xmlns:r="http://schemas.openxmlformats.org/officeDocument/2006/relationships" xmlns:p="http://schemas.openxmlformats.org/presentationml/2006/main">
-  <p:cSld>
-    <p:bg>
-      <p:bgPr>
-        <a:blipFill rotWithShape="1">
-          <a:blip r:embed="rId2"/>
-          <a:stretch>
-            <a:fillRect/>
-          </a:stretch>
-        </a:blipFill>
-        <a:effectLst/>
-      </p:bgPr>
-    </p:bg>
-    <p:spTree>
-      <p:nvGrpSpPr>
-        <p:cNvPr id="1" name=""/>
-        <p:cNvGrpSpPr/>
-        <p:nvPr/>
-      </p:nvGrpSpPr>
-      <p:grpSpPr>
-        <a:xfrm>
-          <a:off x="0" y="0"/>
-          <a:ext cx="0" cy="0"/>
-          <a:chOff x="0" y="0"/>
-          <a:chExt cx="0" cy="0"/>
-        </a:xfrm>
-      </p:grpSpPr>
-      <p:sp>
-        <p:nvSpPr>
-          <p:cNvPr id="4" name="CuadroTexto 3">
-            <a:extLst>
-              <a:ext uri="{FF2B5EF4-FFF2-40B4-BE49-F238E27FC236}">
-                <a16:creationId xmlns:a16="http://schemas.microsoft.com/office/drawing/2014/main" id="{22969A7C-AD75-42B9-8681-50349BF7A6A5}"/>
-              </a:ext>
-            </a:extLst>
-          </p:cNvPr>
-          <p:cNvSpPr txBox="1"/>
-          <p:nvPr/>
-        </p:nvSpPr>
-        <p:spPr>
-          <a:xfrm>
-            <a:off x="3104708" y="498764"/>
-            <a:ext cx="6039292" cy="400110"/>
-          </a:xfrm>
-          <a:prstGeom prst="rect">
-            <a:avLst/>
-          </a:prstGeom>
-          <a:noFill/>
-        </p:spPr>
-        <p:txBody>
-          <a:bodyPr wrap="square" rtlCol="0">
-            <a:spAutoFit/>
-          </a:bodyPr>
-          <a:lstStyle/>
-          <a:p>
-            <a:pPr algn="r"/>
-            <a:r>
-              <a:rPr lang="es-MX" sz="2000" dirty="0">
-                <a:latin typeface="Arial" panose="020B0604020202020204" pitchFamily="34" charset="0"/>
-                <a:cs typeface="Arial" panose="020B0604020202020204" pitchFamily="34" charset="0"/>
-              </a:rPr>
-              <a:t>Evolución del centro de datos definido por software</a:t>
-            </a:r>
-          </a:p>
-        </p:txBody>
-      </p:sp>
-      <p:sp>
-        <p:nvSpPr>
-          <p:cNvPr id="5" name="CuadroTexto 4">
-            <a:extLst>
-              <a:ext uri="{FF2B5EF4-FFF2-40B4-BE49-F238E27FC236}">
-                <a16:creationId xmlns:a16="http://schemas.microsoft.com/office/drawing/2014/main" id="{996360A4-7287-4161-9B02-9963E1AB4B06}"/>
-              </a:ext>
-            </a:extLst>
-          </p:cNvPr>
-          <p:cNvSpPr txBox="1"/>
-          <p:nvPr/>
-        </p:nvSpPr>
-        <p:spPr>
-          <a:xfrm>
-            <a:off x="124689" y="1212273"/>
-            <a:ext cx="8934251" cy="3293209"/>
-          </a:xfrm>
-          <a:prstGeom prst="rect">
-            <a:avLst/>
-          </a:prstGeom>
-          <a:noFill/>
-        </p:spPr>
-        <p:txBody>
-          <a:bodyPr wrap="square" rtlCol="0">
-            <a:spAutoFit/>
-          </a:bodyPr>
-          <a:lstStyle/>
-          <a:p>
-            <a:pPr algn="just"/>
-            <a:r>
-              <a:rPr lang="es-MX" sz="1600" dirty="0">
-                <a:solidFill>
-                  <a:schemeClr val="tx2">
-                    <a:lumMod val="75000"/>
-                  </a:schemeClr>
-                </a:solidFill>
-                <a:latin typeface="Arial" panose="020B0604020202020204" pitchFamily="34" charset="0"/>
-                <a:cs typeface="Arial" panose="020B0604020202020204" pitchFamily="34" charset="0"/>
-              </a:rPr>
-              <a:t>Puntos a considerar</a:t>
-            </a:r>
-          </a:p>
-          <a:p>
-            <a:pPr algn="just"/>
-            <a:endParaRPr lang="es-MX" sz="1600" dirty="0">
-              <a:latin typeface="Arial" panose="020B0604020202020204" pitchFamily="34" charset="0"/>
-              <a:cs typeface="Arial" panose="020B0604020202020204" pitchFamily="34" charset="0"/>
-            </a:endParaRPr>
-          </a:p>
-          <a:p>
-            <a:pPr marL="285750" indent="-285750" algn="just">
-              <a:buFont typeface="Wingdings" panose="05000000000000000000" pitchFamily="2" charset="2"/>
-              <a:buChar char="§"/>
-            </a:pPr>
-            <a:r>
-              <a:rPr lang="es-MX" sz="1600" dirty="0">
-                <a:latin typeface="Arial" panose="020B0604020202020204" pitchFamily="34" charset="0"/>
-                <a:cs typeface="Arial" panose="020B0604020202020204" pitchFamily="34" charset="0"/>
-              </a:rPr>
-              <a:t>Complejidad: La migración es un proceso lento y complicado ya que el software y el hardware deben de funcionar en conjunto. </a:t>
-            </a:r>
-          </a:p>
-          <a:p>
-            <a:pPr marL="285750" indent="-285750" algn="just">
-              <a:buFont typeface="Wingdings" panose="05000000000000000000" pitchFamily="2" charset="2"/>
-              <a:buChar char="§"/>
-            </a:pPr>
-            <a:endParaRPr lang="es-MX" sz="1600" dirty="0">
-              <a:latin typeface="Arial" panose="020B0604020202020204" pitchFamily="34" charset="0"/>
-              <a:cs typeface="Arial" panose="020B0604020202020204" pitchFamily="34" charset="0"/>
-            </a:endParaRPr>
-          </a:p>
-          <a:p>
-            <a:pPr marL="285750" indent="-285750" algn="just">
-              <a:buFont typeface="Wingdings" panose="05000000000000000000" pitchFamily="2" charset="2"/>
-              <a:buChar char="§"/>
-            </a:pPr>
-            <a:r>
-              <a:rPr lang="es-MX" sz="1600" dirty="0">
-                <a:latin typeface="Arial" panose="020B0604020202020204" pitchFamily="34" charset="0"/>
-                <a:cs typeface="Arial" panose="020B0604020202020204" pitchFamily="34" charset="0"/>
-              </a:rPr>
-              <a:t>Seguridad: La naturaleza compleja de un Software-</a:t>
-            </a:r>
-            <a:r>
-              <a:rPr lang="es-MX" sz="1600" dirty="0" err="1">
-                <a:latin typeface="Arial" panose="020B0604020202020204" pitchFamily="34" charset="0"/>
-                <a:cs typeface="Arial" panose="020B0604020202020204" pitchFamily="34" charset="0"/>
-              </a:rPr>
-              <a:t>defined</a:t>
-            </a:r>
-            <a:r>
-              <a:rPr lang="es-MX" sz="1600" dirty="0">
-                <a:latin typeface="Arial" panose="020B0604020202020204" pitchFamily="34" charset="0"/>
-                <a:cs typeface="Arial" panose="020B0604020202020204" pitchFamily="34" charset="0"/>
-              </a:rPr>
-              <a:t> data center puede hacer que la seguridad sea más difícil de garantizarla que la infraestructura tradicional. En la misma encuesta, la mayoría de los encuestados consideraron que las herramientas de seguridad Software-</a:t>
-            </a:r>
-            <a:r>
-              <a:rPr lang="es-MX" sz="1600" dirty="0" err="1">
-                <a:latin typeface="Arial" panose="020B0604020202020204" pitchFamily="34" charset="0"/>
-                <a:cs typeface="Arial" panose="020B0604020202020204" pitchFamily="34" charset="0"/>
-              </a:rPr>
-              <a:t>defined</a:t>
-            </a:r>
-            <a:r>
-              <a:rPr lang="es-MX" sz="1600" dirty="0">
-                <a:latin typeface="Arial" panose="020B0604020202020204" pitchFamily="34" charset="0"/>
-                <a:cs typeface="Arial" panose="020B0604020202020204" pitchFamily="34" charset="0"/>
-              </a:rPr>
-              <a:t> data center </a:t>
-            </a:r>
-            <a:r>
-              <a:rPr lang="es-MX" sz="1600" dirty="0" err="1">
-                <a:latin typeface="Arial" panose="020B0604020202020204" pitchFamily="34" charset="0"/>
-                <a:cs typeface="Arial" panose="020B0604020202020204" pitchFamily="34" charset="0"/>
-              </a:rPr>
-              <a:t>estana</a:t>
-            </a:r>
-            <a:r>
-              <a:rPr lang="es-MX" sz="1600" dirty="0">
-                <a:latin typeface="Arial" panose="020B0604020202020204" pitchFamily="34" charset="0"/>
-                <a:cs typeface="Arial" panose="020B0604020202020204" pitchFamily="34" charset="0"/>
-              </a:rPr>
-              <a:t> la altura de la tarea.</a:t>
-            </a:r>
-          </a:p>
-          <a:p>
-            <a:pPr marL="285750" indent="-285750" algn="just">
-              <a:buFont typeface="Wingdings" panose="05000000000000000000" pitchFamily="2" charset="2"/>
-              <a:buChar char="§"/>
-            </a:pPr>
-            <a:endParaRPr lang="es-MX" sz="1600" dirty="0">
-              <a:latin typeface="Arial" panose="020B0604020202020204" pitchFamily="34" charset="0"/>
-              <a:cs typeface="Arial" panose="020B0604020202020204" pitchFamily="34" charset="0"/>
-            </a:endParaRPr>
-          </a:p>
-          <a:p>
-            <a:pPr marL="285750" indent="-285750" algn="just">
-              <a:buFont typeface="Wingdings" panose="05000000000000000000" pitchFamily="2" charset="2"/>
-              <a:buChar char="§"/>
-            </a:pPr>
-            <a:r>
-              <a:rPr lang="es-MX" sz="1600" dirty="0">
-                <a:latin typeface="Arial" panose="020B0604020202020204" pitchFamily="34" charset="0"/>
-                <a:cs typeface="Arial" panose="020B0604020202020204" pitchFamily="34" charset="0"/>
-              </a:rPr>
-              <a:t>Entornos híbridos y Multi-Cloud: Muchas organizaciones con Software-</a:t>
-            </a:r>
-            <a:r>
-              <a:rPr lang="es-MX" sz="1600" dirty="0" err="1">
-                <a:latin typeface="Arial" panose="020B0604020202020204" pitchFamily="34" charset="0"/>
-                <a:cs typeface="Arial" panose="020B0604020202020204" pitchFamily="34" charset="0"/>
-              </a:rPr>
-              <a:t>defined</a:t>
-            </a:r>
-            <a:r>
-              <a:rPr lang="es-MX" sz="1600" dirty="0">
-                <a:latin typeface="Arial" panose="020B0604020202020204" pitchFamily="34" charset="0"/>
-                <a:cs typeface="Arial" panose="020B0604020202020204" pitchFamily="34" charset="0"/>
-              </a:rPr>
-              <a:t> data center también tienen nubes privadas y utilizan múltiples servicios de nube pública. Esto creara una nube híbrida que agregara una capa extra de complejidad en la implementación.</a:t>
-            </a:r>
-          </a:p>
-        </p:txBody>
-      </p:sp>
-    </p:spTree>
-    <p:extLst>
-      <p:ext uri="{BB962C8B-B14F-4D97-AF65-F5344CB8AC3E}">
-        <p14:creationId xmlns:p14="http://schemas.microsoft.com/office/powerpoint/2010/main" val="3730465317"/>
-      </p:ext>
-    </p:extLst>
-  </p:cSld>
-  <p:clrMapOvr>
-    <a:masterClrMapping/>
-  </p:clrMapOvr>
-</p:sld>
-</file>
-
-<file path=ppt/slides/slide41.xml><?xml version="1.0" encoding="utf-8"?>
 <p:sld xmlns:a="http://schemas.openxmlformats.org/drawingml/2006/main" xmlns:r="http://schemas.openxmlformats.org/officeDocument/2006/relationships" xmlns:p="http://schemas.openxmlformats.org/presentationml/2006/main">
   <p:cSld>
     <p:bg>
@@ -19394,6 +19160,237 @@
 </p:sld>
 </file>
 
+<file path=ppt/slides/slide41.xml><?xml version="1.0" encoding="utf-8"?>
+<p:sld xmlns:a="http://schemas.openxmlformats.org/drawingml/2006/main" xmlns:r="http://schemas.openxmlformats.org/officeDocument/2006/relationships" xmlns:p="http://schemas.openxmlformats.org/presentationml/2006/main">
+  <p:cSld>
+    <p:bg>
+      <p:bgPr>
+        <a:blipFill rotWithShape="1">
+          <a:blip r:embed="rId2"/>
+          <a:stretch>
+            <a:fillRect/>
+          </a:stretch>
+        </a:blipFill>
+        <a:effectLst/>
+      </p:bgPr>
+    </p:bg>
+    <p:spTree>
+      <p:nvGrpSpPr>
+        <p:cNvPr id="1" name=""/>
+        <p:cNvGrpSpPr/>
+        <p:nvPr/>
+      </p:nvGrpSpPr>
+      <p:grpSpPr>
+        <a:xfrm>
+          <a:off x="0" y="0"/>
+          <a:ext cx="0" cy="0"/>
+          <a:chOff x="0" y="0"/>
+          <a:chExt cx="0" cy="0"/>
+        </a:xfrm>
+      </p:grpSpPr>
+      <p:sp>
+        <p:nvSpPr>
+          <p:cNvPr id="4" name="CuadroTexto 3">
+            <a:extLst>
+              <a:ext uri="{FF2B5EF4-FFF2-40B4-BE49-F238E27FC236}">
+                <a16:creationId xmlns:a16="http://schemas.microsoft.com/office/drawing/2014/main" id="{22969A7C-AD75-42B9-8681-50349BF7A6A5}"/>
+              </a:ext>
+            </a:extLst>
+          </p:cNvPr>
+          <p:cNvSpPr txBox="1"/>
+          <p:nvPr/>
+        </p:nvSpPr>
+        <p:spPr>
+          <a:xfrm>
+            <a:off x="3104708" y="498764"/>
+            <a:ext cx="6039292" cy="400110"/>
+          </a:xfrm>
+          <a:prstGeom prst="rect">
+            <a:avLst/>
+          </a:prstGeom>
+          <a:noFill/>
+        </p:spPr>
+        <p:txBody>
+          <a:bodyPr wrap="square" rtlCol="0">
+            <a:spAutoFit/>
+          </a:bodyPr>
+          <a:lstStyle/>
+          <a:p>
+            <a:pPr algn="r"/>
+            <a:r>
+              <a:rPr lang="es-MX" sz="2000" dirty="0">
+                <a:latin typeface="Arial" panose="020B0604020202020204" pitchFamily="34" charset="0"/>
+                <a:cs typeface="Arial" panose="020B0604020202020204" pitchFamily="34" charset="0"/>
+              </a:rPr>
+              <a:t>Introducción a NSX</a:t>
+            </a:r>
+          </a:p>
+        </p:txBody>
+      </p:sp>
+      <p:sp>
+        <p:nvSpPr>
+          <p:cNvPr id="5" name="CuadroTexto 4">
+            <a:extLst>
+              <a:ext uri="{FF2B5EF4-FFF2-40B4-BE49-F238E27FC236}">
+                <a16:creationId xmlns:a16="http://schemas.microsoft.com/office/drawing/2014/main" id="{996360A4-7287-4161-9B02-9963E1AB4B06}"/>
+              </a:ext>
+            </a:extLst>
+          </p:cNvPr>
+          <p:cNvSpPr txBox="1"/>
+          <p:nvPr/>
+        </p:nvSpPr>
+        <p:spPr>
+          <a:xfrm>
+            <a:off x="124689" y="1212273"/>
+            <a:ext cx="8934251" cy="3293209"/>
+          </a:xfrm>
+          <a:prstGeom prst="rect">
+            <a:avLst/>
+          </a:prstGeom>
+          <a:noFill/>
+        </p:spPr>
+        <p:txBody>
+          <a:bodyPr wrap="square" rtlCol="0">
+            <a:spAutoFit/>
+          </a:bodyPr>
+          <a:lstStyle/>
+          <a:p>
+            <a:pPr algn="just"/>
+            <a:r>
+              <a:rPr lang="es-MX" sz="1600" dirty="0">
+                <a:latin typeface="Arial" panose="020B0604020202020204" pitchFamily="34" charset="0"/>
+                <a:cs typeface="Arial" panose="020B0604020202020204" pitchFamily="34" charset="0"/>
+              </a:rPr>
+              <a:t>Con NSX Data Center </a:t>
+            </a:r>
+            <a:r>
+              <a:rPr lang="es-MX" sz="1600" dirty="0" err="1">
+                <a:latin typeface="Arial" panose="020B0604020202020204" pitchFamily="34" charset="0"/>
+                <a:cs typeface="Arial" panose="020B0604020202020204" pitchFamily="34" charset="0"/>
+              </a:rPr>
+              <a:t>for</a:t>
+            </a:r>
+            <a:r>
+              <a:rPr lang="es-MX" sz="1600" dirty="0">
+                <a:latin typeface="Arial" panose="020B0604020202020204" pitchFamily="34" charset="0"/>
+                <a:cs typeface="Arial" panose="020B0604020202020204" pitchFamily="34" charset="0"/>
+              </a:rPr>
+              <a:t> </a:t>
+            </a:r>
+            <a:r>
+              <a:rPr lang="es-MX" sz="1600" dirty="0" err="1">
+                <a:latin typeface="Arial" panose="020B0604020202020204" pitchFamily="34" charset="0"/>
+                <a:cs typeface="Arial" panose="020B0604020202020204" pitchFamily="34" charset="0"/>
+              </a:rPr>
+              <a:t>vSphere</a:t>
+            </a:r>
+            <a:r>
+              <a:rPr lang="es-MX" sz="1600" dirty="0">
+                <a:latin typeface="Arial" panose="020B0604020202020204" pitchFamily="34" charset="0"/>
+                <a:cs typeface="Arial" panose="020B0604020202020204" pitchFamily="34" charset="0"/>
+              </a:rPr>
+              <a:t>, la virtualización aporta a las redes lo que ya se ofrece en términos de capacidad informática y almacenamiento. De manera muy similar al modo en que la virtualización del servidor crea, elimina y restaura máquinas virtuales basadas en software, así como crea instantáneas de ellas, la virtualización de redes de NSX Data Center </a:t>
+            </a:r>
+            <a:r>
+              <a:rPr lang="es-MX" sz="1600" dirty="0" err="1">
+                <a:latin typeface="Arial" panose="020B0604020202020204" pitchFamily="34" charset="0"/>
+                <a:cs typeface="Arial" panose="020B0604020202020204" pitchFamily="34" charset="0"/>
+              </a:rPr>
+              <a:t>for</a:t>
+            </a:r>
+            <a:r>
+              <a:rPr lang="es-MX" sz="1600" dirty="0">
+                <a:latin typeface="Arial" panose="020B0604020202020204" pitchFamily="34" charset="0"/>
+                <a:cs typeface="Arial" panose="020B0604020202020204" pitchFamily="34" charset="0"/>
+              </a:rPr>
+              <a:t> </a:t>
+            </a:r>
+            <a:r>
+              <a:rPr lang="es-MX" sz="1600" dirty="0" err="1">
+                <a:latin typeface="Arial" panose="020B0604020202020204" pitchFamily="34" charset="0"/>
+                <a:cs typeface="Arial" panose="020B0604020202020204" pitchFamily="34" charset="0"/>
+              </a:rPr>
+              <a:t>vSphere</a:t>
+            </a:r>
+            <a:r>
+              <a:rPr lang="es-MX" sz="1600" dirty="0">
+                <a:latin typeface="Arial" panose="020B0604020202020204" pitchFamily="34" charset="0"/>
+                <a:cs typeface="Arial" panose="020B0604020202020204" pitchFamily="34" charset="0"/>
+              </a:rPr>
+              <a:t>, mediante programación, crea, elimina y restaura redes virtuales basadas en software, y crea instantáneas de ellas. El resultado es un enfoque de redes transformador que no solo permite que los administradores del centro de datos alcancen muchísima mayor agilidad y mejor economía, sino que también permite la implementación de un modelo operativo muy simplificado para la red física subyacente. Gracias a que se puede implementar en cualquier red IP, incluidos los modelos de redes tradicionales existentes y las arquitecturas de tejido de última generación de cualquier proveedor, NSX Data Center </a:t>
+            </a:r>
+            <a:r>
+              <a:rPr lang="es-MX" sz="1600" dirty="0" err="1">
+                <a:latin typeface="Arial" panose="020B0604020202020204" pitchFamily="34" charset="0"/>
+                <a:cs typeface="Arial" panose="020B0604020202020204" pitchFamily="34" charset="0"/>
+              </a:rPr>
+              <a:t>for</a:t>
+            </a:r>
+            <a:r>
+              <a:rPr lang="es-MX" sz="1600" dirty="0">
+                <a:latin typeface="Arial" panose="020B0604020202020204" pitchFamily="34" charset="0"/>
+                <a:cs typeface="Arial" panose="020B0604020202020204" pitchFamily="34" charset="0"/>
+              </a:rPr>
+              <a:t> </a:t>
+            </a:r>
+            <a:r>
+              <a:rPr lang="es-MX" sz="1600" dirty="0" err="1">
+                <a:latin typeface="Arial" panose="020B0604020202020204" pitchFamily="34" charset="0"/>
+                <a:cs typeface="Arial" panose="020B0604020202020204" pitchFamily="34" charset="0"/>
+              </a:rPr>
+              <a:t>vSphere</a:t>
+            </a:r>
+            <a:r>
+              <a:rPr lang="es-MX" sz="1600" dirty="0">
+                <a:latin typeface="Arial" panose="020B0604020202020204" pitchFamily="34" charset="0"/>
+                <a:cs typeface="Arial" panose="020B0604020202020204" pitchFamily="34" charset="0"/>
+              </a:rPr>
+              <a:t> es una solución que no provoca interrupciones. De hecho, con NSX Data Center </a:t>
+            </a:r>
+            <a:r>
+              <a:rPr lang="es-MX" sz="1600" dirty="0" err="1">
+                <a:latin typeface="Arial" panose="020B0604020202020204" pitchFamily="34" charset="0"/>
+                <a:cs typeface="Arial" panose="020B0604020202020204" pitchFamily="34" charset="0"/>
+              </a:rPr>
+              <a:t>for</a:t>
+            </a:r>
+            <a:r>
+              <a:rPr lang="es-MX" sz="1600" dirty="0">
+                <a:latin typeface="Arial" panose="020B0604020202020204" pitchFamily="34" charset="0"/>
+                <a:cs typeface="Arial" panose="020B0604020202020204" pitchFamily="34" charset="0"/>
+              </a:rPr>
+              <a:t> </a:t>
+            </a:r>
+            <a:r>
+              <a:rPr lang="es-MX" sz="1600" dirty="0" err="1">
+                <a:latin typeface="Arial" panose="020B0604020202020204" pitchFamily="34" charset="0"/>
+                <a:cs typeface="Arial" panose="020B0604020202020204" pitchFamily="34" charset="0"/>
+              </a:rPr>
+              <a:t>vSphere</a:t>
+            </a:r>
+            <a:r>
+              <a:rPr lang="es-MX" sz="1600" dirty="0">
+                <a:latin typeface="Arial" panose="020B0604020202020204" pitchFamily="34" charset="0"/>
+                <a:cs typeface="Arial" panose="020B0604020202020204" pitchFamily="34" charset="0"/>
+              </a:rPr>
+              <a:t>, la infraestructura de red física existente es todo lo que se necesita para implementar un centro de datos definido por software.</a:t>
+            </a:r>
+          </a:p>
+        </p:txBody>
+      </p:sp>
+    </p:spTree>
+    <p:extLst>
+      <p:ext uri="{BB962C8B-B14F-4D97-AF65-F5344CB8AC3E}">
+        <p14:creationId xmlns:p14="http://schemas.microsoft.com/office/powerpoint/2010/main" val="2247141022"/>
+      </p:ext>
+    </p:extLst>
+  </p:cSld>
+  <p:clrMapOvr>
+    <a:masterClrMapping/>
+  </p:clrMapOvr>
+</p:sld>
+</file>
+
 <file path=ppt/slides/slide42.xml><?xml version="1.0" encoding="utf-8"?>
 <p:sld xmlns:a="http://schemas.openxmlformats.org/drawingml/2006/main" xmlns:r="http://schemas.openxmlformats.org/officeDocument/2006/relationships" xmlns:p="http://schemas.openxmlformats.org/presentationml/2006/main">
   <p:cSld>
@@ -19461,161 +19458,39 @@
           </a:p>
         </p:txBody>
       </p:sp>
-      <p:sp>
-        <p:nvSpPr>
-          <p:cNvPr id="5" name="CuadroTexto 4">
+      <p:pic>
+        <p:nvPicPr>
+          <p:cNvPr id="2" name="Imagen 1">
             <a:extLst>
               <a:ext uri="{FF2B5EF4-FFF2-40B4-BE49-F238E27FC236}">
-                <a16:creationId xmlns:a16="http://schemas.microsoft.com/office/drawing/2014/main" id="{996360A4-7287-4161-9B02-9963E1AB4B06}"/>
+                <a16:creationId xmlns:a16="http://schemas.microsoft.com/office/drawing/2014/main" id="{803AB006-B98A-4894-8575-96793F36B8F6}"/>
               </a:ext>
             </a:extLst>
           </p:cNvPr>
-          <p:cNvSpPr txBox="1"/>
+          <p:cNvPicPr>
+            <a:picLocks noChangeAspect="1"/>
+          </p:cNvPicPr>
           <p:nvPr/>
-        </p:nvSpPr>
+        </p:nvPicPr>
+        <p:blipFill rotWithShape="1">
+          <a:blip r:embed="rId3"/>
+          <a:srcRect l="31963" t="28723" r="18023" b="24949"/>
+          <a:stretch/>
+        </p:blipFill>
         <p:spPr>
           <a:xfrm>
-            <a:off x="124689" y="1212273"/>
-            <a:ext cx="8934251" cy="3293209"/>
+            <a:off x="1212111" y="1194965"/>
+            <a:ext cx="6624084" cy="3449771"/>
           </a:xfrm>
           <a:prstGeom prst="rect">
             <a:avLst/>
           </a:prstGeom>
-          <a:noFill/>
         </p:spPr>
-        <p:txBody>
-          <a:bodyPr wrap="square" rtlCol="0">
-            <a:spAutoFit/>
-          </a:bodyPr>
-          <a:lstStyle/>
-          <a:p>
-            <a:pPr algn="just"/>
-            <a:r>
-              <a:rPr lang="es-MX" sz="1600" dirty="0">
-                <a:latin typeface="Arial" panose="020B0604020202020204" pitchFamily="34" charset="0"/>
-                <a:cs typeface="Arial" panose="020B0604020202020204" pitchFamily="34" charset="0"/>
-              </a:rPr>
-              <a:t>Con NSX Data Center </a:t>
-            </a:r>
-            <a:r>
-              <a:rPr lang="es-MX" sz="1600" dirty="0" err="1">
-                <a:latin typeface="Arial" panose="020B0604020202020204" pitchFamily="34" charset="0"/>
-                <a:cs typeface="Arial" panose="020B0604020202020204" pitchFamily="34" charset="0"/>
-              </a:rPr>
-              <a:t>for</a:t>
-            </a:r>
-            <a:r>
-              <a:rPr lang="es-MX" sz="1600" dirty="0">
-                <a:latin typeface="Arial" panose="020B0604020202020204" pitchFamily="34" charset="0"/>
-                <a:cs typeface="Arial" panose="020B0604020202020204" pitchFamily="34" charset="0"/>
-              </a:rPr>
-              <a:t> </a:t>
-            </a:r>
-            <a:r>
-              <a:rPr lang="es-MX" sz="1600" dirty="0" err="1">
-                <a:latin typeface="Arial" panose="020B0604020202020204" pitchFamily="34" charset="0"/>
-                <a:cs typeface="Arial" panose="020B0604020202020204" pitchFamily="34" charset="0"/>
-              </a:rPr>
-              <a:t>vSphere</a:t>
-            </a:r>
-            <a:r>
-              <a:rPr lang="es-MX" sz="1600" dirty="0">
-                <a:latin typeface="Arial" panose="020B0604020202020204" pitchFamily="34" charset="0"/>
-                <a:cs typeface="Arial" panose="020B0604020202020204" pitchFamily="34" charset="0"/>
-              </a:rPr>
-              <a:t>, la virtualización aporta a las redes lo que ya se ofrece en términos de capacidad informática y almacenamiento. De manera muy similar al modo en que la virtualización del servidor crea, elimina y restaura máquinas virtuales basadas en software, así como crea instantáneas de ellas, la virtualización de redes de NSX Data Center </a:t>
-            </a:r>
-            <a:r>
-              <a:rPr lang="es-MX" sz="1600" dirty="0" err="1">
-                <a:latin typeface="Arial" panose="020B0604020202020204" pitchFamily="34" charset="0"/>
-                <a:cs typeface="Arial" panose="020B0604020202020204" pitchFamily="34" charset="0"/>
-              </a:rPr>
-              <a:t>for</a:t>
-            </a:r>
-            <a:r>
-              <a:rPr lang="es-MX" sz="1600" dirty="0">
-                <a:latin typeface="Arial" panose="020B0604020202020204" pitchFamily="34" charset="0"/>
-                <a:cs typeface="Arial" panose="020B0604020202020204" pitchFamily="34" charset="0"/>
-              </a:rPr>
-              <a:t> </a:t>
-            </a:r>
-            <a:r>
-              <a:rPr lang="es-MX" sz="1600" dirty="0" err="1">
-                <a:latin typeface="Arial" panose="020B0604020202020204" pitchFamily="34" charset="0"/>
-                <a:cs typeface="Arial" panose="020B0604020202020204" pitchFamily="34" charset="0"/>
-              </a:rPr>
-              <a:t>vSphere</a:t>
-            </a:r>
-            <a:r>
-              <a:rPr lang="es-MX" sz="1600" dirty="0">
-                <a:latin typeface="Arial" panose="020B0604020202020204" pitchFamily="34" charset="0"/>
-                <a:cs typeface="Arial" panose="020B0604020202020204" pitchFamily="34" charset="0"/>
-              </a:rPr>
-              <a:t>, mediante programación, crea, elimina y restaura redes virtuales basadas en software, y crea instantáneas de ellas. El resultado es un enfoque de redes transformador que no solo permite que los administradores del centro de datos alcancen muchísima mayor agilidad y mejor economía, sino que también permite la implementación de un modelo operativo muy simplificado para la red física subyacente. Gracias a que se puede implementar en cualquier red IP, incluidos los modelos de redes tradicionales existentes y las arquitecturas de tejido de última generación de cualquier proveedor, NSX Data Center </a:t>
-            </a:r>
-            <a:r>
-              <a:rPr lang="es-MX" sz="1600" dirty="0" err="1">
-                <a:latin typeface="Arial" panose="020B0604020202020204" pitchFamily="34" charset="0"/>
-                <a:cs typeface="Arial" panose="020B0604020202020204" pitchFamily="34" charset="0"/>
-              </a:rPr>
-              <a:t>for</a:t>
-            </a:r>
-            <a:r>
-              <a:rPr lang="es-MX" sz="1600" dirty="0">
-                <a:latin typeface="Arial" panose="020B0604020202020204" pitchFamily="34" charset="0"/>
-                <a:cs typeface="Arial" panose="020B0604020202020204" pitchFamily="34" charset="0"/>
-              </a:rPr>
-              <a:t> </a:t>
-            </a:r>
-            <a:r>
-              <a:rPr lang="es-MX" sz="1600" dirty="0" err="1">
-                <a:latin typeface="Arial" panose="020B0604020202020204" pitchFamily="34" charset="0"/>
-                <a:cs typeface="Arial" panose="020B0604020202020204" pitchFamily="34" charset="0"/>
-              </a:rPr>
-              <a:t>vSphere</a:t>
-            </a:r>
-            <a:r>
-              <a:rPr lang="es-MX" sz="1600" dirty="0">
-                <a:latin typeface="Arial" panose="020B0604020202020204" pitchFamily="34" charset="0"/>
-                <a:cs typeface="Arial" panose="020B0604020202020204" pitchFamily="34" charset="0"/>
-              </a:rPr>
-              <a:t> es una solución que no provoca interrupciones. De hecho, con NSX Data Center </a:t>
-            </a:r>
-            <a:r>
-              <a:rPr lang="es-MX" sz="1600" dirty="0" err="1">
-                <a:latin typeface="Arial" panose="020B0604020202020204" pitchFamily="34" charset="0"/>
-                <a:cs typeface="Arial" panose="020B0604020202020204" pitchFamily="34" charset="0"/>
-              </a:rPr>
-              <a:t>for</a:t>
-            </a:r>
-            <a:r>
-              <a:rPr lang="es-MX" sz="1600" dirty="0">
-                <a:latin typeface="Arial" panose="020B0604020202020204" pitchFamily="34" charset="0"/>
-                <a:cs typeface="Arial" panose="020B0604020202020204" pitchFamily="34" charset="0"/>
-              </a:rPr>
-              <a:t> </a:t>
-            </a:r>
-            <a:r>
-              <a:rPr lang="es-MX" sz="1600" dirty="0" err="1">
-                <a:latin typeface="Arial" panose="020B0604020202020204" pitchFamily="34" charset="0"/>
-                <a:cs typeface="Arial" panose="020B0604020202020204" pitchFamily="34" charset="0"/>
-              </a:rPr>
-              <a:t>vSphere</a:t>
-            </a:r>
-            <a:r>
-              <a:rPr lang="es-MX" sz="1600" dirty="0">
-                <a:latin typeface="Arial" panose="020B0604020202020204" pitchFamily="34" charset="0"/>
-                <a:cs typeface="Arial" panose="020B0604020202020204" pitchFamily="34" charset="0"/>
-              </a:rPr>
-              <a:t>, la infraestructura de red física existente es todo lo que se necesita para implementar un centro de datos definido por software.</a:t>
-            </a:r>
-          </a:p>
-        </p:txBody>
-      </p:sp>
+      </p:pic>
     </p:spTree>
     <p:extLst>
       <p:ext uri="{BB962C8B-B14F-4D97-AF65-F5344CB8AC3E}">
-        <p14:creationId xmlns:p14="http://schemas.microsoft.com/office/powerpoint/2010/main" val="2247141022"/>
+        <p14:creationId xmlns:p14="http://schemas.microsoft.com/office/powerpoint/2010/main" val="3431873032"/>
       </p:ext>
     </p:extLst>
   </p:cSld>
@@ -19692,39 +19567,63 @@
           </a:p>
         </p:txBody>
       </p:sp>
-      <p:pic>
-        <p:nvPicPr>
-          <p:cNvPr id="2" name="Imagen 1">
+      <p:sp>
+        <p:nvSpPr>
+          <p:cNvPr id="5" name="CuadroTexto 4">
             <a:extLst>
               <a:ext uri="{FF2B5EF4-FFF2-40B4-BE49-F238E27FC236}">
-                <a16:creationId xmlns:a16="http://schemas.microsoft.com/office/drawing/2014/main" id="{803AB006-B98A-4894-8575-96793F36B8F6}"/>
+                <a16:creationId xmlns:a16="http://schemas.microsoft.com/office/drawing/2014/main" id="{996360A4-7287-4161-9B02-9963E1AB4B06}"/>
               </a:ext>
             </a:extLst>
           </p:cNvPr>
-          <p:cNvPicPr>
-            <a:picLocks noChangeAspect="1"/>
-          </p:cNvPicPr>
+          <p:cNvSpPr txBox="1"/>
           <p:nvPr/>
-        </p:nvPicPr>
-        <p:blipFill rotWithShape="1">
-          <a:blip r:embed="rId3"/>
-          <a:srcRect l="31963" t="28723" r="18023" b="24949"/>
-          <a:stretch/>
-        </p:blipFill>
+        </p:nvSpPr>
         <p:spPr>
           <a:xfrm>
-            <a:off x="1212111" y="1194965"/>
-            <a:ext cx="6624084" cy="3449771"/>
+            <a:off x="124689" y="1212273"/>
+            <a:ext cx="8934251" cy="1569660"/>
           </a:xfrm>
           <a:prstGeom prst="rect">
             <a:avLst/>
           </a:prstGeom>
+          <a:noFill/>
         </p:spPr>
-      </p:pic>
+        <p:txBody>
+          <a:bodyPr wrap="square" rtlCol="0">
+            <a:spAutoFit/>
+          </a:bodyPr>
+          <a:lstStyle/>
+          <a:p>
+            <a:pPr algn="just"/>
+            <a:r>
+              <a:rPr lang="es-MX" sz="1600" dirty="0">
+                <a:latin typeface="Arial" panose="020B0604020202020204" pitchFamily="34" charset="0"/>
+                <a:cs typeface="Arial" panose="020B0604020202020204" pitchFamily="34" charset="0"/>
+              </a:rPr>
+              <a:t>Con la virtualización de red, el equivalente funcional de un hipervisor de red reproduce en el software el conjunto completo de servicios de red de Capa 2 a Capa 7 (por ejemplo, conmutación, enrutamiento, control de acceso, protección de firewall, calidad de servicio [</a:t>
+            </a:r>
+            <a:r>
+              <a:rPr lang="es-MX" sz="1600" dirty="0" err="1">
+                <a:latin typeface="Arial" panose="020B0604020202020204" pitchFamily="34" charset="0"/>
+                <a:cs typeface="Arial" panose="020B0604020202020204" pitchFamily="34" charset="0"/>
+              </a:rPr>
+              <a:t>QoS</a:t>
+            </a:r>
+            <a:r>
+              <a:rPr lang="es-MX" sz="1600" dirty="0">
+                <a:latin typeface="Arial" panose="020B0604020202020204" pitchFamily="34" charset="0"/>
+                <a:cs typeface="Arial" panose="020B0604020202020204" pitchFamily="34" charset="0"/>
+              </a:rPr>
+              <a:t>] y equilibrio de carga). Como consecuencia, estos servicios pueden ensamblarse mediante programación en cualquier combinación arbitraria para producir redes virtuales únicas y aisladas en cuestión de segundos.</a:t>
+            </a:r>
+          </a:p>
+        </p:txBody>
+      </p:sp>
     </p:spTree>
     <p:extLst>
       <p:ext uri="{BB962C8B-B14F-4D97-AF65-F5344CB8AC3E}">
-        <p14:creationId xmlns:p14="http://schemas.microsoft.com/office/powerpoint/2010/main" val="3431873032"/>
+        <p14:creationId xmlns:p14="http://schemas.microsoft.com/office/powerpoint/2010/main" val="1732233873"/>
       </p:ext>
     </p:extLst>
   </p:cSld>
@@ -19816,7 +19715,7 @@
         <p:spPr>
           <a:xfrm>
             <a:off x="124689" y="1212273"/>
-            <a:ext cx="8934251" cy="1569660"/>
+            <a:ext cx="8934251" cy="3046988"/>
           </a:xfrm>
           <a:prstGeom prst="rect">
             <a:avLst/>
@@ -19835,21 +19734,49 @@
                 <a:latin typeface="Arial" panose="020B0604020202020204" pitchFamily="34" charset="0"/>
                 <a:cs typeface="Arial" panose="020B0604020202020204" pitchFamily="34" charset="0"/>
               </a:rPr>
-              <a:t>Con la virtualización de red, el equivalente funcional de un hipervisor de red reproduce en el software el conjunto completo de servicios de red de Capa 2 a Capa 7 (por ejemplo, conmutación, enrutamiento, control de acceso, protección de firewall, calidad de servicio [</a:t>
-            </a:r>
-            <a:r>
-              <a:rPr lang="es-MX" sz="1600" dirty="0" err="1">
-                <a:latin typeface="Arial" panose="020B0604020202020204" pitchFamily="34" charset="0"/>
-                <a:cs typeface="Arial" panose="020B0604020202020204" pitchFamily="34" charset="0"/>
-              </a:rPr>
-              <a:t>QoS</a:t>
-            </a:r>
-            <a:r>
-              <a:rPr lang="es-MX" sz="1600" dirty="0">
-                <a:latin typeface="Arial" panose="020B0604020202020204" pitchFamily="34" charset="0"/>
-                <a:cs typeface="Arial" panose="020B0604020202020204" pitchFamily="34" charset="0"/>
-              </a:rPr>
-              <a:t>] y equilibrio de carga). Como consecuencia, estos servicios pueden ensamblarse mediante programación en cualquier combinación arbitraria para producir redes virtuales únicas y aisladas en cuestión de segundos.</a:t>
+              <a:t>Con la virtualización de red se obtienen beneficios similares a los que ofrece la virtualización del servidor. Por ejemplo, así como las máquinas virtuales son independientes de la plataforma x86 subyacente y permiten que TI trate los hosts físicos como un grupo con capacidad informática, las redes virtuales son independientes del hardware de red IP subyacente y permiten que TI trate la red física como un grupo con capacidad de transporte que puede consumirse y reasignarse a petición. A diferencia de las arquitecturas heredadas, las redes virtuales pueden aprovisionarse, cambiarse, almacenarse, eliminarse y restaurarse de forma programática sin volver a configurar la topología o el hardware físico subyacente. Al combinar las capacidades y los beneficios que ofrecen las soluciones conocidas de virtualización de almacenamiento y del servidor, este enfoque de redes transformador despliega todo el potencial del centro de datos definido por software. NSX Data Center </a:t>
+            </a:r>
+            <a:r>
+              <a:rPr lang="es-MX" sz="1600" dirty="0" err="1">
+                <a:latin typeface="Arial" panose="020B0604020202020204" pitchFamily="34" charset="0"/>
+                <a:cs typeface="Arial" panose="020B0604020202020204" pitchFamily="34" charset="0"/>
+              </a:rPr>
+              <a:t>for</a:t>
+            </a:r>
+            <a:r>
+              <a:rPr lang="es-MX" sz="1600" dirty="0">
+                <a:latin typeface="Arial" panose="020B0604020202020204" pitchFamily="34" charset="0"/>
+                <a:cs typeface="Arial" panose="020B0604020202020204" pitchFamily="34" charset="0"/>
+              </a:rPr>
+              <a:t> </a:t>
+            </a:r>
+            <a:r>
+              <a:rPr lang="es-MX" sz="1600" dirty="0" err="1">
+                <a:latin typeface="Arial" panose="020B0604020202020204" pitchFamily="34" charset="0"/>
+                <a:cs typeface="Arial" panose="020B0604020202020204" pitchFamily="34" charset="0"/>
+              </a:rPr>
+              <a:t>vSphere</a:t>
+            </a:r>
+            <a:r>
+              <a:rPr lang="es-MX" sz="1600" dirty="0">
+                <a:latin typeface="Arial" panose="020B0604020202020204" pitchFamily="34" charset="0"/>
+                <a:cs typeface="Arial" panose="020B0604020202020204" pitchFamily="34" charset="0"/>
+              </a:rPr>
+              <a:t> puede configurarse mediante </a:t>
+            </a:r>
+            <a:r>
+              <a:rPr lang="es-MX" sz="1600" dirty="0" err="1">
+                <a:latin typeface="Arial" panose="020B0604020202020204" pitchFamily="34" charset="0"/>
+                <a:cs typeface="Arial" panose="020B0604020202020204" pitchFamily="34" charset="0"/>
+              </a:rPr>
+              <a:t>vSphere</a:t>
+            </a:r>
+            <a:r>
+              <a:rPr lang="es-MX" sz="1600" dirty="0">
+                <a:latin typeface="Arial" panose="020B0604020202020204" pitchFamily="34" charset="0"/>
+                <a:cs typeface="Arial" panose="020B0604020202020204" pitchFamily="34" charset="0"/>
+              </a:rPr>
+              <a:t> Web Client, una interfaz de línea de comandos (CLI) y una REST API.</a:t>
             </a:r>
           </a:p>
         </p:txBody>
@@ -19857,7 +19784,7 @@
     </p:spTree>
     <p:extLst>
       <p:ext uri="{BB962C8B-B14F-4D97-AF65-F5344CB8AC3E}">
-        <p14:creationId xmlns:p14="http://schemas.microsoft.com/office/powerpoint/2010/main" val="1732233873"/>
+        <p14:creationId xmlns:p14="http://schemas.microsoft.com/office/powerpoint/2010/main" val="3252822684"/>
       </p:ext>
     </p:extLst>
   </p:cSld>
@@ -19949,7 +19876,7 @@
         <p:spPr>
           <a:xfrm>
             <a:off x="124689" y="1212273"/>
-            <a:ext cx="8934251" cy="3046988"/>
+            <a:ext cx="2735469" cy="584775"/>
           </a:xfrm>
           <a:prstGeom prst="rect">
             <a:avLst/>
@@ -19965,13 +19892,23 @@
             <a:pPr algn="just"/>
             <a:r>
               <a:rPr lang="es-MX" sz="1600" dirty="0">
-                <a:latin typeface="Arial" panose="020B0604020202020204" pitchFamily="34" charset="0"/>
-                <a:cs typeface="Arial" panose="020B0604020202020204" pitchFamily="34" charset="0"/>
-              </a:rPr>
-              <a:t>Con la virtualización de red se obtienen beneficios similares a los que ofrece la virtualización del servidor. Por ejemplo, así como las máquinas virtuales son independientes de la plataforma x86 subyacente y permiten que TI trate los hosts físicos como un grupo con capacidad informática, las redes virtuales son independientes del hardware de red IP subyacente y permiten que TI trate la red física como un grupo con capacidad de transporte que puede consumirse y reasignarse a petición. A diferencia de las arquitecturas heredadas, las redes virtuales pueden aprovisionarse, cambiarse, almacenarse, eliminarse y restaurarse de forma programática sin volver a configurar la topología o el hardware físico subyacente. Al combinar las capacidades y los beneficios que ofrecen las soluciones conocidas de virtualización de almacenamiento y del servidor, este enfoque de redes transformador despliega todo el potencial del centro de datos definido por software. NSX Data Center </a:t>
-            </a:r>
-            <a:r>
-              <a:rPr lang="es-MX" sz="1600" dirty="0" err="1">
+                <a:solidFill>
+                  <a:schemeClr val="accent1">
+                    <a:lumMod val="50000"/>
+                  </a:schemeClr>
+                </a:solidFill>
+                <a:latin typeface="Arial" panose="020B0604020202020204" pitchFamily="34" charset="0"/>
+                <a:cs typeface="Arial" panose="020B0604020202020204" pitchFamily="34" charset="0"/>
+              </a:rPr>
+              <a:t>Componentes de NSX Data Center </a:t>
+            </a:r>
+            <a:r>
+              <a:rPr lang="es-MX" sz="1600" dirty="0" err="1">
+                <a:solidFill>
+                  <a:schemeClr val="accent1">
+                    <a:lumMod val="50000"/>
+                  </a:schemeClr>
+                </a:solidFill>
                 <a:latin typeface="Arial" panose="020B0604020202020204" pitchFamily="34" charset="0"/>
                 <a:cs typeface="Arial" panose="020B0604020202020204" pitchFamily="34" charset="0"/>
               </a:rPr>
@@ -19979,6 +19916,11 @@
             </a:r>
             <a:r>
               <a:rPr lang="es-MX" sz="1600" dirty="0">
+                <a:solidFill>
+                  <a:schemeClr val="accent1">
+                    <a:lumMod val="50000"/>
+                  </a:schemeClr>
+                </a:solidFill>
                 <a:latin typeface="Arial" panose="020B0604020202020204" pitchFamily="34" charset="0"/>
                 <a:cs typeface="Arial" panose="020B0604020202020204" pitchFamily="34" charset="0"/>
               </a:rPr>
@@ -19986,39 +19928,61 @@
             </a:r>
             <a:r>
               <a:rPr lang="es-MX" sz="1600" dirty="0" err="1">
+                <a:solidFill>
+                  <a:schemeClr val="accent1">
+                    <a:lumMod val="50000"/>
+                  </a:schemeClr>
+                </a:solidFill>
                 <a:latin typeface="Arial" panose="020B0604020202020204" pitchFamily="34" charset="0"/>
                 <a:cs typeface="Arial" panose="020B0604020202020204" pitchFamily="34" charset="0"/>
               </a:rPr>
               <a:t>vSphere</a:t>
             </a:r>
-            <a:r>
-              <a:rPr lang="es-MX" sz="1600" dirty="0">
-                <a:latin typeface="Arial" panose="020B0604020202020204" pitchFamily="34" charset="0"/>
-                <a:cs typeface="Arial" panose="020B0604020202020204" pitchFamily="34" charset="0"/>
-              </a:rPr>
-              <a:t> puede configurarse mediante </a:t>
-            </a:r>
-            <a:r>
-              <a:rPr lang="es-MX" sz="1600" dirty="0" err="1">
-                <a:latin typeface="Arial" panose="020B0604020202020204" pitchFamily="34" charset="0"/>
-                <a:cs typeface="Arial" panose="020B0604020202020204" pitchFamily="34" charset="0"/>
-              </a:rPr>
-              <a:t>vSphere</a:t>
-            </a:r>
-            <a:r>
-              <a:rPr lang="es-MX" sz="1600" dirty="0">
-                <a:latin typeface="Arial" panose="020B0604020202020204" pitchFamily="34" charset="0"/>
-                <a:cs typeface="Arial" panose="020B0604020202020204" pitchFamily="34" charset="0"/>
-              </a:rPr>
-              <a:t> Web Client, una interfaz de línea de comandos (CLI) y una REST API.</a:t>
-            </a:r>
+            <a:endParaRPr lang="es-MX" sz="1600" dirty="0">
+              <a:solidFill>
+                <a:schemeClr val="accent1">
+                  <a:lumMod val="50000"/>
+                </a:schemeClr>
+              </a:solidFill>
+              <a:latin typeface="Arial" panose="020B0604020202020204" pitchFamily="34" charset="0"/>
+              <a:cs typeface="Arial" panose="020B0604020202020204" pitchFamily="34" charset="0"/>
+            </a:endParaRPr>
           </a:p>
         </p:txBody>
       </p:sp>
+      <p:pic>
+        <p:nvPicPr>
+          <p:cNvPr id="2" name="Imagen 1">
+            <a:extLst>
+              <a:ext uri="{FF2B5EF4-FFF2-40B4-BE49-F238E27FC236}">
+                <a16:creationId xmlns:a16="http://schemas.microsoft.com/office/drawing/2014/main" id="{CCA573C4-9B8F-408E-81C5-E75A3DE657BA}"/>
+              </a:ext>
+            </a:extLst>
+          </p:cNvPr>
+          <p:cNvPicPr>
+            <a:picLocks noChangeAspect="1"/>
+          </p:cNvPicPr>
+          <p:nvPr/>
+        </p:nvPicPr>
+        <p:blipFill rotWithShape="1">
+          <a:blip r:embed="rId3"/>
+          <a:srcRect l="31512" t="31825" r="28140" b="6749"/>
+          <a:stretch/>
+        </p:blipFill>
+        <p:spPr>
+          <a:xfrm>
+            <a:off x="4787553" y="1105103"/>
+            <a:ext cx="4231758" cy="3621995"/>
+          </a:xfrm>
+          <a:prstGeom prst="rect">
+            <a:avLst/>
+          </a:prstGeom>
+        </p:spPr>
+      </p:pic>
     </p:spTree>
     <p:extLst>
       <p:ext uri="{BB962C8B-B14F-4D97-AF65-F5344CB8AC3E}">
-        <p14:creationId xmlns:p14="http://schemas.microsoft.com/office/powerpoint/2010/main" val="3252822684"/>
+        <p14:creationId xmlns:p14="http://schemas.microsoft.com/office/powerpoint/2010/main" val="788296761"/>
       </p:ext>
     </p:extLst>
   </p:cSld>
@@ -20110,7 +20074,7 @@
         <p:spPr>
           <a:xfrm>
             <a:off x="124689" y="1212273"/>
-            <a:ext cx="2735469" cy="584775"/>
+            <a:ext cx="3958213" cy="3785652"/>
           </a:xfrm>
           <a:prstGeom prst="rect">
             <a:avLst/>
@@ -20134,44 +20098,11 @@
                 <a:latin typeface="Arial" panose="020B0604020202020204" pitchFamily="34" charset="0"/>
                 <a:cs typeface="Arial" panose="020B0604020202020204" pitchFamily="34" charset="0"/>
               </a:rPr>
-              <a:t>Componentes de NSX Data Center </a:t>
-            </a:r>
-            <a:r>
-              <a:rPr lang="es-MX" sz="1600" dirty="0" err="1">
-                <a:solidFill>
-                  <a:schemeClr val="accent1">
-                    <a:lumMod val="50000"/>
-                  </a:schemeClr>
-                </a:solidFill>
-                <a:latin typeface="Arial" panose="020B0604020202020204" pitchFamily="34" charset="0"/>
-                <a:cs typeface="Arial" panose="020B0604020202020204" pitchFamily="34" charset="0"/>
-              </a:rPr>
-              <a:t>for</a:t>
-            </a:r>
-            <a:r>
-              <a:rPr lang="es-MX" sz="1600" dirty="0">
-                <a:solidFill>
-                  <a:schemeClr val="accent1">
-                    <a:lumMod val="50000"/>
-                  </a:schemeClr>
-                </a:solidFill>
-                <a:latin typeface="Arial" panose="020B0604020202020204" pitchFamily="34" charset="0"/>
-                <a:cs typeface="Arial" panose="020B0604020202020204" pitchFamily="34" charset="0"/>
-              </a:rPr>
-              <a:t> </a:t>
-            </a:r>
-            <a:r>
-              <a:rPr lang="es-MX" sz="1600" dirty="0" err="1">
-                <a:solidFill>
-                  <a:schemeClr val="accent1">
-                    <a:lumMod val="50000"/>
-                  </a:schemeClr>
-                </a:solidFill>
-                <a:latin typeface="Arial" panose="020B0604020202020204" pitchFamily="34" charset="0"/>
-                <a:cs typeface="Arial" panose="020B0604020202020204" pitchFamily="34" charset="0"/>
-              </a:rPr>
-              <a:t>vSphere</a:t>
-            </a:r>
+              <a:t>Plano de datos</a:t>
+            </a:r>
+          </a:p>
+          <a:p>
+            <a:pPr algn="just"/>
             <a:endParaRPr lang="es-MX" sz="1600" dirty="0">
               <a:solidFill>
                 <a:schemeClr val="accent1">
@@ -20182,41 +20113,153 @@
               <a:cs typeface="Arial" panose="020B0604020202020204" pitchFamily="34" charset="0"/>
             </a:endParaRPr>
           </a:p>
+          <a:p>
+            <a:pPr algn="just"/>
+            <a:r>
+              <a:rPr lang="es-MX" sz="1600" dirty="0">
+                <a:latin typeface="Arial" panose="020B0604020202020204" pitchFamily="34" charset="0"/>
+                <a:cs typeface="Arial" panose="020B0604020202020204" pitchFamily="34" charset="0"/>
+              </a:rPr>
+              <a:t>El plano de datos consta de NSX Virtual </a:t>
+            </a:r>
+            <a:r>
+              <a:rPr lang="es-MX" sz="1600" dirty="0" err="1">
+                <a:latin typeface="Arial" panose="020B0604020202020204" pitchFamily="34" charset="0"/>
+                <a:cs typeface="Arial" panose="020B0604020202020204" pitchFamily="34" charset="0"/>
+              </a:rPr>
+              <a:t>Switch</a:t>
+            </a:r>
+            <a:r>
+              <a:rPr lang="es-MX" sz="1600" dirty="0">
+                <a:latin typeface="Arial" panose="020B0604020202020204" pitchFamily="34" charset="0"/>
+                <a:cs typeface="Arial" panose="020B0604020202020204" pitchFamily="34" charset="0"/>
+              </a:rPr>
+              <a:t>, que se basa en </a:t>
+            </a:r>
+            <a:r>
+              <a:rPr lang="es-MX" sz="1600" dirty="0" err="1">
+                <a:latin typeface="Arial" panose="020B0604020202020204" pitchFamily="34" charset="0"/>
+                <a:cs typeface="Arial" panose="020B0604020202020204" pitchFamily="34" charset="0"/>
+              </a:rPr>
+              <a:t>vSphere</a:t>
+            </a:r>
+            <a:r>
+              <a:rPr lang="es-MX" sz="1600" dirty="0">
+                <a:latin typeface="Arial" panose="020B0604020202020204" pitchFamily="34" charset="0"/>
+                <a:cs typeface="Arial" panose="020B0604020202020204" pitchFamily="34" charset="0"/>
+              </a:rPr>
+              <a:t> </a:t>
+            </a:r>
+            <a:r>
+              <a:rPr lang="es-MX" sz="1600" dirty="0" err="1">
+                <a:latin typeface="Arial" panose="020B0604020202020204" pitchFamily="34" charset="0"/>
+                <a:cs typeface="Arial" panose="020B0604020202020204" pitchFamily="34" charset="0"/>
+              </a:rPr>
+              <a:t>Distributed</a:t>
+            </a:r>
+            <a:r>
+              <a:rPr lang="es-MX" sz="1600" dirty="0">
+                <a:latin typeface="Arial" panose="020B0604020202020204" pitchFamily="34" charset="0"/>
+                <a:cs typeface="Arial" panose="020B0604020202020204" pitchFamily="34" charset="0"/>
+              </a:rPr>
+              <a:t> </a:t>
+            </a:r>
+            <a:r>
+              <a:rPr lang="es-MX" sz="1600" dirty="0" err="1">
+                <a:latin typeface="Arial" panose="020B0604020202020204" pitchFamily="34" charset="0"/>
+                <a:cs typeface="Arial" panose="020B0604020202020204" pitchFamily="34" charset="0"/>
+              </a:rPr>
+              <a:t>Switch</a:t>
+            </a:r>
+            <a:r>
+              <a:rPr lang="es-MX" sz="1600" dirty="0">
+                <a:latin typeface="Arial" panose="020B0604020202020204" pitchFamily="34" charset="0"/>
+                <a:cs typeface="Arial" panose="020B0604020202020204" pitchFamily="34" charset="0"/>
+              </a:rPr>
+              <a:t> (VDS) con otros componentes para habilitar servicios. Los módulos de </a:t>
+            </a:r>
+            <a:r>
+              <a:rPr lang="es-MX" sz="1600" dirty="0" err="1">
+                <a:latin typeface="Arial" panose="020B0604020202020204" pitchFamily="34" charset="0"/>
+                <a:cs typeface="Arial" panose="020B0604020202020204" pitchFamily="34" charset="0"/>
+              </a:rPr>
+              <a:t>kernel</a:t>
+            </a:r>
+            <a:r>
+              <a:rPr lang="es-MX" sz="1600" dirty="0">
+                <a:latin typeface="Arial" panose="020B0604020202020204" pitchFamily="34" charset="0"/>
+                <a:cs typeface="Arial" panose="020B0604020202020204" pitchFamily="34" charset="0"/>
+              </a:rPr>
+              <a:t>, los agentes de espacio de usuarios, los archivos de configuración y los scripts de instalación están empaquetados en VIB, y se ejecutan dentro del </a:t>
+            </a:r>
+            <a:r>
+              <a:rPr lang="es-MX" sz="1600" dirty="0" err="1">
+                <a:latin typeface="Arial" panose="020B0604020202020204" pitchFamily="34" charset="0"/>
+                <a:cs typeface="Arial" panose="020B0604020202020204" pitchFamily="34" charset="0"/>
+              </a:rPr>
+              <a:t>kernel</a:t>
+            </a:r>
+            <a:r>
+              <a:rPr lang="es-MX" sz="1600" dirty="0">
+                <a:latin typeface="Arial" panose="020B0604020202020204" pitchFamily="34" charset="0"/>
+                <a:cs typeface="Arial" panose="020B0604020202020204" pitchFamily="34" charset="0"/>
+              </a:rPr>
+              <a:t> del hipervisor para proporcionar servicios, como el enrutamiento distribuido y el firewall lógico, y habilitar capacidades de puente con VXLAN.</a:t>
+            </a:r>
+          </a:p>
         </p:txBody>
       </p:sp>
       <p:pic>
         <p:nvPicPr>
-          <p:cNvPr id="2" name="Imagen 1">
+          <p:cNvPr id="2050" name="Picture 2" descr="Resultado de imagen para plano de datos nsx">
             <a:extLst>
               <a:ext uri="{FF2B5EF4-FFF2-40B4-BE49-F238E27FC236}">
-                <a16:creationId xmlns:a16="http://schemas.microsoft.com/office/drawing/2014/main" id="{CCA573C4-9B8F-408E-81C5-E75A3DE657BA}"/>
+                <a16:creationId xmlns:a16="http://schemas.microsoft.com/office/drawing/2014/main" id="{5512B600-E75A-4F5A-95AF-0B59FA19AAB9}"/>
               </a:ext>
             </a:extLst>
           </p:cNvPr>
           <p:cNvPicPr>
-            <a:picLocks noChangeAspect="1"/>
+            <a:picLocks noChangeAspect="1" noChangeArrowheads="1"/>
           </p:cNvPicPr>
           <p:nvPr/>
         </p:nvPicPr>
-        <p:blipFill rotWithShape="1">
-          <a:blip r:embed="rId3"/>
-          <a:srcRect l="31512" t="31825" r="28140" b="6749"/>
-          <a:stretch/>
+        <p:blipFill>
+          <a:blip r:embed="rId3">
+            <a:extLst>
+              <a:ext uri="{28A0092B-C50C-407E-A947-70E740481C1C}">
+                <a14:useLocalDpi xmlns:a14="http://schemas.microsoft.com/office/drawing/2010/main" val="0"/>
+              </a:ext>
+            </a:extLst>
+          </a:blip>
+          <a:srcRect/>
+          <a:stretch>
+            <a:fillRect/>
+          </a:stretch>
         </p:blipFill>
-        <p:spPr>
+        <p:spPr bwMode="auto">
           <a:xfrm>
-            <a:off x="4787553" y="1105103"/>
-            <a:ext cx="4231758" cy="3621995"/>
+            <a:off x="4183101" y="1393028"/>
+            <a:ext cx="4836210" cy="2966322"/>
           </a:xfrm>
           <a:prstGeom prst="rect">
             <a:avLst/>
           </a:prstGeom>
+          <a:noFill/>
+          <a:extLst>
+            <a:ext uri="{909E8E84-426E-40DD-AFC4-6F175D3DCCD1}">
+              <a14:hiddenFill xmlns:a14="http://schemas.microsoft.com/office/drawing/2010/main">
+                <a:solidFill>
+                  <a:srgbClr val="FFFFFF"/>
+                </a:solidFill>
+              </a14:hiddenFill>
+            </a:ext>
+          </a:extLst>
         </p:spPr>
       </p:pic>
     </p:spTree>
     <p:extLst>
       <p:ext uri="{BB962C8B-B14F-4D97-AF65-F5344CB8AC3E}">
-        <p14:creationId xmlns:p14="http://schemas.microsoft.com/office/powerpoint/2010/main" val="788296761"/>
+        <p14:creationId xmlns:p14="http://schemas.microsoft.com/office/powerpoint/2010/main" val="2815365781"/>
       </p:ext>
     </p:extLst>
   </p:cSld>
@@ -20308,7 +20351,7 @@
         <p:spPr>
           <a:xfrm>
             <a:off x="124689" y="1212273"/>
-            <a:ext cx="3958213" cy="3785652"/>
+            <a:ext cx="5595627" cy="2800767"/>
           </a:xfrm>
           <a:prstGeom prst="rect">
             <a:avLst/>
@@ -20324,131 +20367,68 @@
             <a:pPr algn="just"/>
             <a:r>
               <a:rPr lang="es-MX" sz="1600" dirty="0">
-                <a:solidFill>
-                  <a:schemeClr val="accent1">
-                    <a:lumMod val="50000"/>
-                  </a:schemeClr>
-                </a:solidFill>
-                <a:latin typeface="Arial" panose="020B0604020202020204" pitchFamily="34" charset="0"/>
-                <a:cs typeface="Arial" panose="020B0604020202020204" pitchFamily="34" charset="0"/>
-              </a:rPr>
-              <a:t>Plano de datos</a:t>
+                <a:latin typeface="Arial" panose="020B0604020202020204" pitchFamily="34" charset="0"/>
+                <a:cs typeface="Arial" panose="020B0604020202020204" pitchFamily="34" charset="0"/>
+              </a:rPr>
+              <a:t>NSX Virtual </a:t>
+            </a:r>
+            <a:r>
+              <a:rPr lang="es-MX" sz="1600" dirty="0" err="1">
+                <a:latin typeface="Arial" panose="020B0604020202020204" pitchFamily="34" charset="0"/>
+                <a:cs typeface="Arial" panose="020B0604020202020204" pitchFamily="34" charset="0"/>
+              </a:rPr>
+              <a:t>Switch</a:t>
+            </a:r>
+            <a:r>
+              <a:rPr lang="es-MX" sz="1600" dirty="0">
+                <a:latin typeface="Arial" panose="020B0604020202020204" pitchFamily="34" charset="0"/>
+                <a:cs typeface="Arial" panose="020B0604020202020204" pitchFamily="34" charset="0"/>
+              </a:rPr>
+              <a:t> (basado en VDS) abstrae la red física y proporciona conmutación en el hipervisor en el nivel de acceso. Es fundamental para la virtualización de red, ya que habilita redes lógicas que son independientes de las construcciones físicas, como las VLAN. Algunos de los beneficios de </a:t>
+            </a:r>
+            <a:r>
+              <a:rPr lang="es-MX" sz="1600" dirty="0" err="1">
+                <a:latin typeface="Arial" panose="020B0604020202020204" pitchFamily="34" charset="0"/>
+                <a:cs typeface="Arial" panose="020B0604020202020204" pitchFamily="34" charset="0"/>
+              </a:rPr>
+              <a:t>vSwitch</a:t>
+            </a:r>
+            <a:r>
+              <a:rPr lang="es-MX" sz="1600" dirty="0">
+                <a:latin typeface="Arial" panose="020B0604020202020204" pitchFamily="34" charset="0"/>
+                <a:cs typeface="Arial" panose="020B0604020202020204" pitchFamily="34" charset="0"/>
+              </a:rPr>
+              <a:t> son los siguientes:</a:t>
             </a:r>
           </a:p>
           <a:p>
             <a:pPr algn="just"/>
             <a:endParaRPr lang="es-MX" sz="1600" dirty="0">
-              <a:solidFill>
-                <a:schemeClr val="accent1">
-                  <a:lumMod val="50000"/>
-                </a:schemeClr>
-              </a:solidFill>
               <a:latin typeface="Arial" panose="020B0604020202020204" pitchFamily="34" charset="0"/>
               <a:cs typeface="Arial" panose="020B0604020202020204" pitchFamily="34" charset="0"/>
             </a:endParaRPr>
           </a:p>
           <a:p>
-            <a:pPr algn="just"/>
-            <a:r>
-              <a:rPr lang="es-MX" sz="1600" dirty="0">
-                <a:latin typeface="Arial" panose="020B0604020202020204" pitchFamily="34" charset="0"/>
-                <a:cs typeface="Arial" panose="020B0604020202020204" pitchFamily="34" charset="0"/>
-              </a:rPr>
-              <a:t>El plano de datos consta de NSX Virtual </a:t>
-            </a:r>
-            <a:r>
-              <a:rPr lang="es-MX" sz="1600" dirty="0" err="1">
-                <a:latin typeface="Arial" panose="020B0604020202020204" pitchFamily="34" charset="0"/>
-                <a:cs typeface="Arial" panose="020B0604020202020204" pitchFamily="34" charset="0"/>
-              </a:rPr>
-              <a:t>Switch</a:t>
-            </a:r>
-            <a:r>
-              <a:rPr lang="es-MX" sz="1600" dirty="0">
-                <a:latin typeface="Arial" panose="020B0604020202020204" pitchFamily="34" charset="0"/>
-                <a:cs typeface="Arial" panose="020B0604020202020204" pitchFamily="34" charset="0"/>
-              </a:rPr>
-              <a:t>, que se basa en </a:t>
-            </a:r>
-            <a:r>
-              <a:rPr lang="es-MX" sz="1600" dirty="0" err="1">
-                <a:latin typeface="Arial" panose="020B0604020202020204" pitchFamily="34" charset="0"/>
-                <a:cs typeface="Arial" panose="020B0604020202020204" pitchFamily="34" charset="0"/>
-              </a:rPr>
-              <a:t>vSphere</a:t>
-            </a:r>
-            <a:r>
-              <a:rPr lang="es-MX" sz="1600" dirty="0">
-                <a:latin typeface="Arial" panose="020B0604020202020204" pitchFamily="34" charset="0"/>
-                <a:cs typeface="Arial" panose="020B0604020202020204" pitchFamily="34" charset="0"/>
-              </a:rPr>
-              <a:t> </a:t>
-            </a:r>
-            <a:r>
-              <a:rPr lang="es-MX" sz="1600" dirty="0" err="1">
-                <a:latin typeface="Arial" panose="020B0604020202020204" pitchFamily="34" charset="0"/>
-                <a:cs typeface="Arial" panose="020B0604020202020204" pitchFamily="34" charset="0"/>
-              </a:rPr>
-              <a:t>Distributed</a:t>
-            </a:r>
-            <a:r>
-              <a:rPr lang="es-MX" sz="1600" dirty="0">
-                <a:latin typeface="Arial" panose="020B0604020202020204" pitchFamily="34" charset="0"/>
-                <a:cs typeface="Arial" panose="020B0604020202020204" pitchFamily="34" charset="0"/>
-              </a:rPr>
-              <a:t> </a:t>
-            </a:r>
-            <a:r>
-              <a:rPr lang="es-MX" sz="1600" dirty="0" err="1">
-                <a:latin typeface="Arial" panose="020B0604020202020204" pitchFamily="34" charset="0"/>
-                <a:cs typeface="Arial" panose="020B0604020202020204" pitchFamily="34" charset="0"/>
-              </a:rPr>
-              <a:t>Switch</a:t>
-            </a:r>
-            <a:r>
-              <a:rPr lang="es-MX" sz="1600" dirty="0">
-                <a:latin typeface="Arial" panose="020B0604020202020204" pitchFamily="34" charset="0"/>
-                <a:cs typeface="Arial" panose="020B0604020202020204" pitchFamily="34" charset="0"/>
-              </a:rPr>
-              <a:t> (VDS) con otros componentes para habilitar servicios. Los módulos de </a:t>
-            </a:r>
-            <a:r>
-              <a:rPr lang="es-MX" sz="1600" dirty="0" err="1">
-                <a:latin typeface="Arial" panose="020B0604020202020204" pitchFamily="34" charset="0"/>
-                <a:cs typeface="Arial" panose="020B0604020202020204" pitchFamily="34" charset="0"/>
-              </a:rPr>
-              <a:t>kernel</a:t>
-            </a:r>
-            <a:r>
-              <a:rPr lang="es-MX" sz="1600" dirty="0">
-                <a:latin typeface="Arial" panose="020B0604020202020204" pitchFamily="34" charset="0"/>
-                <a:cs typeface="Arial" panose="020B0604020202020204" pitchFamily="34" charset="0"/>
-              </a:rPr>
-              <a:t>, los agentes de espacio de usuarios, los archivos de configuración y los scripts de instalación están empaquetados en VIB, y se ejecutan dentro del </a:t>
-            </a:r>
-            <a:r>
-              <a:rPr lang="es-MX" sz="1600" dirty="0" err="1">
-                <a:latin typeface="Arial" panose="020B0604020202020204" pitchFamily="34" charset="0"/>
-                <a:cs typeface="Arial" panose="020B0604020202020204" pitchFamily="34" charset="0"/>
-              </a:rPr>
-              <a:t>kernel</a:t>
-            </a:r>
-            <a:r>
-              <a:rPr lang="es-MX" sz="1600" dirty="0">
-                <a:latin typeface="Arial" panose="020B0604020202020204" pitchFamily="34" charset="0"/>
-                <a:cs typeface="Arial" panose="020B0604020202020204" pitchFamily="34" charset="0"/>
-              </a:rPr>
-              <a:t> del hipervisor para proporcionar servicios, como el enrutamiento distribuido y el firewall lógico, y habilitar capacidades de puente con VXLAN.</a:t>
+            <a:pPr marL="285750" indent="-285750" algn="just">
+              <a:buFont typeface="Wingdings" panose="05000000000000000000" pitchFamily="2" charset="2"/>
+              <a:buChar char="§"/>
+            </a:pPr>
+            <a:r>
+              <a:rPr lang="es-MX" sz="1600" dirty="0">
+                <a:latin typeface="Arial" panose="020B0604020202020204" pitchFamily="34" charset="0"/>
+                <a:cs typeface="Arial" panose="020B0604020202020204" pitchFamily="34" charset="0"/>
+              </a:rPr>
+              <a:t>Compatibilidad con redes de superposición con protocolos (como VXLAN) y configuración de red centralizada Las redes de superposición habilitan las siguientes capacidades:</a:t>
             </a:r>
           </a:p>
         </p:txBody>
       </p:sp>
       <p:pic>
         <p:nvPicPr>
-          <p:cNvPr id="2050" name="Picture 2" descr="Resultado de imagen para plano de datos nsx">
+          <p:cNvPr id="3074" name="Picture 2" descr="Resultado de imagen para nsx virtual switch">
             <a:extLst>
               <a:ext uri="{FF2B5EF4-FFF2-40B4-BE49-F238E27FC236}">
-                <a16:creationId xmlns:a16="http://schemas.microsoft.com/office/drawing/2014/main" id="{5512B600-E75A-4F5A-95AF-0B59FA19AAB9}"/>
+                <a16:creationId xmlns:a16="http://schemas.microsoft.com/office/drawing/2014/main" id="{C93433E8-4A47-4F3B-9537-5046F403369D}"/>
               </a:ext>
             </a:extLst>
           </p:cNvPr>
@@ -20472,8 +20452,8 @@
         </p:blipFill>
         <p:spPr bwMode="auto">
           <a:xfrm>
-            <a:off x="4183101" y="1393028"/>
-            <a:ext cx="4836210" cy="2966322"/>
+            <a:off x="5947618" y="1326687"/>
+            <a:ext cx="3071693" cy="3310602"/>
           </a:xfrm>
           <a:prstGeom prst="rect">
             <a:avLst/>
@@ -20493,7 +20473,7 @@
     </p:spTree>
     <p:extLst>
       <p:ext uri="{BB962C8B-B14F-4D97-AF65-F5344CB8AC3E}">
-        <p14:creationId xmlns:p14="http://schemas.microsoft.com/office/powerpoint/2010/main" val="2815365781"/>
+        <p14:creationId xmlns:p14="http://schemas.microsoft.com/office/powerpoint/2010/main" val="2815403045"/>
       </p:ext>
     </p:extLst>
   </p:cSld>
@@ -20584,8 +20564,8 @@
         </p:nvSpPr>
         <p:spPr>
           <a:xfrm>
-            <a:off x="124689" y="1212273"/>
-            <a:ext cx="5595627" cy="2800767"/>
+            <a:off x="124690" y="1212273"/>
+            <a:ext cx="5616892" cy="2308324"/>
           </a:xfrm>
           <a:prstGeom prst="rect">
             <a:avLst/>
@@ -20598,61 +20578,42 @@
           </a:bodyPr>
           <a:lstStyle/>
           <a:p>
-            <a:pPr algn="just"/>
-            <a:r>
-              <a:rPr lang="es-MX" sz="1600" dirty="0">
-                <a:latin typeface="Arial" panose="020B0604020202020204" pitchFamily="34" charset="0"/>
-                <a:cs typeface="Arial" panose="020B0604020202020204" pitchFamily="34" charset="0"/>
-              </a:rPr>
-              <a:t>NSX Virtual </a:t>
-            </a:r>
-            <a:r>
-              <a:rPr lang="es-MX" sz="1600" dirty="0" err="1">
-                <a:latin typeface="Arial" panose="020B0604020202020204" pitchFamily="34" charset="0"/>
-                <a:cs typeface="Arial" panose="020B0604020202020204" pitchFamily="34" charset="0"/>
-              </a:rPr>
-              <a:t>Switch</a:t>
-            </a:r>
-            <a:r>
-              <a:rPr lang="es-MX" sz="1600" dirty="0">
-                <a:latin typeface="Arial" panose="020B0604020202020204" pitchFamily="34" charset="0"/>
-                <a:cs typeface="Arial" panose="020B0604020202020204" pitchFamily="34" charset="0"/>
-              </a:rPr>
-              <a:t> (basado en VDS) abstrae la red física y proporciona conmutación en el hipervisor en el nivel de acceso. Es fundamental para la virtualización de red, ya que habilita redes lógicas que son independientes de las construcciones físicas, como las VLAN. Algunos de los beneficios de </a:t>
-            </a:r>
-            <a:r>
-              <a:rPr lang="es-MX" sz="1600" dirty="0" err="1">
-                <a:latin typeface="Arial" panose="020B0604020202020204" pitchFamily="34" charset="0"/>
-                <a:cs typeface="Arial" panose="020B0604020202020204" pitchFamily="34" charset="0"/>
-              </a:rPr>
-              <a:t>vSwitch</a:t>
-            </a:r>
-            <a:r>
-              <a:rPr lang="es-MX" sz="1600" dirty="0">
-                <a:latin typeface="Arial" panose="020B0604020202020204" pitchFamily="34" charset="0"/>
-                <a:cs typeface="Arial" panose="020B0604020202020204" pitchFamily="34" charset="0"/>
-              </a:rPr>
-              <a:t> son los siguientes:</a:t>
-            </a:r>
-          </a:p>
-          <a:p>
-            <a:pPr algn="just"/>
-            <a:endParaRPr lang="es-MX" sz="1600" dirty="0">
-              <a:latin typeface="Arial" panose="020B0604020202020204" pitchFamily="34" charset="0"/>
-              <a:cs typeface="Arial" panose="020B0604020202020204" pitchFamily="34" charset="0"/>
-            </a:endParaRPr>
-          </a:p>
-          <a:p>
-            <a:pPr marL="285750" indent="-285750" algn="just">
-              <a:buFont typeface="Wingdings" panose="05000000000000000000" pitchFamily="2" charset="2"/>
-              <a:buChar char="§"/>
+            <a:pPr marL="742950" lvl="1" indent="-285750" algn="just">
+              <a:buFont typeface="Arial" panose="020B0604020202020204" pitchFamily="34" charset="0"/>
+              <a:buChar char="•"/>
             </a:pPr>
             <a:r>
               <a:rPr lang="es-MX" sz="1600" dirty="0">
                 <a:latin typeface="Arial" panose="020B0604020202020204" pitchFamily="34" charset="0"/>
                 <a:cs typeface="Arial" panose="020B0604020202020204" pitchFamily="34" charset="0"/>
               </a:rPr>
-              <a:t>Compatibilidad con redes de superposición con protocolos (como VXLAN) y configuración de red centralizada Las redes de superposición habilitan las siguientes capacidades:</a:t>
+              <a:t>Uso reducido de identificadores de VLAN en la red física</a:t>
+            </a:r>
+          </a:p>
+          <a:p>
+            <a:pPr marL="742950" lvl="1" indent="-285750" algn="just">
+              <a:buFont typeface="Arial" panose="020B0604020202020204" pitchFamily="34" charset="0"/>
+              <a:buChar char="•"/>
+            </a:pPr>
+            <a:r>
+              <a:rPr lang="es-MX" sz="1600" dirty="0">
+                <a:latin typeface="Arial" panose="020B0604020202020204" pitchFamily="34" charset="0"/>
+                <a:cs typeface="Arial" panose="020B0604020202020204" pitchFamily="34" charset="0"/>
+              </a:rPr>
+              <a:t>Creación de una superposición de Capa 2 (L2) lógica flexible en las redes IP existentes de la infraestructura física existente.</a:t>
+            </a:r>
+          </a:p>
+          <a:p>
+            <a:pPr marL="742950" lvl="1" indent="-285750" algn="just">
+              <a:buFont typeface="Arial" panose="020B0604020202020204" pitchFamily="34" charset="0"/>
+              <a:buChar char="•"/>
+            </a:pPr>
+            <a:r>
+              <a:rPr lang="es-MX" sz="1600" dirty="0">
+                <a:latin typeface="Arial" panose="020B0604020202020204" pitchFamily="34" charset="0"/>
+                <a:cs typeface="Arial" panose="020B0604020202020204" pitchFamily="34" charset="0"/>
+              </a:rPr>
+              <a:t>Cargas de trabajo y máquinas virtuales de aplicaciones que son independientes de la red de superposición y funcionan como si estuvieran conectadas a una red física de Capa 2</a:t>
             </a:r>
           </a:p>
         </p:txBody>
@@ -20686,7 +20647,7 @@
         </p:blipFill>
         <p:spPr bwMode="auto">
           <a:xfrm>
-            <a:off x="5947618" y="1326687"/>
+            <a:off x="5855003" y="1326687"/>
             <a:ext cx="3071693" cy="3310602"/>
           </a:xfrm>
           <a:prstGeom prst="rect">
@@ -20707,7 +20668,7 @@
     </p:spTree>
     <p:extLst>
       <p:ext uri="{BB962C8B-B14F-4D97-AF65-F5344CB8AC3E}">
-        <p14:creationId xmlns:p14="http://schemas.microsoft.com/office/powerpoint/2010/main" val="2815403045"/>
+        <p14:creationId xmlns:p14="http://schemas.microsoft.com/office/powerpoint/2010/main" val="834104354"/>
       </p:ext>
     </p:extLst>
   </p:cSld>
@@ -20798,8 +20759,8 @@
         </p:nvSpPr>
         <p:spPr>
           <a:xfrm>
-            <a:off x="124690" y="1212273"/>
-            <a:ext cx="5616892" cy="2308324"/>
+            <a:off x="124689" y="1212273"/>
+            <a:ext cx="8902353" cy="2800767"/>
           </a:xfrm>
           <a:prstGeom prst="rect">
             <a:avLst/>
@@ -20812,97 +20773,78 @@
           </a:bodyPr>
           <a:lstStyle/>
           <a:p>
-            <a:pPr marL="742950" lvl="1" indent="-285750" algn="just">
-              <a:buFont typeface="Arial" panose="020B0604020202020204" pitchFamily="34" charset="0"/>
-              <a:buChar char="•"/>
+            <a:pPr marL="285750" indent="-285750" algn="just">
+              <a:buFont typeface="Wingdings" panose="05000000000000000000" pitchFamily="2" charset="2"/>
+              <a:buChar char="§"/>
             </a:pPr>
             <a:r>
               <a:rPr lang="es-MX" sz="1600" dirty="0">
                 <a:latin typeface="Arial" panose="020B0604020202020204" pitchFamily="34" charset="0"/>
                 <a:cs typeface="Arial" panose="020B0604020202020204" pitchFamily="34" charset="0"/>
               </a:rPr>
-              <a:t>Uso reducido de identificadores de VLAN en la red física</a:t>
-            </a:r>
-          </a:p>
-          <a:p>
-            <a:pPr marL="742950" lvl="1" indent="-285750" algn="just">
-              <a:buFont typeface="Arial" panose="020B0604020202020204" pitchFamily="34" charset="0"/>
-              <a:buChar char="•"/>
+              <a:t>Escala masiva facilitada de hipervisores</a:t>
+            </a:r>
+          </a:p>
+          <a:p>
+            <a:pPr marL="285750" indent="-285750" algn="just">
+              <a:buFont typeface="Wingdings" panose="05000000000000000000" pitchFamily="2" charset="2"/>
+              <a:buChar char="§"/>
             </a:pPr>
             <a:r>
               <a:rPr lang="es-MX" sz="1600" dirty="0">
                 <a:latin typeface="Arial" panose="020B0604020202020204" pitchFamily="34" charset="0"/>
                 <a:cs typeface="Arial" panose="020B0604020202020204" pitchFamily="34" charset="0"/>
               </a:rPr>
-              <a:t>Creación de una superposición de Capa 2 (L2) lógica flexible en las redes IP existentes de la infraestructura física existente.</a:t>
-            </a:r>
-          </a:p>
-          <a:p>
-            <a:pPr marL="742950" lvl="1" indent="-285750" algn="just">
-              <a:buFont typeface="Arial" panose="020B0604020202020204" pitchFamily="34" charset="0"/>
-              <a:buChar char="•"/>
-            </a:pPr>
-            <a:r>
-              <a:rPr lang="es-MX" sz="1600" dirty="0">
-                <a:latin typeface="Arial" panose="020B0604020202020204" pitchFamily="34" charset="0"/>
-                <a:cs typeface="Arial" panose="020B0604020202020204" pitchFamily="34" charset="0"/>
-              </a:rPr>
-              <a:t>Cargas de trabajo y máquinas virtuales de aplicaciones que son independientes de la red de superposición y funcionan como si estuvieran conectadas a una red física de Capa 2</a:t>
+              <a:t>Varias características, como la restauración y la copia de seguridad de la configuración, la comprobación del estado de red y la calidad de servicio (</a:t>
+            </a:r>
+            <a:r>
+              <a:rPr lang="es-MX" sz="1600" dirty="0" err="1">
+                <a:latin typeface="Arial" panose="020B0604020202020204" pitchFamily="34" charset="0"/>
+                <a:cs typeface="Arial" panose="020B0604020202020204" pitchFamily="34" charset="0"/>
+              </a:rPr>
+              <a:t>QoS</a:t>
+            </a:r>
+            <a:r>
+              <a:rPr lang="es-MX" sz="1600" dirty="0">
+                <a:latin typeface="Arial" panose="020B0604020202020204" pitchFamily="34" charset="0"/>
+                <a:cs typeface="Arial" panose="020B0604020202020204" pitchFamily="34" charset="0"/>
+              </a:rPr>
+              <a:t>) y LACP, proporcionan un kit de herramientas integral para la administración del tráfico, la supervisión y la solución de problemas de una red virtual</a:t>
+            </a:r>
+          </a:p>
+          <a:p>
+            <a:pPr algn="just"/>
+            <a:endParaRPr lang="es-MX" sz="1600" dirty="0">
+              <a:latin typeface="Arial" panose="020B0604020202020204" pitchFamily="34" charset="0"/>
+              <a:cs typeface="Arial" panose="020B0604020202020204" pitchFamily="34" charset="0"/>
+            </a:endParaRPr>
+          </a:p>
+          <a:p>
+            <a:pPr algn="just"/>
+            <a:r>
+              <a:rPr lang="es-MX" sz="1600" dirty="0">
+                <a:latin typeface="Arial" panose="020B0604020202020204" pitchFamily="34" charset="0"/>
+                <a:cs typeface="Arial" panose="020B0604020202020204" pitchFamily="34" charset="0"/>
+              </a:rPr>
+              <a:t>Los enrutadores lógicos pueden proporcionar un puente de Capa 2 desde el espacio de red lógica (VXLAN) hasta la red física (VLAN).</a:t>
+            </a:r>
+          </a:p>
+          <a:p>
+            <a:pPr algn="just"/>
+            <a:r>
+              <a:rPr lang="es-MX" sz="1600" dirty="0">
+                <a:latin typeface="Arial" panose="020B0604020202020204" pitchFamily="34" charset="0"/>
+                <a:cs typeface="Arial" panose="020B0604020202020204" pitchFamily="34" charset="0"/>
+              </a:rPr>
+              <a:t>El dispositivo de puerta de enlace generalmente es un dispositivo virtual NSX Edge. NSX Edge ofrece servicios de Capa 2 y Capa 3, firewall perimetral, equilibrio de carga y otros, como SSL VPN y DHCP.</a:t>
             </a:r>
           </a:p>
         </p:txBody>
       </p:sp>
-      <p:pic>
-        <p:nvPicPr>
-          <p:cNvPr id="3074" name="Picture 2" descr="Resultado de imagen para nsx virtual switch">
-            <a:extLst>
-              <a:ext uri="{FF2B5EF4-FFF2-40B4-BE49-F238E27FC236}">
-                <a16:creationId xmlns:a16="http://schemas.microsoft.com/office/drawing/2014/main" id="{C93433E8-4A47-4F3B-9537-5046F403369D}"/>
-              </a:ext>
-            </a:extLst>
-          </p:cNvPr>
-          <p:cNvPicPr>
-            <a:picLocks noChangeAspect="1" noChangeArrowheads="1"/>
-          </p:cNvPicPr>
-          <p:nvPr/>
-        </p:nvPicPr>
-        <p:blipFill>
-          <a:blip r:embed="rId3">
-            <a:extLst>
-              <a:ext uri="{28A0092B-C50C-407E-A947-70E740481C1C}">
-                <a14:useLocalDpi xmlns:a14="http://schemas.microsoft.com/office/drawing/2010/main" val="0"/>
-              </a:ext>
-            </a:extLst>
-          </a:blip>
-          <a:srcRect/>
-          <a:stretch>
-            <a:fillRect/>
-          </a:stretch>
-        </p:blipFill>
-        <p:spPr bwMode="auto">
-          <a:xfrm>
-            <a:off x="5855003" y="1326687"/>
-            <a:ext cx="3071693" cy="3310602"/>
-          </a:xfrm>
-          <a:prstGeom prst="rect">
-            <a:avLst/>
-          </a:prstGeom>
-          <a:noFill/>
-          <a:extLst>
-            <a:ext uri="{909E8E84-426E-40DD-AFC4-6F175D3DCCD1}">
-              <a14:hiddenFill xmlns:a14="http://schemas.microsoft.com/office/drawing/2010/main">
-                <a:solidFill>
-                  <a:srgbClr val="FFFFFF"/>
-                </a:solidFill>
-              </a14:hiddenFill>
-            </a:ext>
-          </a:extLst>
-        </p:spPr>
-      </p:pic>
     </p:spTree>
     <p:extLst>
       <p:ext uri="{BB962C8B-B14F-4D97-AF65-F5344CB8AC3E}">
-        <p14:creationId xmlns:p14="http://schemas.microsoft.com/office/powerpoint/2010/main" val="834104354"/>
+        <p14:creationId xmlns:p14="http://schemas.microsoft.com/office/powerpoint/2010/main" val="788751986"/>
       </p:ext>
     </p:extLst>
   </p:cSld>
@@ -21282,8 +21224,8 @@
         </p:nvSpPr>
         <p:spPr>
           <a:xfrm>
-            <a:off x="124689" y="1212273"/>
-            <a:ext cx="8902353" cy="2800767"/>
+            <a:off x="124690" y="1212273"/>
+            <a:ext cx="3905050" cy="3785652"/>
           </a:xfrm>
           <a:prstGeom prst="rect">
             <a:avLst/>
@@ -21296,48 +21238,28 @@
           </a:bodyPr>
           <a:lstStyle/>
           <a:p>
-            <a:pPr marL="285750" indent="-285750" algn="just">
-              <a:buFont typeface="Wingdings" panose="05000000000000000000" pitchFamily="2" charset="2"/>
-              <a:buChar char="§"/>
-            </a:pPr>
-            <a:r>
-              <a:rPr lang="es-MX" sz="1600" dirty="0">
-                <a:latin typeface="Arial" panose="020B0604020202020204" pitchFamily="34" charset="0"/>
-                <a:cs typeface="Arial" panose="020B0604020202020204" pitchFamily="34" charset="0"/>
-              </a:rPr>
-              <a:t>Escala masiva facilitada de hipervisores</a:t>
-            </a:r>
-          </a:p>
-          <a:p>
-            <a:pPr marL="285750" indent="-285750" algn="just">
-              <a:buFont typeface="Wingdings" panose="05000000000000000000" pitchFamily="2" charset="2"/>
-              <a:buChar char="§"/>
-            </a:pPr>
-            <a:r>
-              <a:rPr lang="es-MX" sz="1600" dirty="0">
-                <a:latin typeface="Arial" panose="020B0604020202020204" pitchFamily="34" charset="0"/>
-                <a:cs typeface="Arial" panose="020B0604020202020204" pitchFamily="34" charset="0"/>
-              </a:rPr>
-              <a:t>Varias características, como la restauración y la copia de seguridad de la configuración, la comprobación del estado de red y la calidad de servicio (</a:t>
-            </a:r>
-            <a:r>
-              <a:rPr lang="es-MX" sz="1600" dirty="0" err="1">
-                <a:latin typeface="Arial" panose="020B0604020202020204" pitchFamily="34" charset="0"/>
-                <a:cs typeface="Arial" panose="020B0604020202020204" pitchFamily="34" charset="0"/>
-              </a:rPr>
-              <a:t>QoS</a:t>
-            </a:r>
-            <a:r>
-              <a:rPr lang="es-MX" sz="1600" dirty="0">
-                <a:latin typeface="Arial" panose="020B0604020202020204" pitchFamily="34" charset="0"/>
-                <a:cs typeface="Arial" panose="020B0604020202020204" pitchFamily="34" charset="0"/>
-              </a:rPr>
-              <a:t>) y LACP, proporcionan un kit de herramientas integral para la administración del tráfico, la supervisión y la solución de problemas de una red virtual</a:t>
+            <a:pPr algn="just"/>
+            <a:r>
+              <a:rPr lang="es-MX" sz="1600" dirty="0">
+                <a:solidFill>
+                  <a:schemeClr val="accent1">
+                    <a:lumMod val="50000"/>
+                  </a:schemeClr>
+                </a:solidFill>
+                <a:latin typeface="Arial" panose="020B0604020202020204" pitchFamily="34" charset="0"/>
+                <a:cs typeface="Arial" panose="020B0604020202020204" pitchFamily="34" charset="0"/>
+              </a:rPr>
+              <a:t>Plano de control</a:t>
             </a:r>
           </a:p>
           <a:p>
             <a:pPr algn="just"/>
             <a:endParaRPr lang="es-MX" sz="1600" dirty="0">
+              <a:solidFill>
+                <a:schemeClr val="accent1">
+                  <a:lumMod val="50000"/>
+                </a:schemeClr>
+              </a:solidFill>
               <a:latin typeface="Arial" panose="020B0604020202020204" pitchFamily="34" charset="0"/>
               <a:cs typeface="Arial" panose="020B0604020202020204" pitchFamily="34" charset="0"/>
             </a:endParaRPr>
@@ -21349,25 +21271,90 @@
                 <a:latin typeface="Arial" panose="020B0604020202020204" pitchFamily="34" charset="0"/>
                 <a:cs typeface="Arial" panose="020B0604020202020204" pitchFamily="34" charset="0"/>
               </a:rPr>
-              <a:t>Los enrutadores lógicos pueden proporcionar un puente de Capa 2 desde el espacio de red lógica (VXLAN) hasta la red física (VLAN).</a:t>
-            </a:r>
-          </a:p>
-          <a:p>
-            <a:pPr algn="just"/>
-            <a:r>
-              <a:rPr lang="es-MX" sz="1600" dirty="0">
-                <a:latin typeface="Arial" panose="020B0604020202020204" pitchFamily="34" charset="0"/>
-                <a:cs typeface="Arial" panose="020B0604020202020204" pitchFamily="34" charset="0"/>
-              </a:rPr>
-              <a:t>El dispositivo de puerta de enlace generalmente es un dispositivo virtual NSX Edge. NSX Edge ofrece servicios de Capa 2 y Capa 3, firewall perimetral, equilibrio de carga y otros, como SSL VPN y DHCP.</a:t>
+              <a:t>El plano de control se ejecuta en el clúster de NSX </a:t>
+            </a:r>
+            <a:r>
+              <a:rPr lang="es-MX" sz="1600" dirty="0" err="1">
+                <a:latin typeface="Arial" panose="020B0604020202020204" pitchFamily="34" charset="0"/>
+                <a:cs typeface="Arial" panose="020B0604020202020204" pitchFamily="34" charset="0"/>
+              </a:rPr>
+              <a:t>Controller</a:t>
+            </a:r>
+            <a:r>
+              <a:rPr lang="es-MX" sz="1600" dirty="0">
+                <a:latin typeface="Arial" panose="020B0604020202020204" pitchFamily="34" charset="0"/>
+                <a:cs typeface="Arial" panose="020B0604020202020204" pitchFamily="34" charset="0"/>
+              </a:rPr>
+              <a:t>. NSX </a:t>
+            </a:r>
+            <a:r>
+              <a:rPr lang="es-MX" sz="1600" dirty="0" err="1">
+                <a:latin typeface="Arial" panose="020B0604020202020204" pitchFamily="34" charset="0"/>
+                <a:cs typeface="Arial" panose="020B0604020202020204" pitchFamily="34" charset="0"/>
+              </a:rPr>
+              <a:t>Controller</a:t>
+            </a:r>
+            <a:r>
+              <a:rPr lang="es-MX" sz="1600" dirty="0">
+                <a:latin typeface="Arial" panose="020B0604020202020204" pitchFamily="34" charset="0"/>
+                <a:cs typeface="Arial" panose="020B0604020202020204" pitchFamily="34" charset="0"/>
+              </a:rPr>
+              <a:t> es un sistema de administración de estado avanzado distribuido que proporciona funciones del plano de control para funciones de enrutamiento y conmutación lógicos. Es el punto de control central para todos los conmutadores lógicos de una red, además de que conserva la información de todos los hosts, conmutadores lógicos (VXLAN) y enrutadores lógicos distribuidos.</a:t>
             </a:r>
           </a:p>
         </p:txBody>
       </p:sp>
+      <p:pic>
+        <p:nvPicPr>
+          <p:cNvPr id="7" name="Picture 2" descr="Resultado de imagen para plano de datos nsx">
+            <a:extLst>
+              <a:ext uri="{FF2B5EF4-FFF2-40B4-BE49-F238E27FC236}">
+                <a16:creationId xmlns:a16="http://schemas.microsoft.com/office/drawing/2014/main" id="{75CAC30D-6B23-4598-9A11-FEBCEF7B4DE4}"/>
+              </a:ext>
+            </a:extLst>
+          </p:cNvPr>
+          <p:cNvPicPr>
+            <a:picLocks noChangeAspect="1" noChangeArrowheads="1"/>
+          </p:cNvPicPr>
+          <p:nvPr/>
+        </p:nvPicPr>
+        <p:blipFill>
+          <a:blip r:embed="rId3">
+            <a:extLst>
+              <a:ext uri="{28A0092B-C50C-407E-A947-70E740481C1C}">
+                <a14:useLocalDpi xmlns:a14="http://schemas.microsoft.com/office/drawing/2010/main" val="0"/>
+              </a:ext>
+            </a:extLst>
+          </a:blip>
+          <a:srcRect/>
+          <a:stretch>
+            <a:fillRect/>
+          </a:stretch>
+        </p:blipFill>
+        <p:spPr bwMode="auto">
+          <a:xfrm>
+            <a:off x="4183101" y="1393028"/>
+            <a:ext cx="4836210" cy="2966322"/>
+          </a:xfrm>
+          <a:prstGeom prst="rect">
+            <a:avLst/>
+          </a:prstGeom>
+          <a:noFill/>
+          <a:extLst>
+            <a:ext uri="{909E8E84-426E-40DD-AFC4-6F175D3DCCD1}">
+              <a14:hiddenFill xmlns:a14="http://schemas.microsoft.com/office/drawing/2010/main">
+                <a:solidFill>
+                  <a:srgbClr val="FFFFFF"/>
+                </a:solidFill>
+              </a14:hiddenFill>
+            </a:ext>
+          </a:extLst>
+        </p:spPr>
+      </p:pic>
     </p:spTree>
     <p:extLst>
       <p:ext uri="{BB962C8B-B14F-4D97-AF65-F5344CB8AC3E}">
-        <p14:creationId xmlns:p14="http://schemas.microsoft.com/office/powerpoint/2010/main" val="788751986"/>
+        <p14:creationId xmlns:p14="http://schemas.microsoft.com/office/powerpoint/2010/main" val="3241750462"/>
       </p:ext>
     </p:extLst>
   </p:cSld>
@@ -21458,8 +21445,8 @@
         </p:nvSpPr>
         <p:spPr>
           <a:xfrm>
-            <a:off x="124690" y="1212273"/>
-            <a:ext cx="3905050" cy="3785652"/>
+            <a:off x="124689" y="1212273"/>
+            <a:ext cx="6039292" cy="2308324"/>
           </a:xfrm>
           <a:prstGeom prst="rect">
             <a:avLst/>
@@ -21505,7 +21492,7 @@
                 <a:latin typeface="Arial" panose="020B0604020202020204" pitchFamily="34" charset="0"/>
                 <a:cs typeface="Arial" panose="020B0604020202020204" pitchFamily="34" charset="0"/>
               </a:rPr>
-              <a:t>El plano de control se ejecuta en el clúster de NSX </a:t>
+              <a:t>El clúster de NSX </a:t>
             </a:r>
             <a:r>
               <a:rPr lang="es-MX" sz="1600" dirty="0" err="1">
@@ -21519,31 +21506,17 @@
                 <a:latin typeface="Arial" panose="020B0604020202020204" pitchFamily="34" charset="0"/>
                 <a:cs typeface="Arial" panose="020B0604020202020204" pitchFamily="34" charset="0"/>
               </a:rPr>
-              <a:t>. NSX </a:t>
-            </a:r>
-            <a:r>
-              <a:rPr lang="es-MX" sz="1600" dirty="0" err="1">
-                <a:latin typeface="Arial" panose="020B0604020202020204" pitchFamily="34" charset="0"/>
-                <a:cs typeface="Arial" panose="020B0604020202020204" pitchFamily="34" charset="0"/>
-              </a:rPr>
-              <a:t>Controller</a:t>
-            </a:r>
-            <a:r>
-              <a:rPr lang="es-MX" sz="1600" dirty="0">
-                <a:latin typeface="Arial" panose="020B0604020202020204" pitchFamily="34" charset="0"/>
-                <a:cs typeface="Arial" panose="020B0604020202020204" pitchFamily="34" charset="0"/>
-              </a:rPr>
-              <a:t> es un sistema de administración de estado avanzado distribuido que proporciona funciones del plano de control para funciones de enrutamiento y conmutación lógicos. Es el punto de control central para todos los conmutadores lógicos de una red, además de que conserva la información de todos los hosts, conmutadores lógicos (VXLAN) y enrutadores lógicos distribuidos.</a:t>
+              <a:t> se encarga de administrar los módulos de conmutación y enrutamiento distribuido de los hipervisores. Por la controladora no pasa ningún tráfico del plano de datos. Los nodos de controladora se implementan en un clúster de tres miembros para habilitar la escala y la alta disponibilidad. Cualquier error en los nodos no afecta el tráfico del plano de datos.</a:t>
             </a:r>
           </a:p>
         </p:txBody>
       </p:sp>
       <p:pic>
         <p:nvPicPr>
-          <p:cNvPr id="7" name="Picture 2" descr="Resultado de imagen para plano de datos nsx">
+          <p:cNvPr id="4098" name="Picture 2" descr="Resultado de imagen para cluster nsx controller">
             <a:extLst>
               <a:ext uri="{FF2B5EF4-FFF2-40B4-BE49-F238E27FC236}">
-                <a16:creationId xmlns:a16="http://schemas.microsoft.com/office/drawing/2014/main" id="{75CAC30D-6B23-4598-9A11-FEBCEF7B4DE4}"/>
+                <a16:creationId xmlns:a16="http://schemas.microsoft.com/office/drawing/2014/main" id="{8661EDFF-625F-4CF5-86E1-EFDFA662CA44}"/>
               </a:ext>
             </a:extLst>
           </p:cNvPr>
@@ -21567,8 +21540,8 @@
         </p:blipFill>
         <p:spPr bwMode="auto">
           <a:xfrm>
-            <a:off x="4183101" y="1393028"/>
-            <a:ext cx="4836210" cy="2966322"/>
+            <a:off x="6356379" y="1117385"/>
+            <a:ext cx="2662932" cy="3527351"/>
           </a:xfrm>
           <a:prstGeom prst="rect">
             <a:avLst/>
@@ -21588,7 +21561,7 @@
     </p:spTree>
     <p:extLst>
       <p:ext uri="{BB962C8B-B14F-4D97-AF65-F5344CB8AC3E}">
-        <p14:creationId xmlns:p14="http://schemas.microsoft.com/office/powerpoint/2010/main" val="3241750462"/>
+        <p14:creationId xmlns:p14="http://schemas.microsoft.com/office/powerpoint/2010/main" val="1533485307"/>
       </p:ext>
     </p:extLst>
   </p:cSld>
@@ -21680,7 +21653,7 @@
         <p:spPr>
           <a:xfrm>
             <a:off x="124689" y="1212273"/>
-            <a:ext cx="6039292" cy="2308324"/>
+            <a:ext cx="8923618" cy="3046988"/>
           </a:xfrm>
           <a:prstGeom prst="rect">
             <a:avLst/>
@@ -21696,25 +21669,71 @@
             <a:pPr algn="just"/>
             <a:r>
               <a:rPr lang="es-MX" sz="1600" dirty="0">
-                <a:solidFill>
-                  <a:schemeClr val="accent1">
-                    <a:lumMod val="50000"/>
-                  </a:schemeClr>
-                </a:solidFill>
-                <a:latin typeface="Arial" panose="020B0604020202020204" pitchFamily="34" charset="0"/>
-                <a:cs typeface="Arial" panose="020B0604020202020204" pitchFamily="34" charset="0"/>
-              </a:rPr>
-              <a:t>Plano de control</a:t>
+                <a:latin typeface="Arial" panose="020B0604020202020204" pitchFamily="34" charset="0"/>
+                <a:cs typeface="Arial" panose="020B0604020202020204" pitchFamily="34" charset="0"/>
+              </a:rPr>
+              <a:t>NSX </a:t>
+            </a:r>
+            <a:r>
+              <a:rPr lang="es-MX" sz="1600" dirty="0" err="1">
+                <a:latin typeface="Arial" panose="020B0604020202020204" pitchFamily="34" charset="0"/>
+                <a:cs typeface="Arial" panose="020B0604020202020204" pitchFamily="34" charset="0"/>
+              </a:rPr>
+              <a:t>Controller</a:t>
+            </a:r>
+            <a:r>
+              <a:rPr lang="es-MX" sz="1600" dirty="0">
+                <a:latin typeface="Arial" panose="020B0604020202020204" pitchFamily="34" charset="0"/>
+                <a:cs typeface="Arial" panose="020B0604020202020204" pitchFamily="34" charset="0"/>
+              </a:rPr>
+              <a:t> funciona distribuyendo la información de red a los hosts. Para alcanzar un alto nivel de resiliencia, NSX </a:t>
+            </a:r>
+            <a:r>
+              <a:rPr lang="es-MX" sz="1600" dirty="0" err="1">
+                <a:latin typeface="Arial" panose="020B0604020202020204" pitchFamily="34" charset="0"/>
+                <a:cs typeface="Arial" panose="020B0604020202020204" pitchFamily="34" charset="0"/>
+              </a:rPr>
+              <a:t>Controller</a:t>
+            </a:r>
+            <a:r>
+              <a:rPr lang="es-MX" sz="1600" dirty="0">
+                <a:latin typeface="Arial" panose="020B0604020202020204" pitchFamily="34" charset="0"/>
+                <a:cs typeface="Arial" panose="020B0604020202020204" pitchFamily="34" charset="0"/>
+              </a:rPr>
+              <a:t> se integra en un clúster para ofrecer escalabilidad horizontal y HA. El clúster de NSX </a:t>
+            </a:r>
+            <a:r>
+              <a:rPr lang="es-MX" sz="1600" dirty="0" err="1">
+                <a:latin typeface="Arial" panose="020B0604020202020204" pitchFamily="34" charset="0"/>
+                <a:cs typeface="Arial" panose="020B0604020202020204" pitchFamily="34" charset="0"/>
+              </a:rPr>
+              <a:t>Controller</a:t>
+            </a:r>
+            <a:r>
+              <a:rPr lang="es-MX" sz="1600" dirty="0">
+                <a:latin typeface="Arial" panose="020B0604020202020204" pitchFamily="34" charset="0"/>
+                <a:cs typeface="Arial" panose="020B0604020202020204" pitchFamily="34" charset="0"/>
+              </a:rPr>
+              <a:t> debe contener tres nodos. Los tres dispositivos virtuales proporcionan, mantienen y actualizan el estado de funcionamiento de las redes del dominio NSX. NSX Manager se utiliza para implementar los nodos de NSX </a:t>
+            </a:r>
+            <a:r>
+              <a:rPr lang="es-MX" sz="1600" dirty="0" err="1">
+                <a:latin typeface="Arial" panose="020B0604020202020204" pitchFamily="34" charset="0"/>
+                <a:cs typeface="Arial" panose="020B0604020202020204" pitchFamily="34" charset="0"/>
+              </a:rPr>
+              <a:t>Controller</a:t>
+            </a:r>
+            <a:r>
+              <a:rPr lang="es-MX" sz="1600" dirty="0">
+                <a:latin typeface="Arial" panose="020B0604020202020204" pitchFamily="34" charset="0"/>
+                <a:cs typeface="Arial" panose="020B0604020202020204" pitchFamily="34" charset="0"/>
+              </a:rPr>
+              <a:t>.</a:t>
             </a:r>
           </a:p>
           <a:p>
             <a:pPr algn="just"/>
             <a:endParaRPr lang="es-MX" sz="1600" dirty="0">
-              <a:solidFill>
-                <a:schemeClr val="accent1">
-                  <a:lumMod val="50000"/>
-                </a:schemeClr>
-              </a:solidFill>
               <a:latin typeface="Arial" panose="020B0604020202020204" pitchFamily="34" charset="0"/>
               <a:cs typeface="Arial" panose="020B0604020202020204" pitchFamily="34" charset="0"/>
             </a:endParaRPr>
@@ -21726,7 +21745,7 @@
                 <a:latin typeface="Arial" panose="020B0604020202020204" pitchFamily="34" charset="0"/>
                 <a:cs typeface="Arial" panose="020B0604020202020204" pitchFamily="34" charset="0"/>
               </a:rPr>
-              <a:t>El clúster de NSX </a:t>
+              <a:t>Los tres nodos de NSX </a:t>
             </a:r>
             <a:r>
               <a:rPr lang="es-MX" sz="1600" dirty="0" err="1">
@@ -21740,62 +21759,29 @@
                 <a:latin typeface="Arial" panose="020B0604020202020204" pitchFamily="34" charset="0"/>
                 <a:cs typeface="Arial" panose="020B0604020202020204" pitchFamily="34" charset="0"/>
               </a:rPr>
-              <a:t> se encarga de administrar los módulos de conmutación y enrutamiento distribuido de los hipervisores. Por la controladora no pasa ningún tráfico del plano de datos. Los nodos de controladora se implementan en un clúster de tres miembros para habilitar la escala y la alta disponibilidad. Cualquier error en los nodos no afecta el tráfico del plano de datos.</a:t>
+              <a:t> forman un clúster de control. El clúster de controladoras requiere cuórum para poder evitar una situación de "cerebro dividido". En ese tipo de situaciones, las incoherencias de datos surgen del mantenimiento de dos conjuntos de datos distintos que se superponen. Las inconsistencias pueden deberse a condiciones de error y a problemas con la sincronización de datos. Al tener tres nodos de controladora se garantiza la redundancia de datos en caso de que ocurra un error en un nodo de NSX </a:t>
+            </a:r>
+            <a:r>
+              <a:rPr lang="es-MX" sz="1600" dirty="0" err="1">
+                <a:latin typeface="Arial" panose="020B0604020202020204" pitchFamily="34" charset="0"/>
+                <a:cs typeface="Arial" panose="020B0604020202020204" pitchFamily="34" charset="0"/>
+              </a:rPr>
+              <a:t>Controller</a:t>
+            </a:r>
+            <a:r>
+              <a:rPr lang="es-MX" sz="1600" dirty="0">
+                <a:latin typeface="Arial" panose="020B0604020202020204" pitchFamily="34" charset="0"/>
+                <a:cs typeface="Arial" panose="020B0604020202020204" pitchFamily="34" charset="0"/>
+              </a:rPr>
+              <a:t>.</a:t>
             </a:r>
           </a:p>
         </p:txBody>
       </p:sp>
-      <p:pic>
-        <p:nvPicPr>
-          <p:cNvPr id="4098" name="Picture 2" descr="Resultado de imagen para cluster nsx controller">
-            <a:extLst>
-              <a:ext uri="{FF2B5EF4-FFF2-40B4-BE49-F238E27FC236}">
-                <a16:creationId xmlns:a16="http://schemas.microsoft.com/office/drawing/2014/main" id="{8661EDFF-625F-4CF5-86E1-EFDFA662CA44}"/>
-              </a:ext>
-            </a:extLst>
-          </p:cNvPr>
-          <p:cNvPicPr>
-            <a:picLocks noChangeAspect="1" noChangeArrowheads="1"/>
-          </p:cNvPicPr>
-          <p:nvPr/>
-        </p:nvPicPr>
-        <p:blipFill>
-          <a:blip r:embed="rId3">
-            <a:extLst>
-              <a:ext uri="{28A0092B-C50C-407E-A947-70E740481C1C}">
-                <a14:useLocalDpi xmlns:a14="http://schemas.microsoft.com/office/drawing/2010/main" val="0"/>
-              </a:ext>
-            </a:extLst>
-          </a:blip>
-          <a:srcRect/>
-          <a:stretch>
-            <a:fillRect/>
-          </a:stretch>
-        </p:blipFill>
-        <p:spPr bwMode="auto">
-          <a:xfrm>
-            <a:off x="6356379" y="1117385"/>
-            <a:ext cx="2662932" cy="3527351"/>
-          </a:xfrm>
-          <a:prstGeom prst="rect">
-            <a:avLst/>
-          </a:prstGeom>
-          <a:noFill/>
-          <a:extLst>
-            <a:ext uri="{909E8E84-426E-40DD-AFC4-6F175D3DCCD1}">
-              <a14:hiddenFill xmlns:a14="http://schemas.microsoft.com/office/drawing/2010/main">
-                <a:solidFill>
-                  <a:srgbClr val="FFFFFF"/>
-                </a:solidFill>
-              </a14:hiddenFill>
-            </a:ext>
-          </a:extLst>
-        </p:spPr>
-      </p:pic>
     </p:spTree>
     <p:extLst>
       <p:ext uri="{BB962C8B-B14F-4D97-AF65-F5344CB8AC3E}">
-        <p14:creationId xmlns:p14="http://schemas.microsoft.com/office/powerpoint/2010/main" val="1533485307"/>
+        <p14:creationId xmlns:p14="http://schemas.microsoft.com/office/powerpoint/2010/main" val="2634564787"/>
       </p:ext>
     </p:extLst>
   </p:cSld>
@@ -21887,7 +21873,7 @@
         <p:spPr>
           <a:xfrm>
             <a:off x="124689" y="1212273"/>
-            <a:ext cx="8923618" cy="3046988"/>
+            <a:ext cx="8902353" cy="3293209"/>
           </a:xfrm>
           <a:prstGeom prst="rect">
             <a:avLst/>
@@ -21906,63 +21892,7 @@
                 <a:latin typeface="Arial" panose="020B0604020202020204" pitchFamily="34" charset="0"/>
                 <a:cs typeface="Arial" panose="020B0604020202020204" pitchFamily="34" charset="0"/>
               </a:rPr>
-              <a:t>NSX </a:t>
-            </a:r>
-            <a:r>
-              <a:rPr lang="es-MX" sz="1600" dirty="0" err="1">
-                <a:latin typeface="Arial" panose="020B0604020202020204" pitchFamily="34" charset="0"/>
-                <a:cs typeface="Arial" panose="020B0604020202020204" pitchFamily="34" charset="0"/>
-              </a:rPr>
-              <a:t>Controller</a:t>
-            </a:r>
-            <a:r>
-              <a:rPr lang="es-MX" sz="1600" dirty="0">
-                <a:latin typeface="Arial" panose="020B0604020202020204" pitchFamily="34" charset="0"/>
-                <a:cs typeface="Arial" panose="020B0604020202020204" pitchFamily="34" charset="0"/>
-              </a:rPr>
-              <a:t> funciona distribuyendo la información de red a los hosts. Para alcanzar un alto nivel de resiliencia, NSX </a:t>
-            </a:r>
-            <a:r>
-              <a:rPr lang="es-MX" sz="1600" dirty="0" err="1">
-                <a:latin typeface="Arial" panose="020B0604020202020204" pitchFamily="34" charset="0"/>
-                <a:cs typeface="Arial" panose="020B0604020202020204" pitchFamily="34" charset="0"/>
-              </a:rPr>
-              <a:t>Controller</a:t>
-            </a:r>
-            <a:r>
-              <a:rPr lang="es-MX" sz="1600" dirty="0">
-                <a:latin typeface="Arial" panose="020B0604020202020204" pitchFamily="34" charset="0"/>
-                <a:cs typeface="Arial" panose="020B0604020202020204" pitchFamily="34" charset="0"/>
-              </a:rPr>
-              <a:t> se integra en un clúster para ofrecer escalabilidad horizontal y HA. El clúster de NSX </a:t>
-            </a:r>
-            <a:r>
-              <a:rPr lang="es-MX" sz="1600" dirty="0" err="1">
-                <a:latin typeface="Arial" panose="020B0604020202020204" pitchFamily="34" charset="0"/>
-                <a:cs typeface="Arial" panose="020B0604020202020204" pitchFamily="34" charset="0"/>
-              </a:rPr>
-              <a:t>Controller</a:t>
-            </a:r>
-            <a:r>
-              <a:rPr lang="es-MX" sz="1600" dirty="0">
-                <a:latin typeface="Arial" panose="020B0604020202020204" pitchFamily="34" charset="0"/>
-                <a:cs typeface="Arial" panose="020B0604020202020204" pitchFamily="34" charset="0"/>
-              </a:rPr>
-              <a:t> debe contener tres nodos. Los tres dispositivos virtuales proporcionan, mantienen y actualizan el estado de funcionamiento de las redes del dominio NSX. NSX Manager se utiliza para implementar los nodos de NSX </a:t>
-            </a:r>
-            <a:r>
-              <a:rPr lang="es-MX" sz="1600" dirty="0" err="1">
-                <a:latin typeface="Arial" panose="020B0604020202020204" pitchFamily="34" charset="0"/>
-                <a:cs typeface="Arial" panose="020B0604020202020204" pitchFamily="34" charset="0"/>
-              </a:rPr>
-              <a:t>Controller</a:t>
-            </a:r>
-            <a:r>
-              <a:rPr lang="es-MX" sz="1600" dirty="0">
-                <a:latin typeface="Arial" panose="020B0604020202020204" pitchFamily="34" charset="0"/>
-                <a:cs typeface="Arial" panose="020B0604020202020204" pitchFamily="34" charset="0"/>
-              </a:rPr>
-              <a:t>.</a:t>
+              <a:t>Un clúster de controladoras tiene varias funciones, entre ellas:</a:t>
             </a:r>
           </a:p>
           <a:p>
@@ -21973,13 +21903,128 @@
             </a:endParaRPr>
           </a:p>
           <a:p>
+            <a:pPr marL="285750" indent="-285750" algn="just">
+              <a:buFont typeface="Wingdings" panose="05000000000000000000" pitchFamily="2" charset="2"/>
+              <a:buChar char="§"/>
+            </a:pPr>
+            <a:r>
+              <a:rPr lang="pt-BR" sz="1600" dirty="0" err="1">
+                <a:latin typeface="Arial" panose="020B0604020202020204" pitchFamily="34" charset="0"/>
+                <a:cs typeface="Arial" panose="020B0604020202020204" pitchFamily="34" charset="0"/>
+              </a:rPr>
+              <a:t>Proveedor</a:t>
+            </a:r>
+            <a:r>
+              <a:rPr lang="pt-BR" sz="1600" dirty="0">
+                <a:latin typeface="Arial" panose="020B0604020202020204" pitchFamily="34" charset="0"/>
+                <a:cs typeface="Arial" panose="020B0604020202020204" pitchFamily="34" charset="0"/>
+              </a:rPr>
+              <a:t> de API</a:t>
+            </a:r>
+          </a:p>
+          <a:p>
+            <a:pPr marL="285750" indent="-285750" algn="just">
+              <a:buFont typeface="Wingdings" panose="05000000000000000000" pitchFamily="2" charset="2"/>
+              <a:buChar char="§"/>
+            </a:pPr>
+            <a:r>
+              <a:rPr lang="pt-BR" sz="1600" dirty="0">
+                <a:latin typeface="Arial" panose="020B0604020202020204" pitchFamily="34" charset="0"/>
+                <a:cs typeface="Arial" panose="020B0604020202020204" pitchFamily="34" charset="0"/>
+              </a:rPr>
+              <a:t>Servidor de </a:t>
+            </a:r>
+            <a:r>
+              <a:rPr lang="pt-BR" sz="1600" dirty="0" err="1">
+                <a:latin typeface="Arial" panose="020B0604020202020204" pitchFamily="34" charset="0"/>
+                <a:cs typeface="Arial" panose="020B0604020202020204" pitchFamily="34" charset="0"/>
+              </a:rPr>
+              <a:t>persistencia</a:t>
+            </a:r>
+            <a:endParaRPr lang="pt-BR" sz="1600" dirty="0">
+              <a:latin typeface="Arial" panose="020B0604020202020204" pitchFamily="34" charset="0"/>
+              <a:cs typeface="Arial" panose="020B0604020202020204" pitchFamily="34" charset="0"/>
+            </a:endParaRPr>
+          </a:p>
+          <a:p>
+            <a:pPr marL="285750" indent="-285750" algn="just">
+              <a:buFont typeface="Wingdings" panose="05000000000000000000" pitchFamily="2" charset="2"/>
+              <a:buChar char="§"/>
+            </a:pPr>
+            <a:r>
+              <a:rPr lang="pt-BR" sz="1600" dirty="0">
+                <a:latin typeface="Arial" panose="020B0604020202020204" pitchFamily="34" charset="0"/>
+                <a:cs typeface="Arial" panose="020B0604020202020204" pitchFamily="34" charset="0"/>
+              </a:rPr>
+              <a:t>Administrador de </a:t>
+            </a:r>
+            <a:r>
+              <a:rPr lang="pt-BR" sz="1600" dirty="0" err="1">
+                <a:latin typeface="Arial" panose="020B0604020202020204" pitchFamily="34" charset="0"/>
+                <a:cs typeface="Arial" panose="020B0604020202020204" pitchFamily="34" charset="0"/>
+              </a:rPr>
+              <a:t>conmutadores</a:t>
+            </a:r>
+            <a:endParaRPr lang="pt-BR" sz="1600" dirty="0">
+              <a:latin typeface="Arial" panose="020B0604020202020204" pitchFamily="34" charset="0"/>
+              <a:cs typeface="Arial" panose="020B0604020202020204" pitchFamily="34" charset="0"/>
+            </a:endParaRPr>
+          </a:p>
+          <a:p>
+            <a:pPr marL="285750" indent="-285750" algn="just">
+              <a:buFont typeface="Wingdings" panose="05000000000000000000" pitchFamily="2" charset="2"/>
+              <a:buChar char="§"/>
+            </a:pPr>
+            <a:r>
+              <a:rPr lang="pt-BR" sz="1600" dirty="0">
+                <a:latin typeface="Arial" panose="020B0604020202020204" pitchFamily="34" charset="0"/>
+                <a:cs typeface="Arial" panose="020B0604020202020204" pitchFamily="34" charset="0"/>
+              </a:rPr>
+              <a:t>Administrador lógico</a:t>
+            </a:r>
+          </a:p>
+          <a:p>
+            <a:pPr marL="285750" indent="-285750" algn="just">
+              <a:buFont typeface="Wingdings" panose="05000000000000000000" pitchFamily="2" charset="2"/>
+              <a:buChar char="§"/>
+            </a:pPr>
+            <a:r>
+              <a:rPr lang="pt-BR" sz="1600" dirty="0">
+                <a:latin typeface="Arial" panose="020B0604020202020204" pitchFamily="34" charset="0"/>
+                <a:cs typeface="Arial" panose="020B0604020202020204" pitchFamily="34" charset="0"/>
+              </a:rPr>
+              <a:t>Servidor de </a:t>
+            </a:r>
+            <a:r>
+              <a:rPr lang="pt-BR" sz="1600" dirty="0" err="1">
+                <a:latin typeface="Arial" panose="020B0604020202020204" pitchFamily="34" charset="0"/>
+                <a:cs typeface="Arial" panose="020B0604020202020204" pitchFamily="34" charset="0"/>
+              </a:rPr>
+              <a:t>directorio</a:t>
+            </a:r>
+            <a:endParaRPr lang="pt-BR" sz="1600" dirty="0">
+              <a:latin typeface="Arial" panose="020B0604020202020204" pitchFamily="34" charset="0"/>
+              <a:cs typeface="Arial" panose="020B0604020202020204" pitchFamily="34" charset="0"/>
+            </a:endParaRPr>
+          </a:p>
+          <a:p>
+            <a:pPr marL="285750" indent="-285750" algn="just">
+              <a:buFont typeface="Wingdings" panose="05000000000000000000" pitchFamily="2" charset="2"/>
+              <a:buChar char="§"/>
+            </a:pPr>
+            <a:endParaRPr lang="es-MX" sz="1600" dirty="0">
+              <a:latin typeface="Arial" panose="020B0604020202020204" pitchFamily="34" charset="0"/>
+              <a:cs typeface="Arial" panose="020B0604020202020204" pitchFamily="34" charset="0"/>
+            </a:endParaRPr>
+          </a:p>
+          <a:p>
             <a:pPr algn="just"/>
             <a:r>
               <a:rPr lang="es-MX" sz="1600" dirty="0">
                 <a:latin typeface="Arial" panose="020B0604020202020204" pitchFamily="34" charset="0"/>
                 <a:cs typeface="Arial" panose="020B0604020202020204" pitchFamily="34" charset="0"/>
               </a:rPr>
-              <a:t>Los tres nodos de NSX </a:t>
+              <a:t>A cada función le corresponde un nodo de controladora maestro. Si se producen errores en un nodo del controlador principal de una función, el clúster elige un nuevo nodo principal para esa función entre los nodos disponibles de NSX </a:t>
             </a:r>
             <a:r>
               <a:rPr lang="es-MX" sz="1600" dirty="0" err="1">
@@ -21993,7 +22038,7 @@
                 <a:latin typeface="Arial" panose="020B0604020202020204" pitchFamily="34" charset="0"/>
                 <a:cs typeface="Arial" panose="020B0604020202020204" pitchFamily="34" charset="0"/>
               </a:rPr>
-              <a:t> forman un clúster de control. El clúster de controladoras requiere cuórum para poder evitar una situación de "cerebro dividido". En ese tipo de situaciones, las incoherencias de datos surgen del mantenimiento de dos conjuntos de datos distintos que se superponen. Las inconsistencias pueden deberse a condiciones de error y a problemas con la sincronización de datos. Al tener tres nodos de controladora se garantiza la redundancia de datos en caso de que ocurra un error en un nodo de NSX </a:t>
+              <a:t>. El nuevo nodo principal de NSX </a:t>
             </a:r>
             <a:r>
               <a:rPr lang="es-MX" sz="1600" dirty="0" err="1">
@@ -22007,7 +22052,21 @@
                 <a:latin typeface="Arial" panose="020B0604020202020204" pitchFamily="34" charset="0"/>
                 <a:cs typeface="Arial" panose="020B0604020202020204" pitchFamily="34" charset="0"/>
               </a:rPr>
-              <a:t>.</a:t>
+              <a:t> para esa función vuelve a asignar las porciones perdidas de trabajo entre los nodos de NSX </a:t>
+            </a:r>
+            <a:r>
+              <a:rPr lang="es-MX" sz="1600" dirty="0" err="1">
+                <a:latin typeface="Arial" panose="020B0604020202020204" pitchFamily="34" charset="0"/>
+                <a:cs typeface="Arial" panose="020B0604020202020204" pitchFamily="34" charset="0"/>
+              </a:rPr>
+              <a:t>Controller</a:t>
+            </a:r>
+            <a:r>
+              <a:rPr lang="es-MX" sz="1600" dirty="0">
+                <a:latin typeface="Arial" panose="020B0604020202020204" pitchFamily="34" charset="0"/>
+                <a:cs typeface="Arial" panose="020B0604020202020204" pitchFamily="34" charset="0"/>
+              </a:rPr>
+              <a:t> restantes.</a:t>
             </a:r>
           </a:p>
         </p:txBody>
@@ -22015,7 +22074,7 @@
     </p:spTree>
     <p:extLst>
       <p:ext uri="{BB962C8B-B14F-4D97-AF65-F5344CB8AC3E}">
-        <p14:creationId xmlns:p14="http://schemas.microsoft.com/office/powerpoint/2010/main" val="2634564787"/>
+        <p14:creationId xmlns:p14="http://schemas.microsoft.com/office/powerpoint/2010/main" val="3369774107"/>
       </p:ext>
     </p:extLst>
   </p:cSld>
@@ -22107,7 +22166,7 @@
         <p:spPr>
           <a:xfrm>
             <a:off x="124689" y="1212273"/>
-            <a:ext cx="8902353" cy="3293209"/>
+            <a:ext cx="8902353" cy="2308324"/>
           </a:xfrm>
           <a:prstGeom prst="rect">
             <a:avLst/>
@@ -22126,7 +22185,35 @@
                 <a:latin typeface="Arial" panose="020B0604020202020204" pitchFamily="34" charset="0"/>
                 <a:cs typeface="Arial" panose="020B0604020202020204" pitchFamily="34" charset="0"/>
               </a:rPr>
-              <a:t>Un clúster de controladoras tiene varias funciones, entre ellas:</a:t>
+              <a:t>NSX Data Center </a:t>
+            </a:r>
+            <a:r>
+              <a:rPr lang="es-MX" sz="1600" dirty="0" err="1">
+                <a:latin typeface="Arial" panose="020B0604020202020204" pitchFamily="34" charset="0"/>
+                <a:cs typeface="Arial" panose="020B0604020202020204" pitchFamily="34" charset="0"/>
+              </a:rPr>
+              <a:t>for</a:t>
+            </a:r>
+            <a:r>
+              <a:rPr lang="es-MX" sz="1600" dirty="0">
+                <a:latin typeface="Arial" panose="020B0604020202020204" pitchFamily="34" charset="0"/>
+                <a:cs typeface="Arial" panose="020B0604020202020204" pitchFamily="34" charset="0"/>
+              </a:rPr>
+              <a:t> </a:t>
+            </a:r>
+            <a:r>
+              <a:rPr lang="es-MX" sz="1600" dirty="0" err="1">
+                <a:latin typeface="Arial" panose="020B0604020202020204" pitchFamily="34" charset="0"/>
+                <a:cs typeface="Arial" panose="020B0604020202020204" pitchFamily="34" charset="0"/>
+              </a:rPr>
+              <a:t>vSphere</a:t>
+            </a:r>
+            <a:r>
+              <a:rPr lang="es-MX" sz="1600" dirty="0">
+                <a:latin typeface="Arial" panose="020B0604020202020204" pitchFamily="34" charset="0"/>
+                <a:cs typeface="Arial" panose="020B0604020202020204" pitchFamily="34" charset="0"/>
+              </a:rPr>
+              <a:t> admite tres modos para el plano de control de conmutadores lógicos: multidifusión, unidifusión e híbrido. </a:t>
             </a:r>
           </a:p>
           <a:p>
@@ -22137,170 +22224,13 @@
             </a:endParaRPr>
           </a:p>
           <a:p>
-            <a:pPr marL="285750" indent="-285750" algn="just">
-              <a:buFont typeface="Wingdings" panose="05000000000000000000" pitchFamily="2" charset="2"/>
-              <a:buChar char="§"/>
-            </a:pPr>
-            <a:r>
-              <a:rPr lang="pt-BR" sz="1600" dirty="0" err="1">
-                <a:latin typeface="Arial" panose="020B0604020202020204" pitchFamily="34" charset="0"/>
-                <a:cs typeface="Arial" panose="020B0604020202020204" pitchFamily="34" charset="0"/>
-              </a:rPr>
-              <a:t>Proveedor</a:t>
-            </a:r>
-            <a:r>
-              <a:rPr lang="pt-BR" sz="1600" dirty="0">
-                <a:latin typeface="Arial" panose="020B0604020202020204" pitchFamily="34" charset="0"/>
-                <a:cs typeface="Arial" panose="020B0604020202020204" pitchFamily="34" charset="0"/>
-              </a:rPr>
-              <a:t> de API</a:t>
-            </a:r>
-          </a:p>
-          <a:p>
-            <a:pPr marL="285750" indent="-285750" algn="just">
-              <a:buFont typeface="Wingdings" panose="05000000000000000000" pitchFamily="2" charset="2"/>
-              <a:buChar char="§"/>
-            </a:pPr>
-            <a:r>
-              <a:rPr lang="pt-BR" sz="1600" dirty="0">
-                <a:latin typeface="Arial" panose="020B0604020202020204" pitchFamily="34" charset="0"/>
-                <a:cs typeface="Arial" panose="020B0604020202020204" pitchFamily="34" charset="0"/>
-              </a:rPr>
-              <a:t>Servidor de </a:t>
-            </a:r>
-            <a:r>
-              <a:rPr lang="pt-BR" sz="1600" dirty="0" err="1">
-                <a:latin typeface="Arial" panose="020B0604020202020204" pitchFamily="34" charset="0"/>
-                <a:cs typeface="Arial" panose="020B0604020202020204" pitchFamily="34" charset="0"/>
-              </a:rPr>
-              <a:t>persistencia</a:t>
-            </a:r>
-            <a:endParaRPr lang="pt-BR" sz="1600" dirty="0">
-              <a:latin typeface="Arial" panose="020B0604020202020204" pitchFamily="34" charset="0"/>
-              <a:cs typeface="Arial" panose="020B0604020202020204" pitchFamily="34" charset="0"/>
-            </a:endParaRPr>
-          </a:p>
-          <a:p>
-            <a:pPr marL="285750" indent="-285750" algn="just">
-              <a:buFont typeface="Wingdings" panose="05000000000000000000" pitchFamily="2" charset="2"/>
-              <a:buChar char="§"/>
-            </a:pPr>
-            <a:r>
-              <a:rPr lang="pt-BR" sz="1600" dirty="0">
-                <a:latin typeface="Arial" panose="020B0604020202020204" pitchFamily="34" charset="0"/>
-                <a:cs typeface="Arial" panose="020B0604020202020204" pitchFamily="34" charset="0"/>
-              </a:rPr>
-              <a:t>Administrador de </a:t>
-            </a:r>
-            <a:r>
-              <a:rPr lang="pt-BR" sz="1600" dirty="0" err="1">
-                <a:latin typeface="Arial" panose="020B0604020202020204" pitchFamily="34" charset="0"/>
-                <a:cs typeface="Arial" panose="020B0604020202020204" pitchFamily="34" charset="0"/>
-              </a:rPr>
-              <a:t>conmutadores</a:t>
-            </a:r>
-            <a:endParaRPr lang="pt-BR" sz="1600" dirty="0">
-              <a:latin typeface="Arial" panose="020B0604020202020204" pitchFamily="34" charset="0"/>
-              <a:cs typeface="Arial" panose="020B0604020202020204" pitchFamily="34" charset="0"/>
-            </a:endParaRPr>
-          </a:p>
-          <a:p>
-            <a:pPr marL="285750" indent="-285750" algn="just">
-              <a:buFont typeface="Wingdings" panose="05000000000000000000" pitchFamily="2" charset="2"/>
-              <a:buChar char="§"/>
-            </a:pPr>
-            <a:r>
-              <a:rPr lang="pt-BR" sz="1600" dirty="0">
-                <a:latin typeface="Arial" panose="020B0604020202020204" pitchFamily="34" charset="0"/>
-                <a:cs typeface="Arial" panose="020B0604020202020204" pitchFamily="34" charset="0"/>
-              </a:rPr>
-              <a:t>Administrador lógico</a:t>
-            </a:r>
-          </a:p>
-          <a:p>
-            <a:pPr marL="285750" indent="-285750" algn="just">
-              <a:buFont typeface="Wingdings" panose="05000000000000000000" pitchFamily="2" charset="2"/>
-              <a:buChar char="§"/>
-            </a:pPr>
-            <a:r>
-              <a:rPr lang="pt-BR" sz="1600" dirty="0">
-                <a:latin typeface="Arial" panose="020B0604020202020204" pitchFamily="34" charset="0"/>
-                <a:cs typeface="Arial" panose="020B0604020202020204" pitchFamily="34" charset="0"/>
-              </a:rPr>
-              <a:t>Servidor de </a:t>
-            </a:r>
-            <a:r>
-              <a:rPr lang="pt-BR" sz="1600" dirty="0" err="1">
-                <a:latin typeface="Arial" panose="020B0604020202020204" pitchFamily="34" charset="0"/>
-                <a:cs typeface="Arial" panose="020B0604020202020204" pitchFamily="34" charset="0"/>
-              </a:rPr>
-              <a:t>directorio</a:t>
-            </a:r>
-            <a:endParaRPr lang="pt-BR" sz="1600" dirty="0">
-              <a:latin typeface="Arial" panose="020B0604020202020204" pitchFamily="34" charset="0"/>
-              <a:cs typeface="Arial" panose="020B0604020202020204" pitchFamily="34" charset="0"/>
-            </a:endParaRPr>
-          </a:p>
-          <a:p>
-            <a:pPr marL="285750" indent="-285750" algn="just">
-              <a:buFont typeface="Wingdings" panose="05000000000000000000" pitchFamily="2" charset="2"/>
-              <a:buChar char="§"/>
-            </a:pPr>
-            <a:endParaRPr lang="es-MX" sz="1600" dirty="0">
-              <a:latin typeface="Arial" panose="020B0604020202020204" pitchFamily="34" charset="0"/>
-              <a:cs typeface="Arial" panose="020B0604020202020204" pitchFamily="34" charset="0"/>
-            </a:endParaRPr>
-          </a:p>
-          <a:p>
             <a:pPr algn="just"/>
             <a:r>
               <a:rPr lang="es-MX" sz="1600" dirty="0">
                 <a:latin typeface="Arial" panose="020B0604020202020204" pitchFamily="34" charset="0"/>
                 <a:cs typeface="Arial" panose="020B0604020202020204" pitchFamily="34" charset="0"/>
               </a:rPr>
-              <a:t>A cada función le corresponde un nodo de controladora maestro. Si se producen errores en un nodo del controlador principal de una función, el clúster elige un nuevo nodo principal para esa función entre los nodos disponibles de NSX </a:t>
-            </a:r>
-            <a:r>
-              <a:rPr lang="es-MX" sz="1600" dirty="0" err="1">
-                <a:latin typeface="Arial" panose="020B0604020202020204" pitchFamily="34" charset="0"/>
-                <a:cs typeface="Arial" panose="020B0604020202020204" pitchFamily="34" charset="0"/>
-              </a:rPr>
-              <a:t>Controller</a:t>
-            </a:r>
-            <a:r>
-              <a:rPr lang="es-MX" sz="1600" dirty="0">
-                <a:latin typeface="Arial" panose="020B0604020202020204" pitchFamily="34" charset="0"/>
-                <a:cs typeface="Arial" panose="020B0604020202020204" pitchFamily="34" charset="0"/>
-              </a:rPr>
-              <a:t>. El nuevo nodo principal de NSX </a:t>
-            </a:r>
-            <a:r>
-              <a:rPr lang="es-MX" sz="1600" dirty="0" err="1">
-                <a:latin typeface="Arial" panose="020B0604020202020204" pitchFamily="34" charset="0"/>
-                <a:cs typeface="Arial" panose="020B0604020202020204" pitchFamily="34" charset="0"/>
-              </a:rPr>
-              <a:t>Controller</a:t>
-            </a:r>
-            <a:r>
-              <a:rPr lang="es-MX" sz="1600" dirty="0">
-                <a:latin typeface="Arial" panose="020B0604020202020204" pitchFamily="34" charset="0"/>
-                <a:cs typeface="Arial" panose="020B0604020202020204" pitchFamily="34" charset="0"/>
-              </a:rPr>
-              <a:t> para esa función vuelve a asignar las porciones perdidas de trabajo entre los nodos de NSX </a:t>
-            </a:r>
-            <a:r>
-              <a:rPr lang="es-MX" sz="1600" dirty="0" err="1">
-                <a:latin typeface="Arial" panose="020B0604020202020204" pitchFamily="34" charset="0"/>
-                <a:cs typeface="Arial" panose="020B0604020202020204" pitchFamily="34" charset="0"/>
-              </a:rPr>
-              <a:t>Controller</a:t>
-            </a:r>
-            <a:r>
-              <a:rPr lang="es-MX" sz="1600" dirty="0">
-                <a:latin typeface="Arial" panose="020B0604020202020204" pitchFamily="34" charset="0"/>
-                <a:cs typeface="Arial" panose="020B0604020202020204" pitchFamily="34" charset="0"/>
-              </a:rPr>
-              <a:t> restantes.</a:t>
+              <a:t>Al utilizar un clúster de controladoras para administrar los conmutadores lógicos basados en VXLAN deja de ser necesaria la compatibilidad de multidifusión de la infraestructura de red física. No es necesario proporcionar direcciones IP para un grupo de multidifusión ni habilitar las características de enrutamiento de PMI o de intromisión de IGMP en los enrutadores o los conmutadores físicos. Por lo tanto, los modos híbrido y de unidifusión desacoplan a NSX de la red física.</a:t>
             </a:r>
           </a:p>
         </p:txBody>
@@ -22308,7 +22238,7 @@
     </p:spTree>
     <p:extLst>
       <p:ext uri="{BB962C8B-B14F-4D97-AF65-F5344CB8AC3E}">
-        <p14:creationId xmlns:p14="http://schemas.microsoft.com/office/powerpoint/2010/main" val="3369774107"/>
+        <p14:creationId xmlns:p14="http://schemas.microsoft.com/office/powerpoint/2010/main" val="3212768425"/>
       </p:ext>
     </p:extLst>
   </p:cSld>
@@ -22400,7 +22330,7 @@
         <p:spPr>
           <a:xfrm>
             <a:off x="124689" y="1212273"/>
-            <a:ext cx="8902353" cy="2308324"/>
+            <a:ext cx="8902353" cy="2062103"/>
           </a:xfrm>
           <a:prstGeom prst="rect">
             <a:avLst/>
@@ -22419,52 +22349,7 @@
                 <a:latin typeface="Arial" panose="020B0604020202020204" pitchFamily="34" charset="0"/>
                 <a:cs typeface="Arial" panose="020B0604020202020204" pitchFamily="34" charset="0"/>
               </a:rPr>
-              <a:t>NSX Data Center </a:t>
-            </a:r>
-            <a:r>
-              <a:rPr lang="es-MX" sz="1600" dirty="0" err="1">
-                <a:latin typeface="Arial" panose="020B0604020202020204" pitchFamily="34" charset="0"/>
-                <a:cs typeface="Arial" panose="020B0604020202020204" pitchFamily="34" charset="0"/>
-              </a:rPr>
-              <a:t>for</a:t>
-            </a:r>
-            <a:r>
-              <a:rPr lang="es-MX" sz="1600" dirty="0">
-                <a:latin typeface="Arial" panose="020B0604020202020204" pitchFamily="34" charset="0"/>
-                <a:cs typeface="Arial" panose="020B0604020202020204" pitchFamily="34" charset="0"/>
-              </a:rPr>
-              <a:t> </a:t>
-            </a:r>
-            <a:r>
-              <a:rPr lang="es-MX" sz="1600" dirty="0" err="1">
-                <a:latin typeface="Arial" panose="020B0604020202020204" pitchFamily="34" charset="0"/>
-                <a:cs typeface="Arial" panose="020B0604020202020204" pitchFamily="34" charset="0"/>
-              </a:rPr>
-              <a:t>vSphere</a:t>
-            </a:r>
-            <a:r>
-              <a:rPr lang="es-MX" sz="1600" dirty="0">
-                <a:latin typeface="Arial" panose="020B0604020202020204" pitchFamily="34" charset="0"/>
-                <a:cs typeface="Arial" panose="020B0604020202020204" pitchFamily="34" charset="0"/>
-              </a:rPr>
-              <a:t> admite tres modos para el plano de control de conmutadores lógicos: multidifusión, unidifusión e híbrido. </a:t>
-            </a:r>
-          </a:p>
-          <a:p>
-            <a:pPr algn="just"/>
-            <a:endParaRPr lang="es-MX" sz="1600" dirty="0">
-              <a:latin typeface="Arial" panose="020B0604020202020204" pitchFamily="34" charset="0"/>
-              <a:cs typeface="Arial" panose="020B0604020202020204" pitchFamily="34" charset="0"/>
-            </a:endParaRPr>
-          </a:p>
-          <a:p>
-            <a:pPr algn="just"/>
-            <a:r>
-              <a:rPr lang="es-MX" sz="1600" dirty="0">
-                <a:latin typeface="Arial" panose="020B0604020202020204" pitchFamily="34" charset="0"/>
-                <a:cs typeface="Arial" panose="020B0604020202020204" pitchFamily="34" charset="0"/>
-              </a:rPr>
-              <a:t>Al utilizar un clúster de controladoras para administrar los conmutadores lógicos basados en VXLAN deja de ser necesaria la compatibilidad de multidifusión de la infraestructura de red física. No es necesario proporcionar direcciones IP para un grupo de multidifusión ni habilitar las características de enrutamiento de PMI o de intromisión de IGMP en los enrutadores o los conmutadores físicos. Por lo tanto, los modos híbrido y de unidifusión desacoplan a NSX de la red física.</a:t>
+              <a:t>Las VXLAN que están en el modo de unidifusión del plano de control no requieren que la red física admita la multidifusión para poder administrar el tráfico de difusión, de unidifusión desconocida y de multidifusión (BUM) dentro de un conmutador lógico. El modo de unidifusión replica todo el tráfico BUM localmente en el host y no requiere la configuración de la red física. En el modo híbrido, parte de la replicación del tráfico BUM se descarga en el conmutador físico del primer salto para lograr un mejor rendimiento. El modo híbrido requiere la intromisión de IGMP en el conmutador del primer salto y el acceso a un solicitante de IGMP en cada subred de VTEP.</a:t>
             </a:r>
           </a:p>
         </p:txBody>
@@ -22472,7 +22357,7 @@
     </p:spTree>
     <p:extLst>
       <p:ext uri="{BB962C8B-B14F-4D97-AF65-F5344CB8AC3E}">
-        <p14:creationId xmlns:p14="http://schemas.microsoft.com/office/powerpoint/2010/main" val="3212768425"/>
+        <p14:creationId xmlns:p14="http://schemas.microsoft.com/office/powerpoint/2010/main" val="3176481353"/>
       </p:ext>
     </p:extLst>
   </p:cSld>
@@ -22563,8 +22448,8 @@
         </p:nvSpPr>
         <p:spPr>
           <a:xfrm>
-            <a:off x="124689" y="1212273"/>
-            <a:ext cx="8902353" cy="2062103"/>
+            <a:off x="124688" y="1212273"/>
+            <a:ext cx="8876807" cy="2308324"/>
           </a:xfrm>
           <a:prstGeom prst="rect">
             <a:avLst/>
@@ -22580,10 +22465,138 @@
             <a:pPr algn="just"/>
             <a:r>
               <a:rPr lang="es-MX" sz="1600" dirty="0">
-                <a:latin typeface="Arial" panose="020B0604020202020204" pitchFamily="34" charset="0"/>
-                <a:cs typeface="Arial" panose="020B0604020202020204" pitchFamily="34" charset="0"/>
-              </a:rPr>
-              <a:t>Las VXLAN que están en el modo de unidifusión del plano de control no requieren que la red física admita la multidifusión para poder administrar el tráfico de difusión, de unidifusión desconocida y de multidifusión (BUM) dentro de un conmutador lógico. El modo de unidifusión replica todo el tráfico BUM localmente en el host y no requiere la configuración de la red física. En el modo híbrido, parte de la replicación del tráfico BUM se descarga en el conmutador físico del primer salto para lograr un mejor rendimiento. El modo híbrido requiere la intromisión de IGMP en el conmutador del primer salto y el acceso a un solicitante de IGMP en cada subred de VTEP.</a:t>
+                <a:solidFill>
+                  <a:schemeClr val="accent1">
+                    <a:lumMod val="50000"/>
+                  </a:schemeClr>
+                </a:solidFill>
+                <a:latin typeface="Arial" panose="020B0604020202020204" pitchFamily="34" charset="0"/>
+                <a:cs typeface="Arial" panose="020B0604020202020204" pitchFamily="34" charset="0"/>
+              </a:rPr>
+              <a:t>Plano de administración</a:t>
+            </a:r>
+          </a:p>
+          <a:p>
+            <a:pPr algn="just"/>
+            <a:endParaRPr lang="es-MX" sz="1600" dirty="0">
+              <a:solidFill>
+                <a:schemeClr val="accent1">
+                  <a:lumMod val="50000"/>
+                </a:schemeClr>
+              </a:solidFill>
+              <a:latin typeface="Arial" panose="020B0604020202020204" pitchFamily="34" charset="0"/>
+              <a:cs typeface="Arial" panose="020B0604020202020204" pitchFamily="34" charset="0"/>
+            </a:endParaRPr>
+          </a:p>
+          <a:p>
+            <a:pPr algn="just"/>
+            <a:r>
+              <a:rPr lang="es-MX" sz="1600" dirty="0">
+                <a:latin typeface="Arial" panose="020B0604020202020204" pitchFamily="34" charset="0"/>
+                <a:cs typeface="Arial" panose="020B0604020202020204" pitchFamily="34" charset="0"/>
+              </a:rPr>
+              <a:t>NSX Manager crea el plano de administración. Este es el componente que administra la red centralizada de NSX Data Center </a:t>
+            </a:r>
+            <a:r>
+              <a:rPr lang="es-MX" sz="1600" dirty="0" err="1">
+                <a:latin typeface="Arial" panose="020B0604020202020204" pitchFamily="34" charset="0"/>
+                <a:cs typeface="Arial" panose="020B0604020202020204" pitchFamily="34" charset="0"/>
+              </a:rPr>
+              <a:t>for</a:t>
+            </a:r>
+            <a:r>
+              <a:rPr lang="es-MX" sz="1600" dirty="0">
+                <a:latin typeface="Arial" panose="020B0604020202020204" pitchFamily="34" charset="0"/>
+                <a:cs typeface="Arial" panose="020B0604020202020204" pitchFamily="34" charset="0"/>
+              </a:rPr>
+              <a:t> </a:t>
+            </a:r>
+            <a:r>
+              <a:rPr lang="es-MX" sz="1600" dirty="0" err="1">
+                <a:latin typeface="Arial" panose="020B0604020202020204" pitchFamily="34" charset="0"/>
+                <a:cs typeface="Arial" panose="020B0604020202020204" pitchFamily="34" charset="0"/>
+              </a:rPr>
+              <a:t>vSphere</a:t>
+            </a:r>
+            <a:r>
+              <a:rPr lang="es-MX" sz="1600" dirty="0">
+                <a:latin typeface="Arial" panose="020B0604020202020204" pitchFamily="34" charset="0"/>
+                <a:cs typeface="Arial" panose="020B0604020202020204" pitchFamily="34" charset="0"/>
+              </a:rPr>
+              <a:t>. Proporciona el único punto de configuración y los puntos de entrada de la API de REST. NSX Manager se instala como dispositivo virtual en cualquier host </a:t>
+            </a:r>
+            <a:r>
+              <a:rPr lang="es-MX" sz="1600" dirty="0" err="1">
+                <a:latin typeface="Arial" panose="020B0604020202020204" pitchFamily="34" charset="0"/>
+                <a:cs typeface="Arial" panose="020B0604020202020204" pitchFamily="34" charset="0"/>
+              </a:rPr>
+              <a:t>ESXi</a:t>
+            </a:r>
+            <a:r>
+              <a:rPr lang="es-MX" sz="1600" dirty="0">
+                <a:latin typeface="Arial" panose="020B0604020202020204" pitchFamily="34" charset="0"/>
+                <a:cs typeface="Arial" panose="020B0604020202020204" pitchFamily="34" charset="0"/>
+              </a:rPr>
+              <a:t> del entorno de </a:t>
+            </a:r>
+            <a:r>
+              <a:rPr lang="es-MX" sz="1600" dirty="0" err="1">
+                <a:latin typeface="Arial" panose="020B0604020202020204" pitchFamily="34" charset="0"/>
+                <a:cs typeface="Arial" panose="020B0604020202020204" pitchFamily="34" charset="0"/>
+              </a:rPr>
+              <a:t>vCenter</a:t>
+            </a:r>
+            <a:r>
+              <a:rPr lang="es-MX" sz="1600" dirty="0">
+                <a:latin typeface="Arial" panose="020B0604020202020204" pitchFamily="34" charset="0"/>
+                <a:cs typeface="Arial" panose="020B0604020202020204" pitchFamily="34" charset="0"/>
+              </a:rPr>
+              <a:t> Server.</a:t>
+            </a:r>
+          </a:p>
+          <a:p>
+            <a:pPr algn="just"/>
+            <a:endParaRPr lang="es-MX" sz="1600" dirty="0">
+              <a:latin typeface="Arial" panose="020B0604020202020204" pitchFamily="34" charset="0"/>
+              <a:cs typeface="Arial" panose="020B0604020202020204" pitchFamily="34" charset="0"/>
+            </a:endParaRPr>
+          </a:p>
+          <a:p>
+            <a:pPr algn="just"/>
+            <a:r>
+              <a:rPr lang="es-MX" sz="1600" dirty="0">
+                <a:latin typeface="Arial" panose="020B0604020202020204" pitchFamily="34" charset="0"/>
+                <a:cs typeface="Arial" panose="020B0604020202020204" pitchFamily="34" charset="0"/>
+              </a:rPr>
+              <a:t>NSX Manager y </a:t>
+            </a:r>
+            <a:r>
+              <a:rPr lang="es-MX" sz="1600" dirty="0" err="1">
+                <a:latin typeface="Arial" panose="020B0604020202020204" pitchFamily="34" charset="0"/>
+                <a:cs typeface="Arial" panose="020B0604020202020204" pitchFamily="34" charset="0"/>
+              </a:rPr>
+              <a:t>vCenter</a:t>
+            </a:r>
+            <a:r>
+              <a:rPr lang="es-MX" sz="1600" dirty="0">
+                <a:latin typeface="Arial" panose="020B0604020202020204" pitchFamily="34" charset="0"/>
+                <a:cs typeface="Arial" panose="020B0604020202020204" pitchFamily="34" charset="0"/>
+              </a:rPr>
+              <a:t> Server tienen una relación uno a uno. Por cada instancia de NSX Manager, hay una de </a:t>
+            </a:r>
+            <a:r>
+              <a:rPr lang="es-MX" sz="1600" dirty="0" err="1">
+                <a:latin typeface="Arial" panose="020B0604020202020204" pitchFamily="34" charset="0"/>
+                <a:cs typeface="Arial" panose="020B0604020202020204" pitchFamily="34" charset="0"/>
+              </a:rPr>
+              <a:t>vCenter</a:t>
+            </a:r>
+            <a:r>
+              <a:rPr lang="es-MX" sz="1600" dirty="0">
+                <a:latin typeface="Arial" panose="020B0604020202020204" pitchFamily="34" charset="0"/>
+                <a:cs typeface="Arial" panose="020B0604020202020204" pitchFamily="34" charset="0"/>
+              </a:rPr>
+              <a:t> Server. </a:t>
             </a:r>
           </a:p>
         </p:txBody>
@@ -22591,7 +22604,837 @@
     </p:spTree>
     <p:extLst>
       <p:ext uri="{BB962C8B-B14F-4D97-AF65-F5344CB8AC3E}">
-        <p14:creationId xmlns:p14="http://schemas.microsoft.com/office/powerpoint/2010/main" val="3176481353"/>
+        <p14:creationId xmlns:p14="http://schemas.microsoft.com/office/powerpoint/2010/main" val="3489282489"/>
+      </p:ext>
+    </p:extLst>
+  </p:cSld>
+  <p:clrMapOvr>
+    <a:masterClrMapping/>
+  </p:clrMapOvr>
+</p:sld>
+</file>
+
+<file path=ppt/slides/slide57.xml><?xml version="1.0" encoding="utf-8"?>
+<p:sld xmlns:a="http://schemas.openxmlformats.org/drawingml/2006/main" xmlns:r="http://schemas.openxmlformats.org/officeDocument/2006/relationships" xmlns:p="http://schemas.openxmlformats.org/presentationml/2006/main">
+  <p:cSld>
+    <p:bg>
+      <p:bgPr>
+        <a:blipFill rotWithShape="1">
+          <a:blip r:embed="rId2"/>
+          <a:stretch>
+            <a:fillRect/>
+          </a:stretch>
+        </a:blipFill>
+        <a:effectLst/>
+      </p:bgPr>
+    </p:bg>
+    <p:spTree>
+      <p:nvGrpSpPr>
+        <p:cNvPr id="1" name=""/>
+        <p:cNvGrpSpPr/>
+        <p:nvPr/>
+      </p:nvGrpSpPr>
+      <p:grpSpPr>
+        <a:xfrm>
+          <a:off x="0" y="0"/>
+          <a:ext cx="0" cy="0"/>
+          <a:chOff x="0" y="0"/>
+          <a:chExt cx="0" cy="0"/>
+        </a:xfrm>
+      </p:grpSpPr>
+      <p:sp>
+        <p:nvSpPr>
+          <p:cNvPr id="4" name="CuadroTexto 3">
+            <a:extLst>
+              <a:ext uri="{FF2B5EF4-FFF2-40B4-BE49-F238E27FC236}">
+                <a16:creationId xmlns:a16="http://schemas.microsoft.com/office/drawing/2014/main" id="{22969A7C-AD75-42B9-8681-50349BF7A6A5}"/>
+              </a:ext>
+            </a:extLst>
+          </p:cNvPr>
+          <p:cNvSpPr txBox="1"/>
+          <p:nvPr/>
+        </p:nvSpPr>
+        <p:spPr>
+          <a:xfrm>
+            <a:off x="3104708" y="498764"/>
+            <a:ext cx="6039292" cy="400110"/>
+          </a:xfrm>
+          <a:prstGeom prst="rect">
+            <a:avLst/>
+          </a:prstGeom>
+          <a:noFill/>
+        </p:spPr>
+        <p:txBody>
+          <a:bodyPr wrap="square" rtlCol="0">
+            <a:spAutoFit/>
+          </a:bodyPr>
+          <a:lstStyle/>
+          <a:p>
+            <a:pPr algn="r"/>
+            <a:r>
+              <a:rPr lang="es-MX" sz="2000" dirty="0">
+                <a:latin typeface="Arial" panose="020B0604020202020204" pitchFamily="34" charset="0"/>
+                <a:cs typeface="Arial" panose="020B0604020202020204" pitchFamily="34" charset="0"/>
+              </a:rPr>
+              <a:t>Introducción a NSX</a:t>
+            </a:r>
+          </a:p>
+        </p:txBody>
+      </p:sp>
+      <p:sp>
+        <p:nvSpPr>
+          <p:cNvPr id="5" name="CuadroTexto 4">
+            <a:extLst>
+              <a:ext uri="{FF2B5EF4-FFF2-40B4-BE49-F238E27FC236}">
+                <a16:creationId xmlns:a16="http://schemas.microsoft.com/office/drawing/2014/main" id="{996360A4-7287-4161-9B02-9963E1AB4B06}"/>
+              </a:ext>
+            </a:extLst>
+          </p:cNvPr>
+          <p:cNvSpPr txBox="1"/>
+          <p:nvPr/>
+        </p:nvSpPr>
+        <p:spPr>
+          <a:xfrm>
+            <a:off x="124688" y="1212273"/>
+            <a:ext cx="8876807" cy="2308324"/>
+          </a:xfrm>
+          <a:prstGeom prst="rect">
+            <a:avLst/>
+          </a:prstGeom>
+          <a:noFill/>
+        </p:spPr>
+        <p:txBody>
+          <a:bodyPr wrap="square" rtlCol="0">
+            <a:spAutoFit/>
+          </a:bodyPr>
+          <a:lstStyle/>
+          <a:p>
+            <a:pPr algn="just"/>
+            <a:r>
+              <a:rPr lang="es-MX" sz="1600" dirty="0">
+                <a:solidFill>
+                  <a:schemeClr val="accent1">
+                    <a:lumMod val="50000"/>
+                  </a:schemeClr>
+                </a:solidFill>
+                <a:latin typeface="Arial" panose="020B0604020202020204" pitchFamily="34" charset="0"/>
+                <a:cs typeface="Arial" panose="020B0604020202020204" pitchFamily="34" charset="0"/>
+              </a:rPr>
+              <a:t>Plataforma de consumo</a:t>
+            </a:r>
+          </a:p>
+          <a:p>
+            <a:pPr algn="just"/>
+            <a:endParaRPr lang="es-MX" sz="1600" dirty="0">
+              <a:solidFill>
+                <a:schemeClr val="accent1">
+                  <a:lumMod val="50000"/>
+                </a:schemeClr>
+              </a:solidFill>
+              <a:latin typeface="Arial" panose="020B0604020202020204" pitchFamily="34" charset="0"/>
+              <a:cs typeface="Arial" panose="020B0604020202020204" pitchFamily="34" charset="0"/>
+            </a:endParaRPr>
+          </a:p>
+          <a:p>
+            <a:pPr algn="just"/>
+            <a:r>
+              <a:rPr lang="es-MX" sz="1600" dirty="0">
+                <a:latin typeface="Arial" panose="020B0604020202020204" pitchFamily="34" charset="0"/>
+                <a:cs typeface="Arial" panose="020B0604020202020204" pitchFamily="34" charset="0"/>
+              </a:rPr>
+              <a:t>El uso de NSX Data Center </a:t>
+            </a:r>
+            <a:r>
+              <a:rPr lang="es-MX" sz="1600" dirty="0" err="1">
+                <a:latin typeface="Arial" panose="020B0604020202020204" pitchFamily="34" charset="0"/>
+                <a:cs typeface="Arial" panose="020B0604020202020204" pitchFamily="34" charset="0"/>
+              </a:rPr>
+              <a:t>for</a:t>
+            </a:r>
+            <a:r>
+              <a:rPr lang="es-MX" sz="1600" dirty="0">
+                <a:latin typeface="Arial" panose="020B0604020202020204" pitchFamily="34" charset="0"/>
+                <a:cs typeface="Arial" panose="020B0604020202020204" pitchFamily="34" charset="0"/>
+              </a:rPr>
+              <a:t> </a:t>
+            </a:r>
+            <a:r>
+              <a:rPr lang="es-MX" sz="1600" dirty="0" err="1">
+                <a:latin typeface="Arial" panose="020B0604020202020204" pitchFamily="34" charset="0"/>
+                <a:cs typeface="Arial" panose="020B0604020202020204" pitchFamily="34" charset="0"/>
+              </a:rPr>
+              <a:t>vSphere</a:t>
+            </a:r>
+            <a:r>
+              <a:rPr lang="es-MX" sz="1600" dirty="0">
+                <a:latin typeface="Arial" panose="020B0604020202020204" pitchFamily="34" charset="0"/>
+                <a:cs typeface="Arial" panose="020B0604020202020204" pitchFamily="34" charset="0"/>
+              </a:rPr>
+              <a:t> se puede controlar directamente desde la interfaz de usuario de NSX Manager, disponible en </a:t>
+            </a:r>
+            <a:r>
+              <a:rPr lang="es-MX" sz="1600" dirty="0" err="1">
+                <a:latin typeface="Arial" panose="020B0604020202020204" pitchFamily="34" charset="0"/>
+                <a:cs typeface="Arial" panose="020B0604020202020204" pitchFamily="34" charset="0"/>
+              </a:rPr>
+              <a:t>vSphere</a:t>
+            </a:r>
+            <a:r>
+              <a:rPr lang="es-MX" sz="1600" dirty="0">
+                <a:latin typeface="Arial" panose="020B0604020202020204" pitchFamily="34" charset="0"/>
+                <a:cs typeface="Arial" panose="020B0604020202020204" pitchFamily="34" charset="0"/>
+              </a:rPr>
+              <a:t> Web Client. En general, los usuarios finales unen la virtualización de red con Cloud Management </a:t>
+            </a:r>
+            <a:r>
+              <a:rPr lang="es-MX" sz="1600" dirty="0" err="1">
+                <a:latin typeface="Arial" panose="020B0604020202020204" pitchFamily="34" charset="0"/>
+                <a:cs typeface="Arial" panose="020B0604020202020204" pitchFamily="34" charset="0"/>
+              </a:rPr>
+              <a:t>Platform</a:t>
+            </a:r>
+            <a:r>
+              <a:rPr lang="es-MX" sz="1600" dirty="0">
+                <a:latin typeface="Arial" panose="020B0604020202020204" pitchFamily="34" charset="0"/>
+                <a:cs typeface="Arial" panose="020B0604020202020204" pitchFamily="34" charset="0"/>
+              </a:rPr>
+              <a:t> (CMP) para implementar aplicaciones. NSX Data Center </a:t>
+            </a:r>
+            <a:r>
+              <a:rPr lang="es-MX" sz="1600" dirty="0" err="1">
+                <a:latin typeface="Arial" panose="020B0604020202020204" pitchFamily="34" charset="0"/>
+                <a:cs typeface="Arial" panose="020B0604020202020204" pitchFamily="34" charset="0"/>
+              </a:rPr>
+              <a:t>for</a:t>
+            </a:r>
+            <a:r>
+              <a:rPr lang="es-MX" sz="1600" dirty="0">
+                <a:latin typeface="Arial" panose="020B0604020202020204" pitchFamily="34" charset="0"/>
+                <a:cs typeface="Arial" panose="020B0604020202020204" pitchFamily="34" charset="0"/>
+              </a:rPr>
+              <a:t> </a:t>
+            </a:r>
+            <a:r>
+              <a:rPr lang="es-MX" sz="1600" dirty="0" err="1">
+                <a:latin typeface="Arial" panose="020B0604020202020204" pitchFamily="34" charset="0"/>
+                <a:cs typeface="Arial" panose="020B0604020202020204" pitchFamily="34" charset="0"/>
+              </a:rPr>
+              <a:t>vSphere</a:t>
+            </a:r>
+            <a:r>
+              <a:rPr lang="es-MX" sz="1600" dirty="0">
+                <a:latin typeface="Arial" panose="020B0604020202020204" pitchFamily="34" charset="0"/>
+                <a:cs typeface="Arial" panose="020B0604020202020204" pitchFamily="34" charset="0"/>
+              </a:rPr>
+              <a:t> proporciona una integración completa en prácticamente cualquier CMP a través de REST API. La integración inmediata también está disponible mediante VMware </a:t>
+            </a:r>
+            <a:r>
+              <a:rPr lang="es-MX" sz="1600" dirty="0" err="1">
+                <a:latin typeface="Arial" panose="020B0604020202020204" pitchFamily="34" charset="0"/>
+                <a:cs typeface="Arial" panose="020B0604020202020204" pitchFamily="34" charset="0"/>
+              </a:rPr>
+              <a:t>vRealize</a:t>
+            </a:r>
+            <a:r>
+              <a:rPr lang="es-MX" sz="1600" dirty="0">
+                <a:latin typeface="Arial" panose="020B0604020202020204" pitchFamily="34" charset="0"/>
+                <a:cs typeface="Arial" panose="020B0604020202020204" pitchFamily="34" charset="0"/>
+              </a:rPr>
+              <a:t> </a:t>
+            </a:r>
+            <a:r>
+              <a:rPr lang="es-MX" sz="1600" dirty="0" err="1">
+                <a:latin typeface="Arial" panose="020B0604020202020204" pitchFamily="34" charset="0"/>
+                <a:cs typeface="Arial" panose="020B0604020202020204" pitchFamily="34" charset="0"/>
+              </a:rPr>
+              <a:t>Automation</a:t>
+            </a:r>
+            <a:r>
+              <a:rPr lang="es-MX" sz="1600" dirty="0">
+                <a:latin typeface="Arial" panose="020B0604020202020204" pitchFamily="34" charset="0"/>
+                <a:cs typeface="Arial" panose="020B0604020202020204" pitchFamily="34" charset="0"/>
+              </a:rPr>
+              <a:t> Center, </a:t>
+            </a:r>
+            <a:r>
+              <a:rPr lang="es-MX" sz="1600" dirty="0" err="1">
+                <a:latin typeface="Arial" panose="020B0604020202020204" pitchFamily="34" charset="0"/>
+                <a:cs typeface="Arial" panose="020B0604020202020204" pitchFamily="34" charset="0"/>
+              </a:rPr>
+              <a:t>vCloud</a:t>
+            </a:r>
+            <a:r>
+              <a:rPr lang="es-MX" sz="1600" dirty="0">
+                <a:latin typeface="Arial" panose="020B0604020202020204" pitchFamily="34" charset="0"/>
+                <a:cs typeface="Arial" panose="020B0604020202020204" pitchFamily="34" charset="0"/>
+              </a:rPr>
+              <a:t> Director y </a:t>
+            </a:r>
+            <a:r>
+              <a:rPr lang="es-MX" sz="1600" dirty="0" err="1">
+                <a:latin typeface="Arial" panose="020B0604020202020204" pitchFamily="34" charset="0"/>
+                <a:cs typeface="Arial" panose="020B0604020202020204" pitchFamily="34" charset="0"/>
+              </a:rPr>
+              <a:t>OpenStack</a:t>
+            </a:r>
+            <a:r>
+              <a:rPr lang="es-MX" sz="1600" dirty="0">
+                <a:latin typeface="Arial" panose="020B0604020202020204" pitchFamily="34" charset="0"/>
+                <a:cs typeface="Arial" panose="020B0604020202020204" pitchFamily="34" charset="0"/>
+              </a:rPr>
+              <a:t> con el complemento </a:t>
+            </a:r>
+            <a:r>
+              <a:rPr lang="es-MX" sz="1600" dirty="0" err="1">
+                <a:latin typeface="Arial" panose="020B0604020202020204" pitchFamily="34" charset="0"/>
+                <a:cs typeface="Arial" panose="020B0604020202020204" pitchFamily="34" charset="0"/>
+              </a:rPr>
+              <a:t>Neutron</a:t>
+            </a:r>
+            <a:r>
+              <a:rPr lang="es-MX" sz="1600" dirty="0">
+                <a:latin typeface="Arial" panose="020B0604020202020204" pitchFamily="34" charset="0"/>
+                <a:cs typeface="Arial" panose="020B0604020202020204" pitchFamily="34" charset="0"/>
+              </a:rPr>
+              <a:t>.</a:t>
+            </a:r>
+          </a:p>
+        </p:txBody>
+      </p:sp>
+    </p:spTree>
+    <p:extLst>
+      <p:ext uri="{BB962C8B-B14F-4D97-AF65-F5344CB8AC3E}">
+        <p14:creationId xmlns:p14="http://schemas.microsoft.com/office/powerpoint/2010/main" val="1026909032"/>
+      </p:ext>
+    </p:extLst>
+  </p:cSld>
+  <p:clrMapOvr>
+    <a:masterClrMapping/>
+  </p:clrMapOvr>
+</p:sld>
+</file>
+
+<file path=ppt/slides/slide58.xml><?xml version="1.0" encoding="utf-8"?>
+<p:sld xmlns:a="http://schemas.openxmlformats.org/drawingml/2006/main" xmlns:r="http://schemas.openxmlformats.org/officeDocument/2006/relationships" xmlns:p="http://schemas.openxmlformats.org/presentationml/2006/main">
+  <p:cSld>
+    <p:bg>
+      <p:bgPr>
+        <a:blipFill rotWithShape="1">
+          <a:blip r:embed="rId2"/>
+          <a:stretch>
+            <a:fillRect/>
+          </a:stretch>
+        </a:blipFill>
+        <a:effectLst/>
+      </p:bgPr>
+    </p:bg>
+    <p:spTree>
+      <p:nvGrpSpPr>
+        <p:cNvPr id="1" name=""/>
+        <p:cNvGrpSpPr/>
+        <p:nvPr/>
+      </p:nvGrpSpPr>
+      <p:grpSpPr>
+        <a:xfrm>
+          <a:off x="0" y="0"/>
+          <a:ext cx="0" cy="0"/>
+          <a:chOff x="0" y="0"/>
+          <a:chExt cx="0" cy="0"/>
+        </a:xfrm>
+      </p:grpSpPr>
+      <p:sp>
+        <p:nvSpPr>
+          <p:cNvPr id="4" name="CuadroTexto 3">
+            <a:extLst>
+              <a:ext uri="{FF2B5EF4-FFF2-40B4-BE49-F238E27FC236}">
+                <a16:creationId xmlns:a16="http://schemas.microsoft.com/office/drawing/2014/main" id="{22969A7C-AD75-42B9-8681-50349BF7A6A5}"/>
+              </a:ext>
+            </a:extLst>
+          </p:cNvPr>
+          <p:cNvSpPr txBox="1"/>
+          <p:nvPr/>
+        </p:nvSpPr>
+        <p:spPr>
+          <a:xfrm>
+            <a:off x="3104708" y="498764"/>
+            <a:ext cx="6039292" cy="400110"/>
+          </a:xfrm>
+          <a:prstGeom prst="rect">
+            <a:avLst/>
+          </a:prstGeom>
+          <a:noFill/>
+        </p:spPr>
+        <p:txBody>
+          <a:bodyPr wrap="square" rtlCol="0">
+            <a:spAutoFit/>
+          </a:bodyPr>
+          <a:lstStyle/>
+          <a:p>
+            <a:pPr algn="r"/>
+            <a:r>
+              <a:rPr lang="es-MX" sz="2000" dirty="0">
+                <a:latin typeface="Arial" panose="020B0604020202020204" pitchFamily="34" charset="0"/>
+                <a:cs typeface="Arial" panose="020B0604020202020204" pitchFamily="34" charset="0"/>
+              </a:rPr>
+              <a:t>Introducción a NSX</a:t>
+            </a:r>
+          </a:p>
+        </p:txBody>
+      </p:sp>
+      <p:sp>
+        <p:nvSpPr>
+          <p:cNvPr id="5" name="CuadroTexto 4">
+            <a:extLst>
+              <a:ext uri="{FF2B5EF4-FFF2-40B4-BE49-F238E27FC236}">
+                <a16:creationId xmlns:a16="http://schemas.microsoft.com/office/drawing/2014/main" id="{996360A4-7287-4161-9B02-9963E1AB4B06}"/>
+              </a:ext>
+            </a:extLst>
+          </p:cNvPr>
+          <p:cNvSpPr txBox="1"/>
+          <p:nvPr/>
+        </p:nvSpPr>
+        <p:spPr>
+          <a:xfrm>
+            <a:off x="124688" y="1212273"/>
+            <a:ext cx="8876807" cy="3046988"/>
+          </a:xfrm>
+          <a:prstGeom prst="rect">
+            <a:avLst/>
+          </a:prstGeom>
+          <a:noFill/>
+        </p:spPr>
+        <p:txBody>
+          <a:bodyPr wrap="square" rtlCol="0">
+            <a:spAutoFit/>
+          </a:bodyPr>
+          <a:lstStyle/>
+          <a:p>
+            <a:pPr algn="just"/>
+            <a:r>
+              <a:rPr lang="es-MX" sz="1600" dirty="0">
+                <a:solidFill>
+                  <a:schemeClr val="accent1">
+                    <a:lumMod val="50000"/>
+                  </a:schemeClr>
+                </a:solidFill>
+                <a:latin typeface="Arial" panose="020B0604020202020204" pitchFamily="34" charset="0"/>
+                <a:cs typeface="Arial" panose="020B0604020202020204" pitchFamily="34" charset="0"/>
+              </a:rPr>
+              <a:t>NSX Edge</a:t>
+            </a:r>
+          </a:p>
+          <a:p>
+            <a:pPr algn="just"/>
+            <a:endParaRPr lang="es-MX" sz="1600" dirty="0">
+              <a:solidFill>
+                <a:schemeClr val="accent1">
+                  <a:lumMod val="50000"/>
+                </a:schemeClr>
+              </a:solidFill>
+              <a:latin typeface="Arial" panose="020B0604020202020204" pitchFamily="34" charset="0"/>
+              <a:cs typeface="Arial" panose="020B0604020202020204" pitchFamily="34" charset="0"/>
+            </a:endParaRPr>
+          </a:p>
+          <a:p>
+            <a:pPr algn="just"/>
+            <a:r>
+              <a:rPr lang="es-MX" sz="1600" dirty="0">
+                <a:latin typeface="Arial" panose="020B0604020202020204" pitchFamily="34" charset="0"/>
+                <a:cs typeface="Arial" panose="020B0604020202020204" pitchFamily="34" charset="0"/>
+              </a:rPr>
+              <a:t>Puede instalar NSX Edge como una puerta de enlace de servicios Edge (ESG) o un enrutador lógico distribuido (DLR). La cantidad de dispositivos Edge, incluidos las ESG y los DLR, está limitada a 250 por host.</a:t>
+            </a:r>
+          </a:p>
+          <a:p>
+            <a:pPr algn="just"/>
+            <a:endParaRPr lang="es-MX" sz="1600" dirty="0">
+              <a:latin typeface="Arial" panose="020B0604020202020204" pitchFamily="34" charset="0"/>
+              <a:cs typeface="Arial" panose="020B0604020202020204" pitchFamily="34" charset="0"/>
+            </a:endParaRPr>
+          </a:p>
+          <a:p>
+            <a:pPr algn="just"/>
+            <a:r>
+              <a:rPr lang="es-MX" sz="1600" dirty="0">
+                <a:solidFill>
+                  <a:schemeClr val="accent1">
+                    <a:lumMod val="50000"/>
+                  </a:schemeClr>
+                </a:solidFill>
+                <a:latin typeface="Arial" panose="020B0604020202020204" pitchFamily="34" charset="0"/>
+                <a:cs typeface="Arial" panose="020B0604020202020204" pitchFamily="34" charset="0"/>
+              </a:rPr>
+              <a:t>NSX </a:t>
+            </a:r>
+            <a:r>
+              <a:rPr lang="es-MX" sz="1600" dirty="0" err="1">
+                <a:solidFill>
+                  <a:schemeClr val="accent1">
+                    <a:lumMod val="50000"/>
+                  </a:schemeClr>
+                </a:solidFill>
+                <a:latin typeface="Arial" panose="020B0604020202020204" pitchFamily="34" charset="0"/>
+                <a:cs typeface="Arial" panose="020B0604020202020204" pitchFamily="34" charset="0"/>
+              </a:rPr>
+              <a:t>Services</a:t>
+            </a:r>
+            <a:endParaRPr lang="es-MX" sz="1600" dirty="0">
+              <a:solidFill>
+                <a:schemeClr val="accent1">
+                  <a:lumMod val="50000"/>
+                </a:schemeClr>
+              </a:solidFill>
+              <a:latin typeface="Arial" panose="020B0604020202020204" pitchFamily="34" charset="0"/>
+              <a:cs typeface="Arial" panose="020B0604020202020204" pitchFamily="34" charset="0"/>
+            </a:endParaRPr>
+          </a:p>
+          <a:p>
+            <a:pPr algn="just"/>
+            <a:endParaRPr lang="es-MX" sz="1600" dirty="0">
+              <a:solidFill>
+                <a:schemeClr val="accent1">
+                  <a:lumMod val="50000"/>
+                </a:schemeClr>
+              </a:solidFill>
+              <a:latin typeface="Arial" panose="020B0604020202020204" pitchFamily="34" charset="0"/>
+              <a:cs typeface="Arial" panose="020B0604020202020204" pitchFamily="34" charset="0"/>
+            </a:endParaRPr>
+          </a:p>
+          <a:p>
+            <a:pPr algn="just"/>
+            <a:r>
+              <a:rPr lang="es-MX" sz="1600" dirty="0">
+                <a:latin typeface="Arial" panose="020B0604020202020204" pitchFamily="34" charset="0"/>
+                <a:cs typeface="Arial" panose="020B0604020202020204" pitchFamily="34" charset="0"/>
+              </a:rPr>
+              <a:t>Los componentes de NSX Data Center </a:t>
+            </a:r>
+            <a:r>
+              <a:rPr lang="es-MX" sz="1600" dirty="0" err="1">
+                <a:latin typeface="Arial" panose="020B0604020202020204" pitchFamily="34" charset="0"/>
+                <a:cs typeface="Arial" panose="020B0604020202020204" pitchFamily="34" charset="0"/>
+              </a:rPr>
+              <a:t>for</a:t>
+            </a:r>
+            <a:r>
+              <a:rPr lang="es-MX" sz="1600" dirty="0">
+                <a:latin typeface="Arial" panose="020B0604020202020204" pitchFamily="34" charset="0"/>
+                <a:cs typeface="Arial" panose="020B0604020202020204" pitchFamily="34" charset="0"/>
+              </a:rPr>
+              <a:t> </a:t>
+            </a:r>
+            <a:r>
+              <a:rPr lang="es-MX" sz="1600" dirty="0" err="1">
+                <a:latin typeface="Arial" panose="020B0604020202020204" pitchFamily="34" charset="0"/>
+                <a:cs typeface="Arial" panose="020B0604020202020204" pitchFamily="34" charset="0"/>
+              </a:rPr>
+              <a:t>vSphere</a:t>
+            </a:r>
+            <a:r>
+              <a:rPr lang="es-MX" sz="1600" dirty="0">
+                <a:latin typeface="Arial" panose="020B0604020202020204" pitchFamily="34" charset="0"/>
+                <a:cs typeface="Arial" panose="020B0604020202020204" pitchFamily="34" charset="0"/>
+              </a:rPr>
+              <a:t> funcionan juntos para ofrecer los siguientes </a:t>
+            </a:r>
+            <a:r>
+              <a:rPr lang="es-MX" sz="1600" dirty="0" err="1">
+                <a:latin typeface="Arial" panose="020B0604020202020204" pitchFamily="34" charset="0"/>
+                <a:cs typeface="Arial" panose="020B0604020202020204" pitchFamily="34" charset="0"/>
+              </a:rPr>
+              <a:t>Vmware</a:t>
+            </a:r>
+            <a:r>
+              <a:rPr lang="es-MX" sz="1600" dirty="0">
+                <a:latin typeface="Arial" panose="020B0604020202020204" pitchFamily="34" charset="0"/>
+                <a:cs typeface="Arial" panose="020B0604020202020204" pitchFamily="34" charset="0"/>
+              </a:rPr>
+              <a:t> NSX </a:t>
+            </a:r>
+            <a:r>
+              <a:rPr lang="es-MX" sz="1600" dirty="0" err="1">
+                <a:latin typeface="Arial" panose="020B0604020202020204" pitchFamily="34" charset="0"/>
+                <a:cs typeface="Arial" panose="020B0604020202020204" pitchFamily="34" charset="0"/>
+              </a:rPr>
+              <a:t>Services</a:t>
+            </a:r>
+            <a:r>
+              <a:rPr lang="es-MX" sz="1600" dirty="0">
+                <a:latin typeface="Arial" panose="020B0604020202020204" pitchFamily="34" charset="0"/>
+                <a:cs typeface="Arial" panose="020B0604020202020204" pitchFamily="34" charset="0"/>
+              </a:rPr>
+              <a:t> funcionales.</a:t>
+            </a:r>
+          </a:p>
+          <a:p>
+            <a:pPr algn="just"/>
+            <a:endParaRPr lang="es-MX" sz="1600" dirty="0">
+              <a:latin typeface="Arial" panose="020B0604020202020204" pitchFamily="34" charset="0"/>
+              <a:cs typeface="Arial" panose="020B0604020202020204" pitchFamily="34" charset="0"/>
+            </a:endParaRPr>
+          </a:p>
+          <a:p>
+            <a:pPr algn="just"/>
+            <a:r>
+              <a:rPr lang="es-MX" sz="1600" dirty="0">
+                <a:latin typeface="Arial" panose="020B0604020202020204" pitchFamily="34" charset="0"/>
+                <a:cs typeface="Arial" panose="020B0604020202020204" pitchFamily="34" charset="0"/>
+              </a:rPr>
+              <a:t>*Consulte el manual oficial para recibir indicaciones sobre el cómo instalar NSX</a:t>
+            </a:r>
+          </a:p>
+        </p:txBody>
+      </p:sp>
+    </p:spTree>
+    <p:extLst>
+      <p:ext uri="{BB962C8B-B14F-4D97-AF65-F5344CB8AC3E}">
+        <p14:creationId xmlns:p14="http://schemas.microsoft.com/office/powerpoint/2010/main" val="139303635"/>
+      </p:ext>
+    </p:extLst>
+  </p:cSld>
+  <p:clrMapOvr>
+    <a:masterClrMapping/>
+  </p:clrMapOvr>
+</p:sld>
+</file>
+
+<file path=ppt/slides/slide59.xml><?xml version="1.0" encoding="utf-8"?>
+<p:sld xmlns:a="http://schemas.openxmlformats.org/drawingml/2006/main" xmlns:r="http://schemas.openxmlformats.org/officeDocument/2006/relationships" xmlns:p="http://schemas.openxmlformats.org/presentationml/2006/main">
+  <p:cSld>
+    <p:bg>
+      <p:bgPr>
+        <a:blipFill rotWithShape="1">
+          <a:blip r:embed="rId2"/>
+          <a:stretch>
+            <a:fillRect/>
+          </a:stretch>
+        </a:blipFill>
+        <a:effectLst/>
+      </p:bgPr>
+    </p:bg>
+    <p:spTree>
+      <p:nvGrpSpPr>
+        <p:cNvPr id="1" name=""/>
+        <p:cNvGrpSpPr/>
+        <p:nvPr/>
+      </p:nvGrpSpPr>
+      <p:grpSpPr>
+        <a:xfrm>
+          <a:off x="0" y="0"/>
+          <a:ext cx="0" cy="0"/>
+          <a:chOff x="0" y="0"/>
+          <a:chExt cx="0" cy="0"/>
+        </a:xfrm>
+      </p:grpSpPr>
+      <p:sp>
+        <p:nvSpPr>
+          <p:cNvPr id="4" name="CuadroTexto 3">
+            <a:extLst>
+              <a:ext uri="{FF2B5EF4-FFF2-40B4-BE49-F238E27FC236}">
+                <a16:creationId xmlns:a16="http://schemas.microsoft.com/office/drawing/2014/main" id="{22969A7C-AD75-42B9-8681-50349BF7A6A5}"/>
+              </a:ext>
+            </a:extLst>
+          </p:cNvPr>
+          <p:cNvSpPr txBox="1"/>
+          <p:nvPr/>
+        </p:nvSpPr>
+        <p:spPr>
+          <a:xfrm>
+            <a:off x="3104708" y="498764"/>
+            <a:ext cx="6039292" cy="400110"/>
+          </a:xfrm>
+          <a:prstGeom prst="rect">
+            <a:avLst/>
+          </a:prstGeom>
+          <a:noFill/>
+        </p:spPr>
+        <p:txBody>
+          <a:bodyPr wrap="square" rtlCol="0">
+            <a:spAutoFit/>
+          </a:bodyPr>
+          <a:lstStyle/>
+          <a:p>
+            <a:pPr algn="r"/>
+            <a:r>
+              <a:rPr lang="es-MX" sz="2000" dirty="0">
+                <a:latin typeface="Arial" panose="020B0604020202020204" pitchFamily="34" charset="0"/>
+                <a:cs typeface="Arial" panose="020B0604020202020204" pitchFamily="34" charset="0"/>
+              </a:rPr>
+              <a:t>NSX Manager</a:t>
+            </a:r>
+          </a:p>
+        </p:txBody>
+      </p:sp>
+      <p:sp>
+        <p:nvSpPr>
+          <p:cNvPr id="5" name="CuadroTexto 4">
+            <a:extLst>
+              <a:ext uri="{FF2B5EF4-FFF2-40B4-BE49-F238E27FC236}">
+                <a16:creationId xmlns:a16="http://schemas.microsoft.com/office/drawing/2014/main" id="{996360A4-7287-4161-9B02-9963E1AB4B06}"/>
+              </a:ext>
+            </a:extLst>
+          </p:cNvPr>
+          <p:cNvSpPr txBox="1"/>
+          <p:nvPr/>
+        </p:nvSpPr>
+        <p:spPr>
+          <a:xfrm>
+            <a:off x="124688" y="1212273"/>
+            <a:ext cx="4808819" cy="3539430"/>
+          </a:xfrm>
+          <a:prstGeom prst="rect">
+            <a:avLst/>
+          </a:prstGeom>
+          <a:noFill/>
+        </p:spPr>
+        <p:txBody>
+          <a:bodyPr wrap="square" rtlCol="0">
+            <a:spAutoFit/>
+          </a:bodyPr>
+          <a:lstStyle/>
+          <a:p>
+            <a:pPr algn="just"/>
+            <a:r>
+              <a:rPr lang="es-MX" sz="1600" dirty="0">
+                <a:latin typeface="Arial" panose="020B0604020202020204" pitchFamily="34" charset="0"/>
+                <a:cs typeface="Arial" panose="020B0604020202020204" pitchFamily="34" charset="0"/>
+              </a:rPr>
+              <a:t>NSX Manager se instala como dispositivo virtual en cualquier host </a:t>
+            </a:r>
+            <a:r>
+              <a:rPr lang="es-MX" sz="1600" dirty="0" err="1">
+                <a:latin typeface="Arial" panose="020B0604020202020204" pitchFamily="34" charset="0"/>
+                <a:cs typeface="Arial" panose="020B0604020202020204" pitchFamily="34" charset="0"/>
+              </a:rPr>
+              <a:t>ESXi</a:t>
+            </a:r>
+            <a:r>
+              <a:rPr lang="es-MX" sz="1600" dirty="0">
+                <a:latin typeface="Arial" panose="020B0604020202020204" pitchFamily="34" charset="0"/>
+                <a:cs typeface="Arial" panose="020B0604020202020204" pitchFamily="34" charset="0"/>
+              </a:rPr>
+              <a:t> del entorno de </a:t>
+            </a:r>
+            <a:r>
+              <a:rPr lang="es-MX" sz="1600" dirty="0" err="1">
+                <a:latin typeface="Arial" panose="020B0604020202020204" pitchFamily="34" charset="0"/>
+                <a:cs typeface="Arial" panose="020B0604020202020204" pitchFamily="34" charset="0"/>
+              </a:rPr>
+              <a:t>vCenter</a:t>
+            </a:r>
+            <a:r>
+              <a:rPr lang="es-MX" sz="1600" dirty="0">
+                <a:latin typeface="Arial" panose="020B0604020202020204" pitchFamily="34" charset="0"/>
+                <a:cs typeface="Arial" panose="020B0604020202020204" pitchFamily="34" charset="0"/>
+              </a:rPr>
+              <a:t>.</a:t>
+            </a:r>
+          </a:p>
+          <a:p>
+            <a:pPr algn="just"/>
+            <a:r>
+              <a:rPr lang="es-MX" sz="1600" dirty="0">
+                <a:latin typeface="Arial" panose="020B0604020202020204" pitchFamily="34" charset="0"/>
+                <a:cs typeface="Arial" panose="020B0604020202020204" pitchFamily="34" charset="0"/>
+              </a:rPr>
+              <a:t>NSX Manager proporciona la interfaz de usuario gráfica (GUI) y las API REST para crear, configurar y supervisar los componentes de NSX, como controladoras, conmutadores lógicos y puertas de enlace de servicios Edge. NSX Manager proporciona una vista de sistema agregada y es el componente de administración de red centralizada de NSX Data Center </a:t>
+            </a:r>
+            <a:r>
+              <a:rPr lang="es-MX" sz="1600" dirty="0" err="1">
+                <a:latin typeface="Arial" panose="020B0604020202020204" pitchFamily="34" charset="0"/>
+                <a:cs typeface="Arial" panose="020B0604020202020204" pitchFamily="34" charset="0"/>
+              </a:rPr>
+              <a:t>for</a:t>
+            </a:r>
+            <a:r>
+              <a:rPr lang="es-MX" sz="1600" dirty="0">
+                <a:latin typeface="Arial" panose="020B0604020202020204" pitchFamily="34" charset="0"/>
+                <a:cs typeface="Arial" panose="020B0604020202020204" pitchFamily="34" charset="0"/>
+              </a:rPr>
+              <a:t> </a:t>
+            </a:r>
+            <a:r>
+              <a:rPr lang="es-MX" sz="1600" dirty="0" err="1">
+                <a:latin typeface="Arial" panose="020B0604020202020204" pitchFamily="34" charset="0"/>
+                <a:cs typeface="Arial" panose="020B0604020202020204" pitchFamily="34" charset="0"/>
+              </a:rPr>
+              <a:t>vSphere</a:t>
+            </a:r>
+            <a:r>
+              <a:rPr lang="es-MX" sz="1600" dirty="0">
+                <a:latin typeface="Arial" panose="020B0604020202020204" pitchFamily="34" charset="0"/>
+                <a:cs typeface="Arial" panose="020B0604020202020204" pitchFamily="34" charset="0"/>
+              </a:rPr>
+              <a:t>. La máquina virtual de NSX Manager está incluida en un archivo OVA, lo que le permite utilizar </a:t>
+            </a:r>
+            <a:r>
+              <a:rPr lang="es-MX" sz="1600" dirty="0" err="1">
+                <a:latin typeface="Arial" panose="020B0604020202020204" pitchFamily="34" charset="0"/>
+                <a:cs typeface="Arial" panose="020B0604020202020204" pitchFamily="34" charset="0"/>
+              </a:rPr>
+              <a:t>vSphere</a:t>
+            </a:r>
+            <a:r>
+              <a:rPr lang="es-MX" sz="1600" dirty="0">
+                <a:latin typeface="Arial" panose="020B0604020202020204" pitchFamily="34" charset="0"/>
+                <a:cs typeface="Arial" panose="020B0604020202020204" pitchFamily="34" charset="0"/>
+              </a:rPr>
+              <a:t> Web Client para importar NSX Manager al almacén de datos y el inventario de la máquina virtual.</a:t>
+            </a:r>
+          </a:p>
+        </p:txBody>
+      </p:sp>
+      <p:pic>
+        <p:nvPicPr>
+          <p:cNvPr id="1026" name="Picture 2" descr="Resultado de imagen para nsx manager">
+            <a:extLst>
+              <a:ext uri="{FF2B5EF4-FFF2-40B4-BE49-F238E27FC236}">
+                <a16:creationId xmlns:a16="http://schemas.microsoft.com/office/drawing/2014/main" id="{694D1B8B-50F3-4CD5-96E9-BF7DC4E435F4}"/>
+              </a:ext>
+            </a:extLst>
+          </p:cNvPr>
+          <p:cNvPicPr>
+            <a:picLocks noChangeAspect="1" noChangeArrowheads="1"/>
+          </p:cNvPicPr>
+          <p:nvPr/>
+        </p:nvPicPr>
+        <p:blipFill>
+          <a:blip r:embed="rId3">
+            <a:extLst>
+              <a:ext uri="{28A0092B-C50C-407E-A947-70E740481C1C}">
+                <a14:useLocalDpi xmlns:a14="http://schemas.microsoft.com/office/drawing/2010/main" val="0"/>
+              </a:ext>
+            </a:extLst>
+          </a:blip>
+          <a:srcRect/>
+          <a:stretch>
+            <a:fillRect/>
+          </a:stretch>
+        </p:blipFill>
+        <p:spPr bwMode="auto">
+          <a:xfrm>
+            <a:off x="5348177" y="1212273"/>
+            <a:ext cx="3671135" cy="3319290"/>
+          </a:xfrm>
+          <a:prstGeom prst="rect">
+            <a:avLst/>
+          </a:prstGeom>
+          <a:noFill/>
+          <a:extLst>
+            <a:ext uri="{909E8E84-426E-40DD-AFC4-6F175D3DCCD1}">
+              <a14:hiddenFill xmlns:a14="http://schemas.microsoft.com/office/drawing/2010/main">
+                <a:solidFill>
+                  <a:srgbClr val="FFFFFF"/>
+                </a:solidFill>
+              </a14:hiddenFill>
+            </a:ext>
+          </a:extLst>
+        </p:spPr>
+      </p:pic>
+    </p:spTree>
+    <p:extLst>
+      <p:ext uri="{BB962C8B-B14F-4D97-AF65-F5344CB8AC3E}">
+        <p14:creationId xmlns:p14="http://schemas.microsoft.com/office/powerpoint/2010/main" val="4081460197"/>
       </p:ext>
     </p:extLst>
   </p:cSld>
@@ -22864,6 +23707,2055 @@
     <p:extLst>
       <p:ext uri="{BB962C8B-B14F-4D97-AF65-F5344CB8AC3E}">
         <p14:creationId xmlns:p14="http://schemas.microsoft.com/office/powerpoint/2010/main" val="115469738"/>
+      </p:ext>
+    </p:extLst>
+  </p:cSld>
+  <p:clrMapOvr>
+    <a:masterClrMapping/>
+  </p:clrMapOvr>
+</p:sld>
+</file>
+
+<file path=ppt/slides/slide60.xml><?xml version="1.0" encoding="utf-8"?>
+<p:sld xmlns:a="http://schemas.openxmlformats.org/drawingml/2006/main" xmlns:r="http://schemas.openxmlformats.org/officeDocument/2006/relationships" xmlns:p="http://schemas.openxmlformats.org/presentationml/2006/main">
+  <p:cSld>
+    <p:bg>
+      <p:bgPr>
+        <a:blipFill rotWithShape="1">
+          <a:blip r:embed="rId2"/>
+          <a:stretch>
+            <a:fillRect/>
+          </a:stretch>
+        </a:blipFill>
+        <a:effectLst/>
+      </p:bgPr>
+    </p:bg>
+    <p:spTree>
+      <p:nvGrpSpPr>
+        <p:cNvPr id="1" name=""/>
+        <p:cNvGrpSpPr/>
+        <p:nvPr/>
+      </p:nvGrpSpPr>
+      <p:grpSpPr>
+        <a:xfrm>
+          <a:off x="0" y="0"/>
+          <a:ext cx="0" cy="0"/>
+          <a:chOff x="0" y="0"/>
+          <a:chExt cx="0" cy="0"/>
+        </a:xfrm>
+      </p:grpSpPr>
+      <p:sp>
+        <p:nvSpPr>
+          <p:cNvPr id="4" name="CuadroTexto 3">
+            <a:extLst>
+              <a:ext uri="{FF2B5EF4-FFF2-40B4-BE49-F238E27FC236}">
+                <a16:creationId xmlns:a16="http://schemas.microsoft.com/office/drawing/2014/main" id="{22969A7C-AD75-42B9-8681-50349BF7A6A5}"/>
+              </a:ext>
+            </a:extLst>
+          </p:cNvPr>
+          <p:cNvSpPr txBox="1"/>
+          <p:nvPr/>
+        </p:nvSpPr>
+        <p:spPr>
+          <a:xfrm>
+            <a:off x="3104708" y="498764"/>
+            <a:ext cx="6039292" cy="400110"/>
+          </a:xfrm>
+          <a:prstGeom prst="rect">
+            <a:avLst/>
+          </a:prstGeom>
+          <a:noFill/>
+        </p:spPr>
+        <p:txBody>
+          <a:bodyPr wrap="square" rtlCol="0">
+            <a:spAutoFit/>
+          </a:bodyPr>
+          <a:lstStyle/>
+          <a:p>
+            <a:pPr algn="r"/>
+            <a:r>
+              <a:rPr lang="es-MX" sz="2000" dirty="0">
+                <a:latin typeface="Arial" panose="020B0604020202020204" pitchFamily="34" charset="0"/>
+                <a:cs typeface="Arial" panose="020B0604020202020204" pitchFamily="34" charset="0"/>
+              </a:rPr>
+              <a:t>NSX Manager</a:t>
+            </a:r>
+          </a:p>
+        </p:txBody>
+      </p:sp>
+      <p:sp>
+        <p:nvSpPr>
+          <p:cNvPr id="5" name="CuadroTexto 4">
+            <a:extLst>
+              <a:ext uri="{FF2B5EF4-FFF2-40B4-BE49-F238E27FC236}">
+                <a16:creationId xmlns:a16="http://schemas.microsoft.com/office/drawing/2014/main" id="{996360A4-7287-4161-9B02-9963E1AB4B06}"/>
+              </a:ext>
+            </a:extLst>
+          </p:cNvPr>
+          <p:cNvSpPr txBox="1"/>
+          <p:nvPr/>
+        </p:nvSpPr>
+        <p:spPr>
+          <a:xfrm>
+            <a:off x="124688" y="1212273"/>
+            <a:ext cx="8902354" cy="2800767"/>
+          </a:xfrm>
+          <a:prstGeom prst="rect">
+            <a:avLst/>
+          </a:prstGeom>
+          <a:noFill/>
+        </p:spPr>
+        <p:txBody>
+          <a:bodyPr wrap="square" rtlCol="0">
+            <a:spAutoFit/>
+          </a:bodyPr>
+          <a:lstStyle/>
+          <a:p>
+            <a:pPr algn="just"/>
+            <a:r>
+              <a:rPr lang="es-MX" sz="1600" dirty="0">
+                <a:solidFill>
+                  <a:schemeClr val="tx2">
+                    <a:lumMod val="50000"/>
+                  </a:schemeClr>
+                </a:solidFill>
+                <a:latin typeface="Arial" panose="020B0604020202020204" pitchFamily="34" charset="0"/>
+                <a:cs typeface="Arial" panose="020B0604020202020204" pitchFamily="34" charset="0"/>
+              </a:rPr>
+              <a:t>Requisitos de implementación</a:t>
+            </a:r>
+          </a:p>
+          <a:p>
+            <a:pPr algn="just"/>
+            <a:endParaRPr lang="es-MX" sz="1600" dirty="0">
+              <a:latin typeface="Arial" panose="020B0604020202020204" pitchFamily="34" charset="0"/>
+              <a:cs typeface="Arial" panose="020B0604020202020204" pitchFamily="34" charset="0"/>
+            </a:endParaRPr>
+          </a:p>
+          <a:p>
+            <a:pPr marL="285750" indent="-285750" algn="just">
+              <a:buFont typeface="Wingdings" panose="05000000000000000000" pitchFamily="2" charset="2"/>
+              <a:buChar char="§"/>
+            </a:pPr>
+            <a:r>
+              <a:rPr lang="es-MX" sz="1600" dirty="0">
+                <a:latin typeface="Arial" panose="020B0604020202020204" pitchFamily="34" charset="0"/>
+                <a:cs typeface="Arial" panose="020B0604020202020204" pitchFamily="34" charset="0"/>
+              </a:rPr>
+              <a:t>El servicio de administración de NSX debe estar en ejecución. En la interfaz web de NSX Manager disponible en https://&lt;nsx-manager-ip&gt;, haga clic en Inicio (Home) &gt; Ver resumen (View </a:t>
+            </a:r>
+            <a:r>
+              <a:rPr lang="es-MX" sz="1600" dirty="0" err="1">
+                <a:latin typeface="Arial" panose="020B0604020202020204" pitchFamily="34" charset="0"/>
+                <a:cs typeface="Arial" panose="020B0604020202020204" pitchFamily="34" charset="0"/>
+              </a:rPr>
+              <a:t>Summary</a:t>
+            </a:r>
+            <a:r>
+              <a:rPr lang="es-MX" sz="1600" dirty="0">
+                <a:latin typeface="Arial" panose="020B0604020202020204" pitchFamily="34" charset="0"/>
+                <a:cs typeface="Arial" panose="020B0604020202020204" pitchFamily="34" charset="0"/>
+              </a:rPr>
+              <a:t>) para ver el estado del servicio.</a:t>
+            </a:r>
+          </a:p>
+          <a:p>
+            <a:pPr marL="285750" indent="-285750" algn="just">
+              <a:buFont typeface="Wingdings" panose="05000000000000000000" pitchFamily="2" charset="2"/>
+              <a:buChar char="§"/>
+            </a:pPr>
+            <a:endParaRPr lang="es-MX" sz="1600" dirty="0">
+              <a:latin typeface="Arial" panose="020B0604020202020204" pitchFamily="34" charset="0"/>
+              <a:cs typeface="Arial" panose="020B0604020202020204" pitchFamily="34" charset="0"/>
+            </a:endParaRPr>
+          </a:p>
+          <a:p>
+            <a:pPr marL="285750" indent="-285750" algn="just">
+              <a:buFont typeface="Wingdings" panose="05000000000000000000" pitchFamily="2" charset="2"/>
+              <a:buChar char="§"/>
+            </a:pPr>
+            <a:r>
+              <a:rPr lang="es-MX" sz="1600" dirty="0">
+                <a:latin typeface="Arial" panose="020B0604020202020204" pitchFamily="34" charset="0"/>
+                <a:cs typeface="Arial" panose="020B0604020202020204" pitchFamily="34" charset="0"/>
+              </a:rPr>
+              <a:t>Debe utilizar una cuenta de usuario de </a:t>
+            </a:r>
+            <a:r>
+              <a:rPr lang="es-MX" sz="1600" dirty="0" err="1">
+                <a:latin typeface="Arial" panose="020B0604020202020204" pitchFamily="34" charset="0"/>
+                <a:cs typeface="Arial" panose="020B0604020202020204" pitchFamily="34" charset="0"/>
+              </a:rPr>
+              <a:t>vCenter</a:t>
+            </a:r>
+            <a:r>
+              <a:rPr lang="es-MX" sz="1600" dirty="0">
+                <a:latin typeface="Arial" panose="020B0604020202020204" pitchFamily="34" charset="0"/>
+                <a:cs typeface="Arial" panose="020B0604020202020204" pitchFamily="34" charset="0"/>
+              </a:rPr>
+              <a:t> Server que sea miembro del grupo Administradores (</a:t>
+            </a:r>
+            <a:r>
+              <a:rPr lang="es-MX" sz="1600" dirty="0" err="1">
+                <a:latin typeface="Arial" panose="020B0604020202020204" pitchFamily="34" charset="0"/>
+                <a:cs typeface="Arial" panose="020B0604020202020204" pitchFamily="34" charset="0"/>
+              </a:rPr>
+              <a:t>Administrators</a:t>
+            </a:r>
+            <a:r>
+              <a:rPr lang="es-MX" sz="1600" dirty="0">
+                <a:latin typeface="Arial" panose="020B0604020202020204" pitchFamily="34" charset="0"/>
+                <a:cs typeface="Arial" panose="020B0604020202020204" pitchFamily="34" charset="0"/>
+              </a:rPr>
+              <a:t>) de </a:t>
+            </a:r>
+            <a:r>
+              <a:rPr lang="es-MX" sz="1600" dirty="0" err="1">
+                <a:latin typeface="Arial" panose="020B0604020202020204" pitchFamily="34" charset="0"/>
+                <a:cs typeface="Arial" panose="020B0604020202020204" pitchFamily="34" charset="0"/>
+              </a:rPr>
+              <a:t>vCenter</a:t>
+            </a:r>
+            <a:r>
+              <a:rPr lang="es-MX" sz="1600" dirty="0">
+                <a:latin typeface="Arial" panose="020B0604020202020204" pitchFamily="34" charset="0"/>
+                <a:cs typeface="Arial" panose="020B0604020202020204" pitchFamily="34" charset="0"/>
+              </a:rPr>
+              <a:t> Single </a:t>
+            </a:r>
+            <a:r>
+              <a:rPr lang="es-MX" sz="1600" dirty="0" err="1">
+                <a:latin typeface="Arial" panose="020B0604020202020204" pitchFamily="34" charset="0"/>
+                <a:cs typeface="Arial" panose="020B0604020202020204" pitchFamily="34" charset="0"/>
+              </a:rPr>
+              <a:t>Sign</a:t>
+            </a:r>
+            <a:r>
+              <a:rPr lang="es-MX" sz="1600" dirty="0">
+                <a:latin typeface="Arial" panose="020B0604020202020204" pitchFamily="34" charset="0"/>
+                <a:cs typeface="Arial" panose="020B0604020202020204" pitchFamily="34" charset="0"/>
+              </a:rPr>
+              <a:t>-On para realizar la sincronización de NSX Manager con el sistema </a:t>
+            </a:r>
+            <a:r>
+              <a:rPr lang="es-MX" sz="1600" dirty="0" err="1">
+                <a:latin typeface="Arial" panose="020B0604020202020204" pitchFamily="34" charset="0"/>
+                <a:cs typeface="Arial" panose="020B0604020202020204" pitchFamily="34" charset="0"/>
+              </a:rPr>
+              <a:t>vCenter</a:t>
+            </a:r>
+            <a:r>
+              <a:rPr lang="es-MX" sz="1600" dirty="0">
+                <a:latin typeface="Arial" panose="020B0604020202020204" pitchFamily="34" charset="0"/>
+                <a:cs typeface="Arial" panose="020B0604020202020204" pitchFamily="34" charset="0"/>
+              </a:rPr>
+              <a:t> Server. Si la contraseña de </a:t>
+            </a:r>
+            <a:r>
+              <a:rPr lang="es-MX" sz="1600" dirty="0" err="1">
+                <a:latin typeface="Arial" panose="020B0604020202020204" pitchFamily="34" charset="0"/>
+                <a:cs typeface="Arial" panose="020B0604020202020204" pitchFamily="34" charset="0"/>
+              </a:rPr>
+              <a:t>vCenter</a:t>
+            </a:r>
+            <a:r>
+              <a:rPr lang="es-MX" sz="1600" dirty="0">
+                <a:latin typeface="Arial" panose="020B0604020202020204" pitchFamily="34" charset="0"/>
+                <a:cs typeface="Arial" panose="020B0604020202020204" pitchFamily="34" charset="0"/>
+              </a:rPr>
+              <a:t> tiene caracteres no ASCII, debe cambiarla antes de sincronizar NSX Manager con el sistema </a:t>
+            </a:r>
+            <a:r>
+              <a:rPr lang="es-MX" sz="1600" dirty="0" err="1">
+                <a:latin typeface="Arial" panose="020B0604020202020204" pitchFamily="34" charset="0"/>
+                <a:cs typeface="Arial" panose="020B0604020202020204" pitchFamily="34" charset="0"/>
+              </a:rPr>
+              <a:t>vCenter</a:t>
+            </a:r>
+            <a:r>
+              <a:rPr lang="es-MX" sz="1600" dirty="0">
+                <a:latin typeface="Arial" panose="020B0604020202020204" pitchFamily="34" charset="0"/>
+                <a:cs typeface="Arial" panose="020B0604020202020204" pitchFamily="34" charset="0"/>
+              </a:rPr>
+              <a:t> Server.</a:t>
+            </a:r>
+          </a:p>
+        </p:txBody>
+      </p:sp>
+    </p:spTree>
+    <p:extLst>
+      <p:ext uri="{BB962C8B-B14F-4D97-AF65-F5344CB8AC3E}">
+        <p14:creationId xmlns:p14="http://schemas.microsoft.com/office/powerpoint/2010/main" val="783022293"/>
+      </p:ext>
+    </p:extLst>
+  </p:cSld>
+  <p:clrMapOvr>
+    <a:masterClrMapping/>
+  </p:clrMapOvr>
+</p:sld>
+</file>
+
+<file path=ppt/slides/slide61.xml><?xml version="1.0" encoding="utf-8"?>
+<p:sld xmlns:a="http://schemas.openxmlformats.org/drawingml/2006/main" xmlns:r="http://schemas.openxmlformats.org/officeDocument/2006/relationships" xmlns:p="http://schemas.openxmlformats.org/presentationml/2006/main">
+  <p:cSld>
+    <p:bg>
+      <p:bgPr>
+        <a:blipFill rotWithShape="1">
+          <a:blip r:embed="rId2"/>
+          <a:stretch>
+            <a:fillRect/>
+          </a:stretch>
+        </a:blipFill>
+        <a:effectLst/>
+      </p:bgPr>
+    </p:bg>
+    <p:spTree>
+      <p:nvGrpSpPr>
+        <p:cNvPr id="1" name=""/>
+        <p:cNvGrpSpPr/>
+        <p:nvPr/>
+      </p:nvGrpSpPr>
+      <p:grpSpPr>
+        <a:xfrm>
+          <a:off x="0" y="0"/>
+          <a:ext cx="0" cy="0"/>
+          <a:chOff x="0" y="0"/>
+          <a:chExt cx="0" cy="0"/>
+        </a:xfrm>
+      </p:grpSpPr>
+      <p:sp>
+        <p:nvSpPr>
+          <p:cNvPr id="4" name="CuadroTexto 3">
+            <a:extLst>
+              <a:ext uri="{FF2B5EF4-FFF2-40B4-BE49-F238E27FC236}">
+                <a16:creationId xmlns:a16="http://schemas.microsoft.com/office/drawing/2014/main" id="{22969A7C-AD75-42B9-8681-50349BF7A6A5}"/>
+              </a:ext>
+            </a:extLst>
+          </p:cNvPr>
+          <p:cNvSpPr txBox="1"/>
+          <p:nvPr/>
+        </p:nvSpPr>
+        <p:spPr>
+          <a:xfrm>
+            <a:off x="3104708" y="498764"/>
+            <a:ext cx="6039292" cy="400110"/>
+          </a:xfrm>
+          <a:prstGeom prst="rect">
+            <a:avLst/>
+          </a:prstGeom>
+          <a:noFill/>
+        </p:spPr>
+        <p:txBody>
+          <a:bodyPr wrap="square" rtlCol="0">
+            <a:spAutoFit/>
+          </a:bodyPr>
+          <a:lstStyle/>
+          <a:p>
+            <a:pPr algn="r"/>
+            <a:r>
+              <a:rPr lang="es-MX" sz="2000" dirty="0">
+                <a:latin typeface="Arial" panose="020B0604020202020204" pitchFamily="34" charset="0"/>
+                <a:cs typeface="Arial" panose="020B0604020202020204" pitchFamily="34" charset="0"/>
+              </a:rPr>
+              <a:t>NSX Manager</a:t>
+            </a:r>
+          </a:p>
+        </p:txBody>
+      </p:sp>
+      <p:sp>
+        <p:nvSpPr>
+          <p:cNvPr id="5" name="CuadroTexto 4">
+            <a:extLst>
+              <a:ext uri="{FF2B5EF4-FFF2-40B4-BE49-F238E27FC236}">
+                <a16:creationId xmlns:a16="http://schemas.microsoft.com/office/drawing/2014/main" id="{996360A4-7287-4161-9B02-9963E1AB4B06}"/>
+              </a:ext>
+            </a:extLst>
+          </p:cNvPr>
+          <p:cNvSpPr txBox="1"/>
+          <p:nvPr/>
+        </p:nvSpPr>
+        <p:spPr>
+          <a:xfrm>
+            <a:off x="124688" y="1212273"/>
+            <a:ext cx="8902354" cy="2800767"/>
+          </a:xfrm>
+          <a:prstGeom prst="rect">
+            <a:avLst/>
+          </a:prstGeom>
+          <a:noFill/>
+        </p:spPr>
+        <p:txBody>
+          <a:bodyPr wrap="square" rtlCol="0">
+            <a:spAutoFit/>
+          </a:bodyPr>
+          <a:lstStyle/>
+          <a:p>
+            <a:pPr algn="just"/>
+            <a:r>
+              <a:rPr lang="es-MX" sz="1600" dirty="0">
+                <a:solidFill>
+                  <a:schemeClr val="tx2">
+                    <a:lumMod val="50000"/>
+                  </a:schemeClr>
+                </a:solidFill>
+                <a:latin typeface="Arial" panose="020B0604020202020204" pitchFamily="34" charset="0"/>
+                <a:cs typeface="Arial" panose="020B0604020202020204" pitchFamily="34" charset="0"/>
+              </a:rPr>
+              <a:t>Requisitos de implementación</a:t>
+            </a:r>
+          </a:p>
+          <a:p>
+            <a:pPr algn="just"/>
+            <a:endParaRPr lang="es-MX" sz="1600" dirty="0">
+              <a:latin typeface="Arial" panose="020B0604020202020204" pitchFamily="34" charset="0"/>
+              <a:cs typeface="Arial" panose="020B0604020202020204" pitchFamily="34" charset="0"/>
+            </a:endParaRPr>
+          </a:p>
+          <a:p>
+            <a:pPr algn="just"/>
+            <a:r>
+              <a:rPr lang="es-MX" sz="1600" dirty="0">
+                <a:latin typeface="Arial" panose="020B0604020202020204" pitchFamily="34" charset="0"/>
+                <a:cs typeface="Arial" panose="020B0604020202020204" pitchFamily="34" charset="0"/>
+              </a:rPr>
+              <a:t>Compruebe que la resolución de nombres directa e inversa funciona y que los siguientes sistemas pueden resolver los nombres DNS del resto:</a:t>
+            </a:r>
+          </a:p>
+          <a:p>
+            <a:pPr algn="just"/>
+            <a:endParaRPr lang="es-MX" sz="1600" dirty="0">
+              <a:latin typeface="Arial" panose="020B0604020202020204" pitchFamily="34" charset="0"/>
+              <a:cs typeface="Arial" panose="020B0604020202020204" pitchFamily="34" charset="0"/>
+            </a:endParaRPr>
+          </a:p>
+          <a:p>
+            <a:pPr marL="742950" lvl="1" indent="-285750" algn="just">
+              <a:buFont typeface="Wingdings" panose="05000000000000000000" pitchFamily="2" charset="2"/>
+              <a:buChar char="§"/>
+            </a:pPr>
+            <a:r>
+              <a:rPr lang="es-MX" sz="1600" dirty="0">
+                <a:latin typeface="Arial" panose="020B0604020202020204" pitchFamily="34" charset="0"/>
+                <a:cs typeface="Arial" panose="020B0604020202020204" pitchFamily="34" charset="0"/>
+              </a:rPr>
+              <a:t>Dispositivos NSX Manager</a:t>
+            </a:r>
+          </a:p>
+          <a:p>
+            <a:pPr marL="742950" lvl="1" indent="-285750" algn="just">
+              <a:buFont typeface="Wingdings" panose="05000000000000000000" pitchFamily="2" charset="2"/>
+              <a:buChar char="§"/>
+            </a:pPr>
+            <a:r>
+              <a:rPr lang="es-MX" sz="1600" dirty="0">
+                <a:latin typeface="Arial" panose="020B0604020202020204" pitchFamily="34" charset="0"/>
+                <a:cs typeface="Arial" panose="020B0604020202020204" pitchFamily="34" charset="0"/>
+              </a:rPr>
+              <a:t>Sistemas </a:t>
+            </a:r>
+            <a:r>
+              <a:rPr lang="es-MX" sz="1600" dirty="0" err="1">
+                <a:latin typeface="Arial" panose="020B0604020202020204" pitchFamily="34" charset="0"/>
+                <a:cs typeface="Arial" panose="020B0604020202020204" pitchFamily="34" charset="0"/>
+              </a:rPr>
+              <a:t>vCenter</a:t>
+            </a:r>
+            <a:r>
+              <a:rPr lang="es-MX" sz="1600" dirty="0">
+                <a:latin typeface="Arial" panose="020B0604020202020204" pitchFamily="34" charset="0"/>
+                <a:cs typeface="Arial" panose="020B0604020202020204" pitchFamily="34" charset="0"/>
+              </a:rPr>
+              <a:t> Server</a:t>
+            </a:r>
+          </a:p>
+          <a:p>
+            <a:pPr marL="742950" lvl="1" indent="-285750" algn="just">
+              <a:buFont typeface="Wingdings" panose="05000000000000000000" pitchFamily="2" charset="2"/>
+              <a:buChar char="§"/>
+            </a:pPr>
+            <a:r>
+              <a:rPr lang="es-MX" sz="1600" dirty="0">
+                <a:latin typeface="Arial" panose="020B0604020202020204" pitchFamily="34" charset="0"/>
+                <a:cs typeface="Arial" panose="020B0604020202020204" pitchFamily="34" charset="0"/>
+              </a:rPr>
+              <a:t>Sistemas de </a:t>
+            </a:r>
+            <a:r>
+              <a:rPr lang="es-MX" sz="1600" dirty="0" err="1">
+                <a:latin typeface="Arial" panose="020B0604020202020204" pitchFamily="34" charset="0"/>
+                <a:cs typeface="Arial" panose="020B0604020202020204" pitchFamily="34" charset="0"/>
+              </a:rPr>
+              <a:t>Platform</a:t>
+            </a:r>
+            <a:r>
+              <a:rPr lang="es-MX" sz="1600" dirty="0">
+                <a:latin typeface="Arial" panose="020B0604020202020204" pitchFamily="34" charset="0"/>
+                <a:cs typeface="Arial" panose="020B0604020202020204" pitchFamily="34" charset="0"/>
+              </a:rPr>
+              <a:t> </a:t>
+            </a:r>
+            <a:r>
+              <a:rPr lang="es-MX" sz="1600" dirty="0" err="1">
+                <a:latin typeface="Arial" panose="020B0604020202020204" pitchFamily="34" charset="0"/>
+                <a:cs typeface="Arial" panose="020B0604020202020204" pitchFamily="34" charset="0"/>
+              </a:rPr>
+              <a:t>Services</a:t>
+            </a:r>
+            <a:r>
+              <a:rPr lang="es-MX" sz="1600" dirty="0">
+                <a:latin typeface="Arial" panose="020B0604020202020204" pitchFamily="34" charset="0"/>
+                <a:cs typeface="Arial" panose="020B0604020202020204" pitchFamily="34" charset="0"/>
+              </a:rPr>
+              <a:t> </a:t>
+            </a:r>
+            <a:r>
+              <a:rPr lang="es-MX" sz="1600" dirty="0" err="1">
+                <a:latin typeface="Arial" panose="020B0604020202020204" pitchFamily="34" charset="0"/>
+                <a:cs typeface="Arial" panose="020B0604020202020204" pitchFamily="34" charset="0"/>
+              </a:rPr>
+              <a:t>Controller</a:t>
+            </a:r>
+            <a:endParaRPr lang="es-MX" sz="1600" dirty="0">
+              <a:latin typeface="Arial" panose="020B0604020202020204" pitchFamily="34" charset="0"/>
+              <a:cs typeface="Arial" panose="020B0604020202020204" pitchFamily="34" charset="0"/>
+            </a:endParaRPr>
+          </a:p>
+          <a:p>
+            <a:pPr marL="742950" lvl="1" indent="-285750" algn="just">
+              <a:buFont typeface="Wingdings" panose="05000000000000000000" pitchFamily="2" charset="2"/>
+              <a:buChar char="§"/>
+            </a:pPr>
+            <a:r>
+              <a:rPr lang="es-MX" sz="1600" dirty="0">
+                <a:latin typeface="Arial" panose="020B0604020202020204" pitchFamily="34" charset="0"/>
+                <a:cs typeface="Arial" panose="020B0604020202020204" pitchFamily="34" charset="0"/>
+              </a:rPr>
+              <a:t>Hosts </a:t>
+            </a:r>
+            <a:r>
+              <a:rPr lang="es-MX" sz="1600" dirty="0" err="1">
+                <a:latin typeface="Arial" panose="020B0604020202020204" pitchFamily="34" charset="0"/>
+                <a:cs typeface="Arial" panose="020B0604020202020204" pitchFamily="34" charset="0"/>
+              </a:rPr>
+              <a:t>ESXi</a:t>
+            </a:r>
+            <a:endParaRPr lang="es-MX" sz="1600" dirty="0">
+              <a:latin typeface="Arial" panose="020B0604020202020204" pitchFamily="34" charset="0"/>
+              <a:cs typeface="Arial" panose="020B0604020202020204" pitchFamily="34" charset="0"/>
+            </a:endParaRPr>
+          </a:p>
+          <a:p>
+            <a:pPr marL="742950" lvl="1" indent="-285750" algn="just">
+              <a:buFont typeface="Wingdings" panose="05000000000000000000" pitchFamily="2" charset="2"/>
+              <a:buChar char="§"/>
+            </a:pPr>
+            <a:endParaRPr lang="es-MX" sz="1600" dirty="0">
+              <a:latin typeface="Arial" panose="020B0604020202020204" pitchFamily="34" charset="0"/>
+              <a:cs typeface="Arial" panose="020B0604020202020204" pitchFamily="34" charset="0"/>
+            </a:endParaRPr>
+          </a:p>
+          <a:p>
+            <a:pPr algn="just"/>
+            <a:r>
+              <a:rPr lang="es-MX" sz="1600" dirty="0">
+                <a:latin typeface="Arial" panose="020B0604020202020204" pitchFamily="34" charset="0"/>
+                <a:cs typeface="Arial" panose="020B0604020202020204" pitchFamily="34" charset="0"/>
+              </a:rPr>
+              <a:t>*Consulte el manual oficial para recibir indicaciones sobre el cómo instalar NSX Manager</a:t>
+            </a:r>
+          </a:p>
+        </p:txBody>
+      </p:sp>
+    </p:spTree>
+    <p:extLst>
+      <p:ext uri="{BB962C8B-B14F-4D97-AF65-F5344CB8AC3E}">
+        <p14:creationId xmlns:p14="http://schemas.microsoft.com/office/powerpoint/2010/main" val="527177359"/>
+      </p:ext>
+    </p:extLst>
+  </p:cSld>
+  <p:clrMapOvr>
+    <a:masterClrMapping/>
+  </p:clrMapOvr>
+</p:sld>
+</file>
+
+<file path=ppt/slides/slide62.xml><?xml version="1.0" encoding="utf-8"?>
+<p:sld xmlns:a="http://schemas.openxmlformats.org/drawingml/2006/main" xmlns:r="http://schemas.openxmlformats.org/officeDocument/2006/relationships" xmlns:p="http://schemas.openxmlformats.org/presentationml/2006/main">
+  <p:cSld>
+    <p:bg>
+      <p:bgPr>
+        <a:blipFill rotWithShape="1">
+          <a:blip r:embed="rId2"/>
+          <a:stretch>
+            <a:fillRect/>
+          </a:stretch>
+        </a:blipFill>
+        <a:effectLst/>
+      </p:bgPr>
+    </p:bg>
+    <p:spTree>
+      <p:nvGrpSpPr>
+        <p:cNvPr id="1" name=""/>
+        <p:cNvGrpSpPr/>
+        <p:nvPr/>
+      </p:nvGrpSpPr>
+      <p:grpSpPr>
+        <a:xfrm>
+          <a:off x="0" y="0"/>
+          <a:ext cx="0" cy="0"/>
+          <a:chOff x="0" y="0"/>
+          <a:chExt cx="0" cy="0"/>
+        </a:xfrm>
+      </p:grpSpPr>
+      <p:sp>
+        <p:nvSpPr>
+          <p:cNvPr id="4" name="CuadroTexto 3">
+            <a:extLst>
+              <a:ext uri="{FF2B5EF4-FFF2-40B4-BE49-F238E27FC236}">
+                <a16:creationId xmlns:a16="http://schemas.microsoft.com/office/drawing/2014/main" id="{22969A7C-AD75-42B9-8681-50349BF7A6A5}"/>
+              </a:ext>
+            </a:extLst>
+          </p:cNvPr>
+          <p:cNvSpPr txBox="1"/>
+          <p:nvPr/>
+        </p:nvSpPr>
+        <p:spPr>
+          <a:xfrm>
+            <a:off x="3104708" y="498764"/>
+            <a:ext cx="6039292" cy="400110"/>
+          </a:xfrm>
+          <a:prstGeom prst="rect">
+            <a:avLst/>
+          </a:prstGeom>
+          <a:noFill/>
+        </p:spPr>
+        <p:txBody>
+          <a:bodyPr wrap="square" rtlCol="0">
+            <a:spAutoFit/>
+          </a:bodyPr>
+          <a:lstStyle/>
+          <a:p>
+            <a:pPr algn="r"/>
+            <a:r>
+              <a:rPr lang="es-MX" sz="2000" dirty="0" err="1">
+                <a:latin typeface="Arial" panose="020B0604020202020204" pitchFamily="34" charset="0"/>
+                <a:cs typeface="Arial" panose="020B0604020202020204" pitchFamily="34" charset="0"/>
+              </a:rPr>
+              <a:t>Clusters</a:t>
+            </a:r>
+            <a:r>
+              <a:rPr lang="es-MX" sz="2000" dirty="0">
+                <a:latin typeface="Arial" panose="020B0604020202020204" pitchFamily="34" charset="0"/>
+                <a:cs typeface="Arial" panose="020B0604020202020204" pitchFamily="34" charset="0"/>
+              </a:rPr>
+              <a:t> del NSX </a:t>
+            </a:r>
+            <a:r>
+              <a:rPr lang="es-MX" sz="2000" dirty="0" err="1">
+                <a:latin typeface="Arial" panose="020B0604020202020204" pitchFamily="34" charset="0"/>
+                <a:cs typeface="Arial" panose="020B0604020202020204" pitchFamily="34" charset="0"/>
+              </a:rPr>
+              <a:t>Controller</a:t>
+            </a:r>
+            <a:endParaRPr lang="es-MX" sz="2000" dirty="0">
+              <a:latin typeface="Arial" panose="020B0604020202020204" pitchFamily="34" charset="0"/>
+              <a:cs typeface="Arial" panose="020B0604020202020204" pitchFamily="34" charset="0"/>
+            </a:endParaRPr>
+          </a:p>
+        </p:txBody>
+      </p:sp>
+      <p:sp>
+        <p:nvSpPr>
+          <p:cNvPr id="5" name="CuadroTexto 4">
+            <a:extLst>
+              <a:ext uri="{FF2B5EF4-FFF2-40B4-BE49-F238E27FC236}">
+                <a16:creationId xmlns:a16="http://schemas.microsoft.com/office/drawing/2014/main" id="{996360A4-7287-4161-9B02-9963E1AB4B06}"/>
+              </a:ext>
+            </a:extLst>
+          </p:cNvPr>
+          <p:cNvSpPr txBox="1"/>
+          <p:nvPr/>
+        </p:nvSpPr>
+        <p:spPr>
+          <a:xfrm>
+            <a:off x="124688" y="1212273"/>
+            <a:ext cx="8902354" cy="2308324"/>
+          </a:xfrm>
+          <a:prstGeom prst="rect">
+            <a:avLst/>
+          </a:prstGeom>
+          <a:noFill/>
+        </p:spPr>
+        <p:txBody>
+          <a:bodyPr wrap="square" rtlCol="0">
+            <a:spAutoFit/>
+          </a:bodyPr>
+          <a:lstStyle/>
+          <a:p>
+            <a:pPr algn="just"/>
+            <a:r>
+              <a:rPr lang="es-MX" sz="1600" dirty="0">
+                <a:latin typeface="Arial" panose="020B0604020202020204" pitchFamily="34" charset="0"/>
+                <a:cs typeface="Arial" panose="020B0604020202020204" pitchFamily="34" charset="0"/>
+              </a:rPr>
+              <a:t>NSX </a:t>
+            </a:r>
+            <a:r>
+              <a:rPr lang="es-MX" sz="1600" dirty="0" err="1">
+                <a:latin typeface="Arial" panose="020B0604020202020204" pitchFamily="34" charset="0"/>
+                <a:cs typeface="Arial" panose="020B0604020202020204" pitchFamily="34" charset="0"/>
+              </a:rPr>
+              <a:t>Controller</a:t>
+            </a:r>
+            <a:r>
+              <a:rPr lang="es-MX" sz="1600" dirty="0">
+                <a:latin typeface="Arial" panose="020B0604020202020204" pitchFamily="34" charset="0"/>
+                <a:cs typeface="Arial" panose="020B0604020202020204" pitchFamily="34" charset="0"/>
+              </a:rPr>
+              <a:t> es un sistema avanzado de </a:t>
+            </a:r>
+            <a:r>
+              <a:rPr lang="es-MX" sz="1600" dirty="0" err="1">
+                <a:latin typeface="Arial" panose="020B0604020202020204" pitchFamily="34" charset="0"/>
+                <a:cs typeface="Arial" panose="020B0604020202020204" pitchFamily="34" charset="0"/>
+              </a:rPr>
+              <a:t>gestion</a:t>
+            </a:r>
+            <a:r>
+              <a:rPr lang="es-MX" sz="1600" dirty="0">
+                <a:latin typeface="Arial" panose="020B0604020202020204" pitchFamily="34" charset="0"/>
+                <a:cs typeface="Arial" panose="020B0604020202020204" pitchFamily="34" charset="0"/>
+              </a:rPr>
+              <a:t> que controla las redes virtuales.  Es el punto de control central para todas las redes </a:t>
+            </a:r>
+            <a:r>
+              <a:rPr lang="es-MX" sz="1600" dirty="0" err="1">
+                <a:latin typeface="Arial" panose="020B0604020202020204" pitchFamily="34" charset="0"/>
+                <a:cs typeface="Arial" panose="020B0604020202020204" pitchFamily="34" charset="0"/>
+              </a:rPr>
+              <a:t>logicas</a:t>
+            </a:r>
+            <a:r>
+              <a:rPr lang="es-MX" sz="1600" dirty="0">
+                <a:latin typeface="Arial" panose="020B0604020202020204" pitchFamily="34" charset="0"/>
+                <a:cs typeface="Arial" panose="020B0604020202020204" pitchFamily="34" charset="0"/>
+              </a:rPr>
+              <a:t> y mantiene </a:t>
+            </a:r>
+            <a:r>
+              <a:rPr lang="es-MX" sz="1600" dirty="0" err="1">
+                <a:latin typeface="Arial" panose="020B0604020202020204" pitchFamily="34" charset="0"/>
+                <a:cs typeface="Arial" panose="020B0604020202020204" pitchFamily="34" charset="0"/>
+              </a:rPr>
+              <a:t>informacion</a:t>
+            </a:r>
+            <a:r>
+              <a:rPr lang="es-MX" sz="1600" dirty="0">
+                <a:latin typeface="Arial" panose="020B0604020202020204" pitchFamily="34" charset="0"/>
+                <a:cs typeface="Arial" panose="020B0604020202020204" pitchFamily="34" charset="0"/>
+              </a:rPr>
+              <a:t> acerca de las maquinas virtuales, hosts, </a:t>
+            </a:r>
+            <a:r>
+              <a:rPr lang="es-MX" sz="1600" dirty="0" err="1">
+                <a:latin typeface="Arial" panose="020B0604020202020204" pitchFamily="34" charset="0"/>
+                <a:cs typeface="Arial" panose="020B0604020202020204" pitchFamily="34" charset="0"/>
+              </a:rPr>
+              <a:t>switches</a:t>
+            </a:r>
+            <a:r>
+              <a:rPr lang="es-MX" sz="1600" dirty="0">
+                <a:latin typeface="Arial" panose="020B0604020202020204" pitchFamily="34" charset="0"/>
+                <a:cs typeface="Arial" panose="020B0604020202020204" pitchFamily="34" charset="0"/>
+              </a:rPr>
+              <a:t> </a:t>
+            </a:r>
+            <a:r>
+              <a:rPr lang="es-MX" sz="1600" dirty="0" err="1">
+                <a:latin typeface="Arial" panose="020B0604020202020204" pitchFamily="34" charset="0"/>
+                <a:cs typeface="Arial" panose="020B0604020202020204" pitchFamily="34" charset="0"/>
+              </a:rPr>
+              <a:t>logicos</a:t>
+            </a:r>
+            <a:r>
+              <a:rPr lang="es-MX" sz="1600" dirty="0">
+                <a:latin typeface="Arial" panose="020B0604020202020204" pitchFamily="34" charset="0"/>
+                <a:cs typeface="Arial" panose="020B0604020202020204" pitchFamily="34" charset="0"/>
+              </a:rPr>
+              <a:t> y </a:t>
+            </a:r>
+            <a:r>
+              <a:rPr lang="es-MX" sz="1600" dirty="0" err="1">
+                <a:latin typeface="Arial" panose="020B0604020202020204" pitchFamily="34" charset="0"/>
+                <a:cs typeface="Arial" panose="020B0604020202020204" pitchFamily="34" charset="0"/>
+              </a:rPr>
+              <a:t>routers</a:t>
+            </a:r>
+            <a:r>
+              <a:rPr lang="es-MX" sz="1600" dirty="0">
+                <a:latin typeface="Arial" panose="020B0604020202020204" pitchFamily="34" charset="0"/>
+                <a:cs typeface="Arial" panose="020B0604020202020204" pitchFamily="34" charset="0"/>
+              </a:rPr>
+              <a:t> </a:t>
+            </a:r>
+            <a:r>
+              <a:rPr lang="es-MX" sz="1600" dirty="0" err="1">
+                <a:latin typeface="Arial" panose="020B0604020202020204" pitchFamily="34" charset="0"/>
+                <a:cs typeface="Arial" panose="020B0604020202020204" pitchFamily="34" charset="0"/>
+              </a:rPr>
+              <a:t>logicos</a:t>
+            </a:r>
+            <a:r>
+              <a:rPr lang="es-MX" sz="1600" dirty="0">
+                <a:latin typeface="Arial" panose="020B0604020202020204" pitchFamily="34" charset="0"/>
+                <a:cs typeface="Arial" panose="020B0604020202020204" pitchFamily="34" charset="0"/>
+              </a:rPr>
+              <a:t> distribuidos.  Entre las responsabilidades de NSX </a:t>
+            </a:r>
+            <a:r>
+              <a:rPr lang="es-MX" sz="1600" dirty="0" err="1">
+                <a:latin typeface="Arial" panose="020B0604020202020204" pitchFamily="34" charset="0"/>
+                <a:cs typeface="Arial" panose="020B0604020202020204" pitchFamily="34" charset="0"/>
+              </a:rPr>
+              <a:t>Controller</a:t>
+            </a:r>
+            <a:r>
+              <a:rPr lang="es-MX" sz="1600" dirty="0">
+                <a:latin typeface="Arial" panose="020B0604020202020204" pitchFamily="34" charset="0"/>
+                <a:cs typeface="Arial" panose="020B0604020202020204" pitchFamily="34" charset="0"/>
+              </a:rPr>
+              <a:t> está el mantener las siguientes tablas:</a:t>
+            </a:r>
+          </a:p>
+          <a:p>
+            <a:pPr algn="just"/>
+            <a:endParaRPr lang="es-MX" sz="1600" dirty="0">
+              <a:latin typeface="Arial" panose="020B0604020202020204" pitchFamily="34" charset="0"/>
+              <a:cs typeface="Arial" panose="020B0604020202020204" pitchFamily="34" charset="0"/>
+            </a:endParaRPr>
+          </a:p>
+          <a:p>
+            <a:pPr marL="742950" lvl="1" indent="-285750" algn="just">
+              <a:buFont typeface="Wingdings" panose="05000000000000000000" pitchFamily="2" charset="2"/>
+              <a:buChar char="§"/>
+            </a:pPr>
+            <a:r>
+              <a:rPr lang="es-MX" sz="1600" dirty="0">
+                <a:latin typeface="Arial" panose="020B0604020202020204" pitchFamily="34" charset="0"/>
+                <a:cs typeface="Arial" panose="020B0604020202020204" pitchFamily="34" charset="0"/>
+              </a:rPr>
+              <a:t>Tabla ARP</a:t>
+            </a:r>
+          </a:p>
+          <a:p>
+            <a:pPr marL="742950" lvl="1" indent="-285750" algn="just">
+              <a:buFont typeface="Wingdings" panose="05000000000000000000" pitchFamily="2" charset="2"/>
+              <a:buChar char="§"/>
+            </a:pPr>
+            <a:r>
+              <a:rPr lang="es-MX" sz="1600" dirty="0">
+                <a:latin typeface="Arial" panose="020B0604020202020204" pitchFamily="34" charset="0"/>
+                <a:cs typeface="Arial" panose="020B0604020202020204" pitchFamily="34" charset="0"/>
+              </a:rPr>
+              <a:t>Tabla MAC</a:t>
+            </a:r>
+          </a:p>
+          <a:p>
+            <a:pPr marL="742950" lvl="1" indent="-285750" algn="just">
+              <a:buFont typeface="Wingdings" panose="05000000000000000000" pitchFamily="2" charset="2"/>
+              <a:buChar char="§"/>
+            </a:pPr>
+            <a:r>
+              <a:rPr lang="es-MX" sz="1600" dirty="0">
+                <a:latin typeface="Arial" panose="020B0604020202020204" pitchFamily="34" charset="0"/>
+                <a:cs typeface="Arial" panose="020B0604020202020204" pitchFamily="34" charset="0"/>
+              </a:rPr>
+              <a:t>Tabla VTEP</a:t>
+            </a:r>
+          </a:p>
+          <a:p>
+            <a:pPr marL="742950" lvl="1" indent="-285750" algn="just">
+              <a:buFont typeface="Wingdings" panose="05000000000000000000" pitchFamily="2" charset="2"/>
+              <a:buChar char="§"/>
+            </a:pPr>
+            <a:r>
+              <a:rPr lang="es-MX" sz="1600" dirty="0">
+                <a:latin typeface="Arial" panose="020B0604020202020204" pitchFamily="34" charset="0"/>
+                <a:cs typeface="Arial" panose="020B0604020202020204" pitchFamily="34" charset="0"/>
+              </a:rPr>
+              <a:t>Tablas de </a:t>
+            </a:r>
+            <a:r>
+              <a:rPr lang="es-MX" sz="1600" dirty="0" err="1">
+                <a:latin typeface="Arial" panose="020B0604020202020204" pitchFamily="34" charset="0"/>
+                <a:cs typeface="Arial" panose="020B0604020202020204" pitchFamily="34" charset="0"/>
+              </a:rPr>
+              <a:t>routing</a:t>
+            </a:r>
+            <a:endParaRPr lang="es-MX" sz="1600" dirty="0">
+              <a:latin typeface="Arial" panose="020B0604020202020204" pitchFamily="34" charset="0"/>
+              <a:cs typeface="Arial" panose="020B0604020202020204" pitchFamily="34" charset="0"/>
+            </a:endParaRPr>
+          </a:p>
+        </p:txBody>
+      </p:sp>
+    </p:spTree>
+    <p:extLst>
+      <p:ext uri="{BB962C8B-B14F-4D97-AF65-F5344CB8AC3E}">
+        <p14:creationId xmlns:p14="http://schemas.microsoft.com/office/powerpoint/2010/main" val="3535113889"/>
+      </p:ext>
+    </p:extLst>
+  </p:cSld>
+  <p:clrMapOvr>
+    <a:masterClrMapping/>
+  </p:clrMapOvr>
+</p:sld>
+</file>
+
+<file path=ppt/slides/slide63.xml><?xml version="1.0" encoding="utf-8"?>
+<p:sld xmlns:a="http://schemas.openxmlformats.org/drawingml/2006/main" xmlns:r="http://schemas.openxmlformats.org/officeDocument/2006/relationships" xmlns:p="http://schemas.openxmlformats.org/presentationml/2006/main">
+  <p:cSld>
+    <p:bg>
+      <p:bgPr>
+        <a:blipFill rotWithShape="1">
+          <a:blip r:embed="rId2"/>
+          <a:stretch>
+            <a:fillRect/>
+          </a:stretch>
+        </a:blipFill>
+        <a:effectLst/>
+      </p:bgPr>
+    </p:bg>
+    <p:spTree>
+      <p:nvGrpSpPr>
+        <p:cNvPr id="1" name=""/>
+        <p:cNvGrpSpPr/>
+        <p:nvPr/>
+      </p:nvGrpSpPr>
+      <p:grpSpPr>
+        <a:xfrm>
+          <a:off x="0" y="0"/>
+          <a:ext cx="0" cy="0"/>
+          <a:chOff x="0" y="0"/>
+          <a:chExt cx="0" cy="0"/>
+        </a:xfrm>
+      </p:grpSpPr>
+      <p:sp>
+        <p:nvSpPr>
+          <p:cNvPr id="4" name="CuadroTexto 3">
+            <a:extLst>
+              <a:ext uri="{FF2B5EF4-FFF2-40B4-BE49-F238E27FC236}">
+                <a16:creationId xmlns:a16="http://schemas.microsoft.com/office/drawing/2014/main" id="{22969A7C-AD75-42B9-8681-50349BF7A6A5}"/>
+              </a:ext>
+            </a:extLst>
+          </p:cNvPr>
+          <p:cNvSpPr txBox="1"/>
+          <p:nvPr/>
+        </p:nvSpPr>
+        <p:spPr>
+          <a:xfrm>
+            <a:off x="3104708" y="498764"/>
+            <a:ext cx="6039292" cy="400110"/>
+          </a:xfrm>
+          <a:prstGeom prst="rect">
+            <a:avLst/>
+          </a:prstGeom>
+          <a:noFill/>
+        </p:spPr>
+        <p:txBody>
+          <a:bodyPr wrap="square" rtlCol="0">
+            <a:spAutoFit/>
+          </a:bodyPr>
+          <a:lstStyle/>
+          <a:p>
+            <a:pPr algn="r"/>
+            <a:r>
+              <a:rPr lang="es-MX" sz="2000" dirty="0" err="1">
+                <a:latin typeface="Arial" panose="020B0604020202020204" pitchFamily="34" charset="0"/>
+                <a:cs typeface="Arial" panose="020B0604020202020204" pitchFamily="34" charset="0"/>
+              </a:rPr>
+              <a:t>Clusters</a:t>
+            </a:r>
+            <a:r>
+              <a:rPr lang="es-MX" sz="2000" dirty="0">
+                <a:latin typeface="Arial" panose="020B0604020202020204" pitchFamily="34" charset="0"/>
+                <a:cs typeface="Arial" panose="020B0604020202020204" pitchFamily="34" charset="0"/>
+              </a:rPr>
+              <a:t> del NSX </a:t>
+            </a:r>
+            <a:r>
+              <a:rPr lang="es-MX" sz="2000" dirty="0" err="1">
+                <a:latin typeface="Arial" panose="020B0604020202020204" pitchFamily="34" charset="0"/>
+                <a:cs typeface="Arial" panose="020B0604020202020204" pitchFamily="34" charset="0"/>
+              </a:rPr>
+              <a:t>Controller</a:t>
+            </a:r>
+            <a:endParaRPr lang="es-MX" sz="2000" dirty="0">
+              <a:latin typeface="Arial" panose="020B0604020202020204" pitchFamily="34" charset="0"/>
+              <a:cs typeface="Arial" panose="020B0604020202020204" pitchFamily="34" charset="0"/>
+            </a:endParaRPr>
+          </a:p>
+        </p:txBody>
+      </p:sp>
+      <p:sp>
+        <p:nvSpPr>
+          <p:cNvPr id="5" name="CuadroTexto 4">
+            <a:extLst>
+              <a:ext uri="{FF2B5EF4-FFF2-40B4-BE49-F238E27FC236}">
+                <a16:creationId xmlns:a16="http://schemas.microsoft.com/office/drawing/2014/main" id="{996360A4-7287-4161-9B02-9963E1AB4B06}"/>
+              </a:ext>
+            </a:extLst>
+          </p:cNvPr>
+          <p:cNvSpPr txBox="1"/>
+          <p:nvPr/>
+        </p:nvSpPr>
+        <p:spPr>
+          <a:xfrm>
+            <a:off x="124688" y="1212273"/>
+            <a:ext cx="8902354" cy="3046988"/>
+          </a:xfrm>
+          <a:prstGeom prst="rect">
+            <a:avLst/>
+          </a:prstGeom>
+          <a:noFill/>
+        </p:spPr>
+        <p:txBody>
+          <a:bodyPr wrap="square" rtlCol="0">
+            <a:spAutoFit/>
+          </a:bodyPr>
+          <a:lstStyle/>
+          <a:p>
+            <a:pPr algn="just"/>
+            <a:r>
+              <a:rPr lang="es-MX" sz="1600" dirty="0" err="1">
+                <a:latin typeface="Arial" panose="020B0604020202020204" pitchFamily="34" charset="0"/>
+                <a:cs typeface="Arial" panose="020B0604020202020204" pitchFamily="34" charset="0"/>
+              </a:rPr>
+              <a:t>Basicamente</a:t>
+            </a:r>
+            <a:r>
+              <a:rPr lang="es-MX" sz="1600" dirty="0">
+                <a:latin typeface="Arial" panose="020B0604020202020204" pitchFamily="34" charset="0"/>
+                <a:cs typeface="Arial" panose="020B0604020202020204" pitchFamily="34" charset="0"/>
+              </a:rPr>
+              <a:t>, NSX </a:t>
+            </a:r>
+            <a:r>
+              <a:rPr lang="es-MX" sz="1600" dirty="0" err="1">
+                <a:latin typeface="Arial" panose="020B0604020202020204" pitchFamily="34" charset="0"/>
+                <a:cs typeface="Arial" panose="020B0604020202020204" pitchFamily="34" charset="0"/>
+              </a:rPr>
+              <a:t>Controller</a:t>
+            </a:r>
+            <a:r>
+              <a:rPr lang="es-MX" sz="1600" dirty="0">
+                <a:latin typeface="Arial" panose="020B0604020202020204" pitchFamily="34" charset="0"/>
+                <a:cs typeface="Arial" panose="020B0604020202020204" pitchFamily="34" charset="0"/>
+              </a:rPr>
+              <a:t> se encarga de recolectar la información de configuración de red aprendida por los hosts </a:t>
+            </a:r>
+            <a:r>
+              <a:rPr lang="es-MX" sz="1600" dirty="0" err="1">
+                <a:latin typeface="Arial" panose="020B0604020202020204" pitchFamily="34" charset="0"/>
+                <a:cs typeface="Arial" panose="020B0604020202020204" pitchFamily="34" charset="0"/>
+              </a:rPr>
+              <a:t>ESXi</a:t>
+            </a:r>
+            <a:r>
+              <a:rPr lang="es-MX" sz="1600" dirty="0">
+                <a:latin typeface="Arial" panose="020B0604020202020204" pitchFamily="34" charset="0"/>
+                <a:cs typeface="Arial" panose="020B0604020202020204" pitchFamily="34" charset="0"/>
+              </a:rPr>
+              <a:t> y por los NSX </a:t>
+            </a:r>
+            <a:r>
+              <a:rPr lang="es-MX" sz="1600" dirty="0" err="1">
+                <a:latin typeface="Arial" panose="020B0604020202020204" pitchFamily="34" charset="0"/>
+                <a:cs typeface="Arial" panose="020B0604020202020204" pitchFamily="34" charset="0"/>
+              </a:rPr>
+              <a:t>Logical</a:t>
+            </a:r>
+            <a:r>
+              <a:rPr lang="es-MX" sz="1600" dirty="0">
+                <a:latin typeface="Arial" panose="020B0604020202020204" pitchFamily="34" charset="0"/>
+                <a:cs typeface="Arial" panose="020B0604020202020204" pitchFamily="34" charset="0"/>
+              </a:rPr>
+              <a:t> </a:t>
+            </a:r>
+            <a:r>
+              <a:rPr lang="es-MX" sz="1600" dirty="0" err="1">
+                <a:latin typeface="Arial" panose="020B0604020202020204" pitchFamily="34" charset="0"/>
+                <a:cs typeface="Arial" panose="020B0604020202020204" pitchFamily="34" charset="0"/>
+              </a:rPr>
+              <a:t>Router</a:t>
+            </a:r>
+            <a:r>
+              <a:rPr lang="es-MX" sz="1600" dirty="0">
+                <a:latin typeface="Arial" panose="020B0604020202020204" pitchFamily="34" charset="0"/>
+                <a:cs typeface="Arial" panose="020B0604020202020204" pitchFamily="34" charset="0"/>
+              </a:rPr>
+              <a:t> Control VM.  Esta información incluye los VTEP de cada hosts </a:t>
+            </a:r>
+            <a:r>
+              <a:rPr lang="es-MX" sz="1600" dirty="0" err="1">
+                <a:latin typeface="Arial" panose="020B0604020202020204" pitchFamily="34" charset="0"/>
+                <a:cs typeface="Arial" panose="020B0604020202020204" pitchFamily="34" charset="0"/>
+              </a:rPr>
+              <a:t>ESXi</a:t>
+            </a:r>
+            <a:r>
+              <a:rPr lang="es-MX" sz="1600" dirty="0">
+                <a:latin typeface="Arial" panose="020B0604020202020204" pitchFamily="34" charset="0"/>
+                <a:cs typeface="Arial" panose="020B0604020202020204" pitchFamily="34" charset="0"/>
+              </a:rPr>
+              <a:t>, las rutas </a:t>
+            </a:r>
+            <a:r>
+              <a:rPr lang="es-MX" sz="1600" dirty="0" err="1">
+                <a:latin typeface="Arial" panose="020B0604020202020204" pitchFamily="34" charset="0"/>
+                <a:cs typeface="Arial" panose="020B0604020202020204" pitchFamily="34" charset="0"/>
+              </a:rPr>
+              <a:t>dinamicas</a:t>
+            </a:r>
+            <a:r>
+              <a:rPr lang="es-MX" sz="1600" dirty="0">
+                <a:latin typeface="Arial" panose="020B0604020202020204" pitchFamily="34" charset="0"/>
+                <a:cs typeface="Arial" panose="020B0604020202020204" pitchFamily="34" charset="0"/>
+              </a:rPr>
+              <a:t> aprendidas a través de protocolos de </a:t>
+            </a:r>
+            <a:r>
+              <a:rPr lang="es-MX" sz="1600" dirty="0" err="1">
+                <a:latin typeface="Arial" panose="020B0604020202020204" pitchFamily="34" charset="0"/>
+                <a:cs typeface="Arial" panose="020B0604020202020204" pitchFamily="34" charset="0"/>
+              </a:rPr>
+              <a:t>routing</a:t>
+            </a:r>
+            <a:r>
+              <a:rPr lang="es-MX" sz="1600" dirty="0">
+                <a:latin typeface="Arial" panose="020B0604020202020204" pitchFamily="34" charset="0"/>
+                <a:cs typeface="Arial" panose="020B0604020202020204" pitchFamily="34" charset="0"/>
+              </a:rPr>
+              <a:t> </a:t>
+            </a:r>
+            <a:r>
+              <a:rPr lang="es-MX" sz="1600" dirty="0" err="1">
+                <a:latin typeface="Arial" panose="020B0604020202020204" pitchFamily="34" charset="0"/>
+                <a:cs typeface="Arial" panose="020B0604020202020204" pitchFamily="34" charset="0"/>
+              </a:rPr>
+              <a:t>dinamico</a:t>
+            </a:r>
+            <a:r>
+              <a:rPr lang="es-MX" sz="1600" dirty="0">
+                <a:latin typeface="Arial" panose="020B0604020202020204" pitchFamily="34" charset="0"/>
+                <a:cs typeface="Arial" panose="020B0604020202020204" pitchFamily="34" charset="0"/>
+              </a:rPr>
+              <a:t> como BGP o OSPF.  Toda la comunicación se lleva a cabo a través del uso de los </a:t>
+            </a:r>
+            <a:r>
+              <a:rPr lang="es-MX" sz="1600" dirty="0" err="1">
+                <a:latin typeface="Arial" panose="020B0604020202020204" pitchFamily="34" charset="0"/>
+                <a:cs typeface="Arial" panose="020B0604020202020204" pitchFamily="34" charset="0"/>
+              </a:rPr>
+              <a:t>User</a:t>
+            </a:r>
+            <a:r>
+              <a:rPr lang="es-MX" sz="1600" dirty="0">
+                <a:latin typeface="Arial" panose="020B0604020202020204" pitchFamily="34" charset="0"/>
+                <a:cs typeface="Arial" panose="020B0604020202020204" pitchFamily="34" charset="0"/>
+              </a:rPr>
+              <a:t> World </a:t>
+            </a:r>
+            <a:r>
+              <a:rPr lang="es-MX" sz="1600" dirty="0" err="1">
+                <a:latin typeface="Arial" panose="020B0604020202020204" pitchFamily="34" charset="0"/>
+                <a:cs typeface="Arial" panose="020B0604020202020204" pitchFamily="34" charset="0"/>
+              </a:rPr>
+              <a:t>Agents</a:t>
+            </a:r>
+            <a:r>
+              <a:rPr lang="es-MX" sz="1600" dirty="0">
+                <a:latin typeface="Arial" panose="020B0604020202020204" pitchFamily="34" charset="0"/>
+                <a:cs typeface="Arial" panose="020B0604020202020204" pitchFamily="34" charset="0"/>
+              </a:rPr>
+              <a:t>.</a:t>
+            </a:r>
+          </a:p>
+          <a:p>
+            <a:pPr algn="just"/>
+            <a:endParaRPr lang="es-MX" sz="1600" dirty="0">
+              <a:latin typeface="Arial" panose="020B0604020202020204" pitchFamily="34" charset="0"/>
+              <a:cs typeface="Arial" panose="020B0604020202020204" pitchFamily="34" charset="0"/>
+            </a:endParaRPr>
+          </a:p>
+          <a:p>
+            <a:pPr algn="just"/>
+            <a:r>
+              <a:rPr lang="es-MX" sz="1600" dirty="0">
+                <a:latin typeface="Arial" panose="020B0604020202020204" pitchFamily="34" charset="0"/>
+                <a:cs typeface="Arial" panose="020B0604020202020204" pitchFamily="34" charset="0"/>
+              </a:rPr>
+              <a:t>NSX </a:t>
+            </a:r>
+            <a:r>
+              <a:rPr lang="es-MX" sz="1600" dirty="0" err="1">
+                <a:latin typeface="Arial" panose="020B0604020202020204" pitchFamily="34" charset="0"/>
+                <a:cs typeface="Arial" panose="020B0604020202020204" pitchFamily="34" charset="0"/>
+              </a:rPr>
+              <a:t>Controller</a:t>
+            </a:r>
+            <a:r>
+              <a:rPr lang="es-MX" sz="1600" dirty="0">
+                <a:latin typeface="Arial" panose="020B0604020202020204" pitchFamily="34" charset="0"/>
+                <a:cs typeface="Arial" panose="020B0604020202020204" pitchFamily="34" charset="0"/>
+              </a:rPr>
+              <a:t>, al pertenecer al plano de Control, no tiene ningún trafico de datos pasando a través de el.  Debido a esto, cualquier falla en los nodos NSX </a:t>
+            </a:r>
+            <a:r>
+              <a:rPr lang="es-MX" sz="1600" dirty="0" err="1">
+                <a:latin typeface="Arial" panose="020B0604020202020204" pitchFamily="34" charset="0"/>
+                <a:cs typeface="Arial" panose="020B0604020202020204" pitchFamily="34" charset="0"/>
+              </a:rPr>
+              <a:t>Controller</a:t>
+            </a:r>
+            <a:r>
+              <a:rPr lang="es-MX" sz="1600" dirty="0">
+                <a:latin typeface="Arial" panose="020B0604020202020204" pitchFamily="34" charset="0"/>
+                <a:cs typeface="Arial" panose="020B0604020202020204" pitchFamily="34" charset="0"/>
+              </a:rPr>
+              <a:t> no genera impacto alguno en el trafico a nivel de Data </a:t>
+            </a:r>
+            <a:r>
+              <a:rPr lang="es-MX" sz="1600" dirty="0" err="1">
+                <a:latin typeface="Arial" panose="020B0604020202020204" pitchFamily="34" charset="0"/>
+                <a:cs typeface="Arial" panose="020B0604020202020204" pitchFamily="34" charset="0"/>
+              </a:rPr>
+              <a:t>Plane</a:t>
+            </a:r>
+            <a:r>
+              <a:rPr lang="es-MX" sz="1600" dirty="0">
+                <a:latin typeface="Arial" panose="020B0604020202020204" pitchFamily="34" charset="0"/>
+                <a:cs typeface="Arial" panose="020B0604020202020204" pitchFamily="34" charset="0"/>
+              </a:rPr>
+              <a:t>. </a:t>
+            </a:r>
+          </a:p>
+          <a:p>
+            <a:pPr algn="just"/>
+            <a:endParaRPr lang="es-MX" sz="1600" dirty="0">
+              <a:latin typeface="Arial" panose="020B0604020202020204" pitchFamily="34" charset="0"/>
+              <a:cs typeface="Arial" panose="020B0604020202020204" pitchFamily="34" charset="0"/>
+            </a:endParaRPr>
+          </a:p>
+          <a:p>
+            <a:pPr algn="just"/>
+            <a:r>
+              <a:rPr lang="es-MX" sz="1600" dirty="0">
+                <a:latin typeface="Arial" panose="020B0604020202020204" pitchFamily="34" charset="0"/>
+                <a:cs typeface="Arial" panose="020B0604020202020204" pitchFamily="34" charset="0"/>
+              </a:rPr>
+              <a:t>En ambientes productivos, VMware recomienda el </a:t>
+            </a:r>
+            <a:r>
+              <a:rPr lang="es-MX" sz="1600" dirty="0" err="1">
+                <a:latin typeface="Arial" panose="020B0604020202020204" pitchFamily="34" charset="0"/>
+                <a:cs typeface="Arial" panose="020B0604020202020204" pitchFamily="34" charset="0"/>
+              </a:rPr>
+              <a:t>deploy</a:t>
+            </a:r>
+            <a:r>
+              <a:rPr lang="es-MX" sz="1600" dirty="0">
+                <a:latin typeface="Arial" panose="020B0604020202020204" pitchFamily="34" charset="0"/>
+                <a:cs typeface="Arial" panose="020B0604020202020204" pitchFamily="34" charset="0"/>
+              </a:rPr>
+              <a:t> de 3 nodos NSX </a:t>
+            </a:r>
+            <a:r>
+              <a:rPr lang="es-MX" sz="1600" dirty="0" err="1">
+                <a:latin typeface="Arial" panose="020B0604020202020204" pitchFamily="34" charset="0"/>
+                <a:cs typeface="Arial" panose="020B0604020202020204" pitchFamily="34" charset="0"/>
+              </a:rPr>
+              <a:t>Controller</a:t>
+            </a:r>
+            <a:r>
+              <a:rPr lang="es-MX" sz="1600" dirty="0">
+                <a:latin typeface="Arial" panose="020B0604020202020204" pitchFamily="34" charset="0"/>
+                <a:cs typeface="Arial" panose="020B0604020202020204" pitchFamily="34" charset="0"/>
+              </a:rPr>
+              <a:t>, formando un </a:t>
+            </a:r>
+            <a:r>
+              <a:rPr lang="es-MX" sz="1600" dirty="0" err="1">
+                <a:latin typeface="Arial" panose="020B0604020202020204" pitchFamily="34" charset="0"/>
+                <a:cs typeface="Arial" panose="020B0604020202020204" pitchFamily="34" charset="0"/>
+              </a:rPr>
+              <a:t>cluster</a:t>
+            </a:r>
+            <a:r>
+              <a:rPr lang="es-MX" sz="1600" dirty="0">
+                <a:latin typeface="Arial" panose="020B0604020202020204" pitchFamily="34" charset="0"/>
+                <a:cs typeface="Arial" panose="020B0604020202020204" pitchFamily="34" charset="0"/>
+              </a:rPr>
+              <a:t>, lo cual permite contar con alta disponibilidad y escalabilidad del servicio. </a:t>
+            </a:r>
+          </a:p>
+        </p:txBody>
+      </p:sp>
+    </p:spTree>
+    <p:extLst>
+      <p:ext uri="{BB962C8B-B14F-4D97-AF65-F5344CB8AC3E}">
+        <p14:creationId xmlns:p14="http://schemas.microsoft.com/office/powerpoint/2010/main" val="1283330558"/>
+      </p:ext>
+    </p:extLst>
+  </p:cSld>
+  <p:clrMapOvr>
+    <a:masterClrMapping/>
+  </p:clrMapOvr>
+</p:sld>
+</file>
+
+<file path=ppt/slides/slide64.xml><?xml version="1.0" encoding="utf-8"?>
+<p:sld xmlns:a="http://schemas.openxmlformats.org/drawingml/2006/main" xmlns:r="http://schemas.openxmlformats.org/officeDocument/2006/relationships" xmlns:p="http://schemas.openxmlformats.org/presentationml/2006/main">
+  <p:cSld>
+    <p:bg>
+      <p:bgPr>
+        <a:blipFill rotWithShape="1">
+          <a:blip r:embed="rId2"/>
+          <a:stretch>
+            <a:fillRect/>
+          </a:stretch>
+        </a:blipFill>
+        <a:effectLst/>
+      </p:bgPr>
+    </p:bg>
+    <p:spTree>
+      <p:nvGrpSpPr>
+        <p:cNvPr id="1" name=""/>
+        <p:cNvGrpSpPr/>
+        <p:nvPr/>
+      </p:nvGrpSpPr>
+      <p:grpSpPr>
+        <a:xfrm>
+          <a:off x="0" y="0"/>
+          <a:ext cx="0" cy="0"/>
+          <a:chOff x="0" y="0"/>
+          <a:chExt cx="0" cy="0"/>
+        </a:xfrm>
+      </p:grpSpPr>
+      <p:sp>
+        <p:nvSpPr>
+          <p:cNvPr id="4" name="CuadroTexto 3">
+            <a:extLst>
+              <a:ext uri="{FF2B5EF4-FFF2-40B4-BE49-F238E27FC236}">
+                <a16:creationId xmlns:a16="http://schemas.microsoft.com/office/drawing/2014/main" id="{22969A7C-AD75-42B9-8681-50349BF7A6A5}"/>
+              </a:ext>
+            </a:extLst>
+          </p:cNvPr>
+          <p:cNvSpPr txBox="1"/>
+          <p:nvPr/>
+        </p:nvSpPr>
+        <p:spPr>
+          <a:xfrm>
+            <a:off x="3104708" y="498764"/>
+            <a:ext cx="6039292" cy="400110"/>
+          </a:xfrm>
+          <a:prstGeom prst="rect">
+            <a:avLst/>
+          </a:prstGeom>
+          <a:noFill/>
+        </p:spPr>
+        <p:txBody>
+          <a:bodyPr wrap="square" rtlCol="0">
+            <a:spAutoFit/>
+          </a:bodyPr>
+          <a:lstStyle/>
+          <a:p>
+            <a:pPr algn="r"/>
+            <a:r>
+              <a:rPr lang="es-MX" sz="2000" dirty="0" err="1">
+                <a:latin typeface="Arial" panose="020B0604020202020204" pitchFamily="34" charset="0"/>
+                <a:cs typeface="Arial" panose="020B0604020202020204" pitchFamily="34" charset="0"/>
+              </a:rPr>
+              <a:t>Clusters</a:t>
+            </a:r>
+            <a:r>
+              <a:rPr lang="es-MX" sz="2000" dirty="0">
+                <a:latin typeface="Arial" panose="020B0604020202020204" pitchFamily="34" charset="0"/>
+                <a:cs typeface="Arial" panose="020B0604020202020204" pitchFamily="34" charset="0"/>
+              </a:rPr>
+              <a:t> del NSX </a:t>
+            </a:r>
+            <a:r>
+              <a:rPr lang="es-MX" sz="2000" dirty="0" err="1">
+                <a:latin typeface="Arial" panose="020B0604020202020204" pitchFamily="34" charset="0"/>
+                <a:cs typeface="Arial" panose="020B0604020202020204" pitchFamily="34" charset="0"/>
+              </a:rPr>
+              <a:t>Controller</a:t>
+            </a:r>
+            <a:endParaRPr lang="es-MX" sz="2000" dirty="0">
+              <a:latin typeface="Arial" panose="020B0604020202020204" pitchFamily="34" charset="0"/>
+              <a:cs typeface="Arial" panose="020B0604020202020204" pitchFamily="34" charset="0"/>
+            </a:endParaRPr>
+          </a:p>
+        </p:txBody>
+      </p:sp>
+      <p:sp>
+        <p:nvSpPr>
+          <p:cNvPr id="5" name="CuadroTexto 4">
+            <a:extLst>
+              <a:ext uri="{FF2B5EF4-FFF2-40B4-BE49-F238E27FC236}">
+                <a16:creationId xmlns:a16="http://schemas.microsoft.com/office/drawing/2014/main" id="{996360A4-7287-4161-9B02-9963E1AB4B06}"/>
+              </a:ext>
+            </a:extLst>
+          </p:cNvPr>
+          <p:cNvSpPr txBox="1"/>
+          <p:nvPr/>
+        </p:nvSpPr>
+        <p:spPr>
+          <a:xfrm>
+            <a:off x="124688" y="1212273"/>
+            <a:ext cx="8902354" cy="3046988"/>
+          </a:xfrm>
+          <a:prstGeom prst="rect">
+            <a:avLst/>
+          </a:prstGeom>
+          <a:noFill/>
+        </p:spPr>
+        <p:txBody>
+          <a:bodyPr wrap="square" rtlCol="0">
+            <a:spAutoFit/>
+          </a:bodyPr>
+          <a:lstStyle/>
+          <a:p>
+            <a:pPr algn="just"/>
+            <a:r>
+              <a:rPr lang="es-MX" sz="1600" dirty="0">
+                <a:latin typeface="Arial" panose="020B0604020202020204" pitchFamily="34" charset="0"/>
+                <a:cs typeface="Arial" panose="020B0604020202020204" pitchFamily="34" charset="0"/>
+              </a:rPr>
+              <a:t>El uso de NSX </a:t>
+            </a:r>
+            <a:r>
+              <a:rPr lang="es-MX" sz="1600" dirty="0" err="1">
+                <a:latin typeface="Arial" panose="020B0604020202020204" pitchFamily="34" charset="0"/>
+                <a:cs typeface="Arial" panose="020B0604020202020204" pitchFamily="34" charset="0"/>
+              </a:rPr>
+              <a:t>Controller</a:t>
+            </a:r>
+            <a:r>
+              <a:rPr lang="es-MX" sz="1600" dirty="0">
+                <a:latin typeface="Arial" panose="020B0604020202020204" pitchFamily="34" charset="0"/>
+                <a:cs typeface="Arial" panose="020B0604020202020204" pitchFamily="34" charset="0"/>
+              </a:rPr>
+              <a:t> en el plano de Control provee varios beneficios:</a:t>
+            </a:r>
+          </a:p>
+          <a:p>
+            <a:pPr algn="just"/>
+            <a:endParaRPr lang="es-MX" sz="1600" dirty="0">
+              <a:latin typeface="Arial" panose="020B0604020202020204" pitchFamily="34" charset="0"/>
+              <a:cs typeface="Arial" panose="020B0604020202020204" pitchFamily="34" charset="0"/>
+            </a:endParaRPr>
+          </a:p>
+          <a:p>
+            <a:pPr marL="742950" lvl="1" indent="-285750" algn="just">
+              <a:buFont typeface="Wingdings" panose="05000000000000000000" pitchFamily="2" charset="2"/>
+              <a:buChar char="§"/>
+            </a:pPr>
+            <a:r>
+              <a:rPr lang="es-MX" sz="1600" dirty="0" err="1">
+                <a:latin typeface="Arial" panose="020B0604020202020204" pitchFamily="34" charset="0"/>
+                <a:cs typeface="Arial" panose="020B0604020202020204" pitchFamily="34" charset="0"/>
+              </a:rPr>
+              <a:t>Clustering</a:t>
+            </a:r>
+            <a:r>
+              <a:rPr lang="es-MX" sz="1600" dirty="0">
+                <a:latin typeface="Arial" panose="020B0604020202020204" pitchFamily="34" charset="0"/>
+                <a:cs typeface="Arial" panose="020B0604020202020204" pitchFamily="34" charset="0"/>
+              </a:rPr>
+              <a:t> para HA y escalabilidad</a:t>
+            </a:r>
+          </a:p>
+          <a:p>
+            <a:pPr marL="742950" lvl="1" indent="-285750" algn="just">
+              <a:buFont typeface="Wingdings" panose="05000000000000000000" pitchFamily="2" charset="2"/>
+              <a:buChar char="§"/>
+            </a:pPr>
+            <a:r>
+              <a:rPr lang="es-MX" sz="1600" dirty="0">
+                <a:latin typeface="Arial" panose="020B0604020202020204" pitchFamily="34" charset="0"/>
+                <a:cs typeface="Arial" panose="020B0604020202020204" pitchFamily="34" charset="0"/>
+              </a:rPr>
+              <a:t>Distribución de carga entre los nodos del </a:t>
+            </a:r>
+            <a:r>
+              <a:rPr lang="es-MX" sz="1600" dirty="0" err="1">
+                <a:latin typeface="Arial" panose="020B0604020202020204" pitchFamily="34" charset="0"/>
+                <a:cs typeface="Arial" panose="020B0604020202020204" pitchFamily="34" charset="0"/>
+              </a:rPr>
+              <a:t>cluster</a:t>
+            </a:r>
+            <a:r>
+              <a:rPr lang="es-MX" sz="1600" dirty="0">
+                <a:latin typeface="Arial" panose="020B0604020202020204" pitchFamily="34" charset="0"/>
+                <a:cs typeface="Arial" panose="020B0604020202020204" pitchFamily="34" charset="0"/>
+              </a:rPr>
+              <a:t> NSX </a:t>
+            </a:r>
+            <a:r>
+              <a:rPr lang="es-MX" sz="1600" dirty="0" err="1">
+                <a:latin typeface="Arial" panose="020B0604020202020204" pitchFamily="34" charset="0"/>
+                <a:cs typeface="Arial" panose="020B0604020202020204" pitchFamily="34" charset="0"/>
+              </a:rPr>
+              <a:t>Controller</a:t>
+            </a:r>
+            <a:r>
+              <a:rPr lang="es-MX" sz="1600" dirty="0">
+                <a:latin typeface="Arial" panose="020B0604020202020204" pitchFamily="34" charset="0"/>
+                <a:cs typeface="Arial" panose="020B0604020202020204" pitchFamily="34" charset="0"/>
+              </a:rPr>
+              <a:t>.</a:t>
+            </a:r>
+          </a:p>
+          <a:p>
+            <a:pPr marL="742950" lvl="1" indent="-285750" algn="just">
+              <a:buFont typeface="Wingdings" panose="05000000000000000000" pitchFamily="2" charset="2"/>
+              <a:buChar char="§"/>
+            </a:pPr>
+            <a:r>
+              <a:rPr lang="es-MX" sz="1600" dirty="0">
+                <a:latin typeface="Arial" panose="020B0604020202020204" pitchFamily="34" charset="0"/>
+                <a:cs typeface="Arial" panose="020B0604020202020204" pitchFamily="34" charset="0"/>
+              </a:rPr>
+              <a:t>Distribución de la información de VXLAN y </a:t>
+            </a:r>
+            <a:r>
+              <a:rPr lang="es-MX" sz="1600" dirty="0" err="1">
+                <a:latin typeface="Arial" panose="020B0604020202020204" pitchFamily="34" charset="0"/>
+                <a:cs typeface="Arial" panose="020B0604020202020204" pitchFamily="34" charset="0"/>
+              </a:rPr>
+              <a:t>routing</a:t>
+            </a:r>
+            <a:r>
+              <a:rPr lang="es-MX" sz="1600" dirty="0">
+                <a:latin typeface="Arial" panose="020B0604020202020204" pitchFamily="34" charset="0"/>
+                <a:cs typeface="Arial" panose="020B0604020202020204" pitchFamily="34" charset="0"/>
+              </a:rPr>
+              <a:t> </a:t>
+            </a:r>
+            <a:r>
+              <a:rPr lang="es-MX" sz="1600" dirty="0" err="1">
+                <a:latin typeface="Arial" panose="020B0604020202020204" pitchFamily="34" charset="0"/>
+                <a:cs typeface="Arial" panose="020B0604020202020204" pitchFamily="34" charset="0"/>
+              </a:rPr>
+              <a:t>logico</a:t>
+            </a:r>
+            <a:r>
+              <a:rPr lang="es-MX" sz="1600" dirty="0">
+                <a:latin typeface="Arial" panose="020B0604020202020204" pitchFamily="34" charset="0"/>
+                <a:cs typeface="Arial" panose="020B0604020202020204" pitchFamily="34" charset="0"/>
+              </a:rPr>
+              <a:t> entre los hosts </a:t>
+            </a:r>
+            <a:r>
+              <a:rPr lang="es-MX" sz="1600" dirty="0" err="1">
+                <a:latin typeface="Arial" panose="020B0604020202020204" pitchFamily="34" charset="0"/>
+                <a:cs typeface="Arial" panose="020B0604020202020204" pitchFamily="34" charset="0"/>
+              </a:rPr>
+              <a:t>ESXi</a:t>
+            </a:r>
+            <a:r>
+              <a:rPr lang="es-MX" sz="1600" dirty="0">
+                <a:latin typeface="Arial" panose="020B0604020202020204" pitchFamily="34" charset="0"/>
+                <a:cs typeface="Arial" panose="020B0604020202020204" pitchFamily="34" charset="0"/>
+              </a:rPr>
+              <a:t>.</a:t>
+            </a:r>
+          </a:p>
+          <a:p>
+            <a:pPr marL="742950" lvl="1" indent="-285750" algn="just">
+              <a:buFont typeface="Wingdings" panose="05000000000000000000" pitchFamily="2" charset="2"/>
+              <a:buChar char="§"/>
+            </a:pPr>
+            <a:r>
+              <a:rPr lang="es-MX" sz="1600" dirty="0">
+                <a:latin typeface="Arial" panose="020B0604020202020204" pitchFamily="34" charset="0"/>
+                <a:cs typeface="Arial" panose="020B0604020202020204" pitchFamily="34" charset="0"/>
+              </a:rPr>
+              <a:t>Mantiene distribuida la información de las tablas para VXLAN y </a:t>
+            </a:r>
+            <a:r>
+              <a:rPr lang="es-MX" sz="1600" dirty="0" err="1">
+                <a:latin typeface="Arial" panose="020B0604020202020204" pitchFamily="34" charset="0"/>
+                <a:cs typeface="Arial" panose="020B0604020202020204" pitchFamily="34" charset="0"/>
+              </a:rPr>
+              <a:t>routers</a:t>
+            </a:r>
+            <a:r>
+              <a:rPr lang="es-MX" sz="1600" dirty="0">
+                <a:latin typeface="Arial" panose="020B0604020202020204" pitchFamily="34" charset="0"/>
+                <a:cs typeface="Arial" panose="020B0604020202020204" pitchFamily="34" charset="0"/>
+              </a:rPr>
+              <a:t> </a:t>
+            </a:r>
+            <a:r>
+              <a:rPr lang="es-MX" sz="1600" dirty="0" err="1">
+                <a:latin typeface="Arial" panose="020B0604020202020204" pitchFamily="34" charset="0"/>
+                <a:cs typeface="Arial" panose="020B0604020202020204" pitchFamily="34" charset="0"/>
+              </a:rPr>
+              <a:t>logicos</a:t>
+            </a:r>
+            <a:r>
+              <a:rPr lang="es-MX" sz="1600" dirty="0">
+                <a:latin typeface="Arial" panose="020B0604020202020204" pitchFamily="34" charset="0"/>
+                <a:cs typeface="Arial" panose="020B0604020202020204" pitchFamily="34" charset="0"/>
+              </a:rPr>
+              <a:t> distribuidos.</a:t>
+            </a:r>
+          </a:p>
+          <a:p>
+            <a:pPr marL="742950" lvl="1" indent="-285750" algn="just">
+              <a:buFont typeface="Wingdings" panose="05000000000000000000" pitchFamily="2" charset="2"/>
+              <a:buChar char="§"/>
+            </a:pPr>
+            <a:r>
+              <a:rPr lang="es-MX" sz="1600" dirty="0">
+                <a:latin typeface="Arial" panose="020B0604020202020204" pitchFamily="34" charset="0"/>
+                <a:cs typeface="Arial" panose="020B0604020202020204" pitchFamily="34" charset="0"/>
+              </a:rPr>
+              <a:t>Permite eliminar la dependencia de </a:t>
+            </a:r>
+            <a:r>
+              <a:rPr lang="es-MX" sz="1600" dirty="0" err="1">
+                <a:latin typeface="Arial" panose="020B0604020202020204" pitchFamily="34" charset="0"/>
+                <a:cs typeface="Arial" panose="020B0604020202020204" pitchFamily="34" charset="0"/>
+              </a:rPr>
+              <a:t>Multicast</a:t>
+            </a:r>
+            <a:r>
+              <a:rPr lang="es-MX" sz="1600" dirty="0">
+                <a:latin typeface="Arial" panose="020B0604020202020204" pitchFamily="34" charset="0"/>
+                <a:cs typeface="Arial" panose="020B0604020202020204" pitchFamily="34" charset="0"/>
+              </a:rPr>
+              <a:t> </a:t>
+            </a:r>
+            <a:r>
+              <a:rPr lang="es-MX" sz="1600" dirty="0" err="1">
+                <a:latin typeface="Arial" panose="020B0604020202020204" pitchFamily="34" charset="0"/>
+                <a:cs typeface="Arial" panose="020B0604020202020204" pitchFamily="34" charset="0"/>
+              </a:rPr>
+              <a:t>Routing</a:t>
+            </a:r>
+            <a:r>
+              <a:rPr lang="es-MX" sz="1600" dirty="0">
+                <a:latin typeface="Arial" panose="020B0604020202020204" pitchFamily="34" charset="0"/>
+                <a:cs typeface="Arial" panose="020B0604020202020204" pitchFamily="34" charset="0"/>
+              </a:rPr>
+              <a:t> y la necesidad de configurar </a:t>
+            </a:r>
+            <a:r>
+              <a:rPr lang="es-MX" sz="1600" dirty="0" err="1">
+                <a:latin typeface="Arial" panose="020B0604020202020204" pitchFamily="34" charset="0"/>
+                <a:cs typeface="Arial" panose="020B0604020202020204" pitchFamily="34" charset="0"/>
+              </a:rPr>
+              <a:t>Protocol</a:t>
+            </a:r>
+            <a:r>
+              <a:rPr lang="es-MX" sz="1600" dirty="0">
+                <a:latin typeface="Arial" panose="020B0604020202020204" pitchFamily="34" charset="0"/>
+                <a:cs typeface="Arial" panose="020B0604020202020204" pitchFamily="34" charset="0"/>
+              </a:rPr>
+              <a:t> </a:t>
+            </a:r>
+            <a:r>
+              <a:rPr lang="es-MX" sz="1600" dirty="0" err="1">
+                <a:latin typeface="Arial" panose="020B0604020202020204" pitchFamily="34" charset="0"/>
+                <a:cs typeface="Arial" panose="020B0604020202020204" pitchFamily="34" charset="0"/>
+              </a:rPr>
+              <a:t>Independent</a:t>
+            </a:r>
+            <a:r>
+              <a:rPr lang="es-MX" sz="1600" dirty="0">
+                <a:latin typeface="Arial" panose="020B0604020202020204" pitchFamily="34" charset="0"/>
+                <a:cs typeface="Arial" panose="020B0604020202020204" pitchFamily="34" charset="0"/>
+              </a:rPr>
+              <a:t> </a:t>
+            </a:r>
+            <a:r>
+              <a:rPr lang="es-MX" sz="1600" dirty="0" err="1">
+                <a:latin typeface="Arial" panose="020B0604020202020204" pitchFamily="34" charset="0"/>
+                <a:cs typeface="Arial" panose="020B0604020202020204" pitchFamily="34" charset="0"/>
+              </a:rPr>
+              <a:t>Multicast</a:t>
+            </a:r>
+            <a:r>
+              <a:rPr lang="es-MX" sz="1600" dirty="0">
+                <a:latin typeface="Arial" panose="020B0604020202020204" pitchFamily="34" charset="0"/>
+                <a:cs typeface="Arial" panose="020B0604020202020204" pitchFamily="34" charset="0"/>
+              </a:rPr>
+              <a:t> (PIM) en la red </a:t>
+            </a:r>
+            <a:r>
+              <a:rPr lang="es-MX" sz="1600" dirty="0" err="1">
+                <a:latin typeface="Arial" panose="020B0604020202020204" pitchFamily="34" charset="0"/>
+                <a:cs typeface="Arial" panose="020B0604020202020204" pitchFamily="34" charset="0"/>
+              </a:rPr>
+              <a:t>fisica</a:t>
+            </a:r>
+            <a:r>
+              <a:rPr lang="es-MX" sz="1600" dirty="0">
+                <a:latin typeface="Arial" panose="020B0604020202020204" pitchFamily="34" charset="0"/>
+                <a:cs typeface="Arial" panose="020B0604020202020204" pitchFamily="34" charset="0"/>
+              </a:rPr>
+              <a:t>.</a:t>
+            </a:r>
+          </a:p>
+          <a:p>
+            <a:pPr lvl="1" algn="just"/>
+            <a:endParaRPr lang="es-MX" sz="1600" dirty="0">
+              <a:latin typeface="Arial" panose="020B0604020202020204" pitchFamily="34" charset="0"/>
+              <a:cs typeface="Arial" panose="020B0604020202020204" pitchFamily="34" charset="0"/>
+            </a:endParaRPr>
+          </a:p>
+          <a:p>
+            <a:pPr algn="just"/>
+            <a:r>
+              <a:rPr lang="es-MX" sz="1600" dirty="0">
+                <a:latin typeface="Arial" panose="020B0604020202020204" pitchFamily="34" charset="0"/>
+                <a:cs typeface="Arial" panose="020B0604020202020204" pitchFamily="34" charset="0"/>
+              </a:rPr>
+              <a:t>NSX </a:t>
+            </a:r>
+            <a:r>
+              <a:rPr lang="es-MX" sz="1600" dirty="0" err="1">
+                <a:latin typeface="Arial" panose="020B0604020202020204" pitchFamily="34" charset="0"/>
+                <a:cs typeface="Arial" panose="020B0604020202020204" pitchFamily="34" charset="0"/>
+              </a:rPr>
+              <a:t>Controller</a:t>
+            </a:r>
+            <a:r>
+              <a:rPr lang="es-MX" sz="1600" dirty="0">
+                <a:latin typeface="Arial" panose="020B0604020202020204" pitchFamily="34" charset="0"/>
+                <a:cs typeface="Arial" panose="020B0604020202020204" pitchFamily="34" charset="0"/>
+              </a:rPr>
+              <a:t> es un Virtual </a:t>
+            </a:r>
+            <a:r>
+              <a:rPr lang="es-MX" sz="1600" dirty="0" err="1">
+                <a:latin typeface="Arial" panose="020B0604020202020204" pitchFamily="34" charset="0"/>
+                <a:cs typeface="Arial" panose="020B0604020202020204" pitchFamily="34" charset="0"/>
+              </a:rPr>
+              <a:t>Appliance</a:t>
+            </a:r>
+            <a:r>
+              <a:rPr lang="es-MX" sz="1600" dirty="0">
+                <a:latin typeface="Arial" panose="020B0604020202020204" pitchFamily="34" charset="0"/>
+                <a:cs typeface="Arial" panose="020B0604020202020204" pitchFamily="34" charset="0"/>
+              </a:rPr>
+              <a:t> cuyo </a:t>
+            </a:r>
+            <a:r>
+              <a:rPr lang="es-MX" sz="1600" dirty="0" err="1">
+                <a:latin typeface="Arial" panose="020B0604020202020204" pitchFamily="34" charset="0"/>
+                <a:cs typeface="Arial" panose="020B0604020202020204" pitchFamily="34" charset="0"/>
+              </a:rPr>
+              <a:t>deploy</a:t>
+            </a:r>
+            <a:r>
+              <a:rPr lang="es-MX" sz="1600" dirty="0">
+                <a:latin typeface="Arial" panose="020B0604020202020204" pitchFamily="34" charset="0"/>
+                <a:cs typeface="Arial" panose="020B0604020202020204" pitchFamily="34" charset="0"/>
+              </a:rPr>
+              <a:t> se realiza a través del NSX Manager, es decir, no es necesaria la instalación manual de NSX </a:t>
+            </a:r>
+            <a:r>
+              <a:rPr lang="es-MX" sz="1600" dirty="0" err="1">
+                <a:latin typeface="Arial" panose="020B0604020202020204" pitchFamily="34" charset="0"/>
+                <a:cs typeface="Arial" panose="020B0604020202020204" pitchFamily="34" charset="0"/>
+              </a:rPr>
+              <a:t>Controller</a:t>
+            </a:r>
+            <a:r>
+              <a:rPr lang="es-MX" sz="1600" dirty="0">
+                <a:latin typeface="Arial" panose="020B0604020202020204" pitchFamily="34" charset="0"/>
+                <a:cs typeface="Arial" panose="020B0604020202020204" pitchFamily="34" charset="0"/>
+              </a:rPr>
+              <a:t>.</a:t>
+            </a:r>
+          </a:p>
+        </p:txBody>
+      </p:sp>
+    </p:spTree>
+    <p:extLst>
+      <p:ext uri="{BB962C8B-B14F-4D97-AF65-F5344CB8AC3E}">
+        <p14:creationId xmlns:p14="http://schemas.microsoft.com/office/powerpoint/2010/main" val="1788148732"/>
+      </p:ext>
+    </p:extLst>
+  </p:cSld>
+  <p:clrMapOvr>
+    <a:masterClrMapping/>
+  </p:clrMapOvr>
+</p:sld>
+</file>
+
+<file path=ppt/slides/slide65.xml><?xml version="1.0" encoding="utf-8"?>
+<p:sld xmlns:a="http://schemas.openxmlformats.org/drawingml/2006/main" xmlns:r="http://schemas.openxmlformats.org/officeDocument/2006/relationships" xmlns:p="http://schemas.openxmlformats.org/presentationml/2006/main">
+  <p:cSld>
+    <p:bg>
+      <p:bgPr>
+        <a:blipFill rotWithShape="1">
+          <a:blip r:embed="rId2"/>
+          <a:stretch>
+            <a:fillRect/>
+          </a:stretch>
+        </a:blipFill>
+        <a:effectLst/>
+      </p:bgPr>
+    </p:bg>
+    <p:spTree>
+      <p:nvGrpSpPr>
+        <p:cNvPr id="1" name=""/>
+        <p:cNvGrpSpPr/>
+        <p:nvPr/>
+      </p:nvGrpSpPr>
+      <p:grpSpPr>
+        <a:xfrm>
+          <a:off x="0" y="0"/>
+          <a:ext cx="0" cy="0"/>
+          <a:chOff x="0" y="0"/>
+          <a:chExt cx="0" cy="0"/>
+        </a:xfrm>
+      </p:grpSpPr>
+      <p:sp>
+        <p:nvSpPr>
+          <p:cNvPr id="4" name="CuadroTexto 3">
+            <a:extLst>
+              <a:ext uri="{FF2B5EF4-FFF2-40B4-BE49-F238E27FC236}">
+                <a16:creationId xmlns:a16="http://schemas.microsoft.com/office/drawing/2014/main" id="{22969A7C-AD75-42B9-8681-50349BF7A6A5}"/>
+              </a:ext>
+            </a:extLst>
+          </p:cNvPr>
+          <p:cNvSpPr txBox="1"/>
+          <p:nvPr/>
+        </p:nvSpPr>
+        <p:spPr>
+          <a:xfrm>
+            <a:off x="3104708" y="498764"/>
+            <a:ext cx="6039292" cy="400110"/>
+          </a:xfrm>
+          <a:prstGeom prst="rect">
+            <a:avLst/>
+          </a:prstGeom>
+          <a:noFill/>
+        </p:spPr>
+        <p:txBody>
+          <a:bodyPr wrap="square" rtlCol="0">
+            <a:spAutoFit/>
+          </a:bodyPr>
+          <a:lstStyle/>
+          <a:p>
+            <a:pPr algn="r"/>
+            <a:r>
+              <a:rPr lang="es-MX" sz="2000" dirty="0" err="1">
+                <a:latin typeface="Arial" panose="020B0604020202020204" pitchFamily="34" charset="0"/>
+                <a:cs typeface="Arial" panose="020B0604020202020204" pitchFamily="34" charset="0"/>
+              </a:rPr>
+              <a:t>Clusters</a:t>
+            </a:r>
+            <a:r>
+              <a:rPr lang="es-MX" sz="2000" dirty="0">
+                <a:latin typeface="Arial" panose="020B0604020202020204" pitchFamily="34" charset="0"/>
+                <a:cs typeface="Arial" panose="020B0604020202020204" pitchFamily="34" charset="0"/>
+              </a:rPr>
+              <a:t> del NSX </a:t>
+            </a:r>
+            <a:r>
+              <a:rPr lang="es-MX" sz="2000" dirty="0" err="1">
+                <a:latin typeface="Arial" panose="020B0604020202020204" pitchFamily="34" charset="0"/>
+                <a:cs typeface="Arial" panose="020B0604020202020204" pitchFamily="34" charset="0"/>
+              </a:rPr>
+              <a:t>Controller</a:t>
+            </a:r>
+            <a:endParaRPr lang="es-MX" sz="2000" dirty="0">
+              <a:latin typeface="Arial" panose="020B0604020202020204" pitchFamily="34" charset="0"/>
+              <a:cs typeface="Arial" panose="020B0604020202020204" pitchFamily="34" charset="0"/>
+            </a:endParaRPr>
+          </a:p>
+        </p:txBody>
+      </p:sp>
+      <p:sp>
+        <p:nvSpPr>
+          <p:cNvPr id="5" name="CuadroTexto 4">
+            <a:extLst>
+              <a:ext uri="{FF2B5EF4-FFF2-40B4-BE49-F238E27FC236}">
+                <a16:creationId xmlns:a16="http://schemas.microsoft.com/office/drawing/2014/main" id="{996360A4-7287-4161-9B02-9963E1AB4B06}"/>
+              </a:ext>
+            </a:extLst>
+          </p:cNvPr>
+          <p:cNvSpPr txBox="1"/>
+          <p:nvPr/>
+        </p:nvSpPr>
+        <p:spPr>
+          <a:xfrm>
+            <a:off x="124688" y="1212273"/>
+            <a:ext cx="8902354" cy="1815882"/>
+          </a:xfrm>
+          <a:prstGeom prst="rect">
+            <a:avLst/>
+          </a:prstGeom>
+          <a:noFill/>
+        </p:spPr>
+        <p:txBody>
+          <a:bodyPr wrap="square" rtlCol="0">
+            <a:spAutoFit/>
+          </a:bodyPr>
+          <a:lstStyle/>
+          <a:p>
+            <a:pPr algn="just"/>
+            <a:r>
+              <a:rPr lang="es-MX" sz="1600" dirty="0">
+                <a:latin typeface="Arial" panose="020B0604020202020204" pitchFamily="34" charset="0"/>
+                <a:cs typeface="Arial" panose="020B0604020202020204" pitchFamily="34" charset="0"/>
+              </a:rPr>
+              <a:t>Los Virtual </a:t>
+            </a:r>
+            <a:r>
+              <a:rPr lang="es-MX" sz="1600" dirty="0" err="1">
+                <a:latin typeface="Arial" panose="020B0604020202020204" pitchFamily="34" charset="0"/>
+                <a:cs typeface="Arial" panose="020B0604020202020204" pitchFamily="34" charset="0"/>
+              </a:rPr>
+              <a:t>Appliance</a:t>
+            </a:r>
+            <a:r>
+              <a:rPr lang="es-MX" sz="1600" dirty="0">
+                <a:latin typeface="Arial" panose="020B0604020202020204" pitchFamily="34" charset="0"/>
+                <a:cs typeface="Arial" panose="020B0604020202020204" pitchFamily="34" charset="0"/>
+              </a:rPr>
+              <a:t> de NSX </a:t>
+            </a:r>
+            <a:r>
+              <a:rPr lang="es-MX" sz="1600" dirty="0" err="1">
+                <a:latin typeface="Arial" panose="020B0604020202020204" pitchFamily="34" charset="0"/>
+                <a:cs typeface="Arial" panose="020B0604020202020204" pitchFamily="34" charset="0"/>
+              </a:rPr>
+              <a:t>Controller</a:t>
+            </a:r>
+            <a:r>
+              <a:rPr lang="es-MX" sz="1600" dirty="0">
+                <a:latin typeface="Arial" panose="020B0604020202020204" pitchFamily="34" charset="0"/>
+                <a:cs typeface="Arial" panose="020B0604020202020204" pitchFamily="34" charset="0"/>
+              </a:rPr>
+              <a:t> son desplegados a través del NSX Manager.  El Virtual </a:t>
+            </a:r>
+            <a:r>
+              <a:rPr lang="es-MX" sz="1600" dirty="0" err="1">
+                <a:latin typeface="Arial" panose="020B0604020202020204" pitchFamily="34" charset="0"/>
+                <a:cs typeface="Arial" panose="020B0604020202020204" pitchFamily="34" charset="0"/>
+              </a:rPr>
+              <a:t>Appliance</a:t>
+            </a:r>
+            <a:r>
+              <a:rPr lang="es-MX" sz="1600" dirty="0">
+                <a:latin typeface="Arial" panose="020B0604020202020204" pitchFamily="34" charset="0"/>
+                <a:cs typeface="Arial" panose="020B0604020202020204" pitchFamily="34" charset="0"/>
+              </a:rPr>
+              <a:t> de NSX </a:t>
+            </a:r>
+            <a:r>
+              <a:rPr lang="es-MX" sz="1600" dirty="0" err="1">
+                <a:latin typeface="Arial" panose="020B0604020202020204" pitchFamily="34" charset="0"/>
+                <a:cs typeface="Arial" panose="020B0604020202020204" pitchFamily="34" charset="0"/>
+              </a:rPr>
+              <a:t>Controller</a:t>
+            </a:r>
+            <a:r>
+              <a:rPr lang="es-MX" sz="1600" dirty="0">
+                <a:latin typeface="Arial" panose="020B0604020202020204" pitchFamily="34" charset="0"/>
+                <a:cs typeface="Arial" panose="020B0604020202020204" pitchFamily="34" charset="0"/>
+              </a:rPr>
+              <a:t> requiere el uso de 4 </a:t>
+            </a:r>
+            <a:r>
+              <a:rPr lang="es-MX" sz="1600" dirty="0" err="1">
+                <a:latin typeface="Arial" panose="020B0604020202020204" pitchFamily="34" charset="0"/>
+                <a:cs typeface="Arial" panose="020B0604020202020204" pitchFamily="34" charset="0"/>
+              </a:rPr>
+              <a:t>vCPU</a:t>
+            </a:r>
+            <a:r>
+              <a:rPr lang="es-MX" sz="1600" dirty="0">
+                <a:latin typeface="Arial" panose="020B0604020202020204" pitchFamily="34" charset="0"/>
+                <a:cs typeface="Arial" panose="020B0604020202020204" pitchFamily="34" charset="0"/>
+              </a:rPr>
+              <a:t>, 4GB de RAM y 20GB en disco.  Esta configuración de hardware virtual no debiera ser manipulada posteriormente como una VM común en las vistas de inventario de </a:t>
+            </a:r>
+            <a:r>
+              <a:rPr lang="es-MX" sz="1600" dirty="0" err="1">
+                <a:latin typeface="Arial" panose="020B0604020202020204" pitchFamily="34" charset="0"/>
+                <a:cs typeface="Arial" panose="020B0604020202020204" pitchFamily="34" charset="0"/>
+              </a:rPr>
+              <a:t>vSphere</a:t>
+            </a:r>
+            <a:r>
+              <a:rPr lang="es-MX" sz="1600" dirty="0">
+                <a:latin typeface="Arial" panose="020B0604020202020204" pitchFamily="34" charset="0"/>
+                <a:cs typeface="Arial" panose="020B0604020202020204" pitchFamily="34" charset="0"/>
+              </a:rPr>
+              <a:t> Web Client.</a:t>
+            </a:r>
+          </a:p>
+          <a:p>
+            <a:pPr algn="just"/>
+            <a:endParaRPr lang="es-MX" sz="1600" dirty="0">
+              <a:latin typeface="Arial" panose="020B0604020202020204" pitchFamily="34" charset="0"/>
+              <a:cs typeface="Arial" panose="020B0604020202020204" pitchFamily="34" charset="0"/>
+            </a:endParaRPr>
+          </a:p>
+          <a:p>
+            <a:pPr algn="just"/>
+            <a:r>
+              <a:rPr lang="es-MX" sz="1600" dirty="0">
+                <a:latin typeface="Arial" panose="020B0604020202020204" pitchFamily="34" charset="0"/>
+                <a:cs typeface="Arial" panose="020B0604020202020204" pitchFamily="34" charset="0"/>
+              </a:rPr>
+              <a:t>Otro de los requerimientos es que los NSX </a:t>
+            </a:r>
+            <a:r>
+              <a:rPr lang="es-MX" sz="1600" dirty="0" err="1">
+                <a:latin typeface="Arial" panose="020B0604020202020204" pitchFamily="34" charset="0"/>
+                <a:cs typeface="Arial" panose="020B0604020202020204" pitchFamily="34" charset="0"/>
+              </a:rPr>
+              <a:t>Controller</a:t>
+            </a:r>
+            <a:r>
+              <a:rPr lang="es-MX" sz="1600" dirty="0">
+                <a:latin typeface="Arial" panose="020B0604020202020204" pitchFamily="34" charset="0"/>
+                <a:cs typeface="Arial" panose="020B0604020202020204" pitchFamily="34" charset="0"/>
+              </a:rPr>
+              <a:t> deben ser desplegados en el mismo </a:t>
+            </a:r>
+            <a:r>
+              <a:rPr lang="es-MX" sz="1600" dirty="0" err="1">
+                <a:latin typeface="Arial" panose="020B0604020202020204" pitchFamily="34" charset="0"/>
+                <a:cs typeface="Arial" panose="020B0604020202020204" pitchFamily="34" charset="0"/>
+              </a:rPr>
+              <a:t>vCenter</a:t>
+            </a:r>
+            <a:r>
+              <a:rPr lang="es-MX" sz="1600" dirty="0">
+                <a:latin typeface="Arial" panose="020B0604020202020204" pitchFamily="34" charset="0"/>
+                <a:cs typeface="Arial" panose="020B0604020202020204" pitchFamily="34" charset="0"/>
+              </a:rPr>
+              <a:t> Server al cual se encuentra conectado el NSX Manager.</a:t>
+            </a:r>
+          </a:p>
+        </p:txBody>
+      </p:sp>
+    </p:spTree>
+    <p:extLst>
+      <p:ext uri="{BB962C8B-B14F-4D97-AF65-F5344CB8AC3E}">
+        <p14:creationId xmlns:p14="http://schemas.microsoft.com/office/powerpoint/2010/main" val="4078859279"/>
       </p:ext>
     </p:extLst>
   </p:cSld>
@@ -24544,21 +27436,21 @@
 </file>
 
 <file path=customXml/item2.xml><?xml version="1.0" encoding="utf-8"?>
+<p:properties xmlns:p="http://schemas.microsoft.com/office/2006/metadata/properties" xmlns:xsi="http://www.w3.org/2001/XMLSchema-instance" xmlns:pc="http://schemas.microsoft.com/office/infopath/2007/PartnerControls">
+  <documentManagement>
+    <_Version xmlns="http://schemas.microsoft.com/sharepoint/v3/fields" xsi:nil="true"/>
+    <_Status xmlns="http://schemas.microsoft.com/sharepoint/v3/fields">Not Started</_Status>
+  </documentManagement>
+</p:properties>
+</file>
+
+<file path=customXml/item3.xml><?xml version="1.0" encoding="utf-8"?>
 <?mso-contentType ?>
 <FormTemplates xmlns="http://schemas.microsoft.com/sharepoint/v3/contenttype/forms">
   <Display>DocumentLibraryForm</Display>
   <Edit>DocumentLibraryForm</Edit>
   <New>DocumentLibraryForm</New>
 </FormTemplates>
-</file>
-
-<file path=customXml/item3.xml><?xml version="1.0" encoding="utf-8"?>
-<p:properties xmlns:p="http://schemas.microsoft.com/office/2006/metadata/properties" xmlns:xsi="http://www.w3.org/2001/XMLSchema-instance" xmlns:pc="http://schemas.microsoft.com/office/infopath/2007/PartnerControls">
-  <documentManagement>
-    <_Version xmlns="http://schemas.microsoft.com/sharepoint/v3/fields" xsi:nil="true"/>
-    <_Status xmlns="http://schemas.microsoft.com/sharepoint/v3/fields">Not Started</_Status>
-  </documentManagement>
-</p:properties>
 </file>
 
 <file path=customXml/itemProps1.xml><?xml version="1.0" encoding="utf-8"?>
@@ -24580,14 +27472,6 @@
 </file>
 
 <file path=customXml/itemProps2.xml><?xml version="1.0" encoding="utf-8"?>
-<ds:datastoreItem xmlns:ds="http://schemas.openxmlformats.org/officeDocument/2006/customXml" ds:itemID="{87D2A1B0-FF3E-4009-940D-AED0EB70AA20}">
-  <ds:schemaRefs>
-    <ds:schemaRef ds:uri="http://schemas.microsoft.com/sharepoint/v3/contenttype/forms"/>
-  </ds:schemaRefs>
-</ds:datastoreItem>
-</file>
-
-<file path=customXml/itemProps3.xml><?xml version="1.0" encoding="utf-8"?>
 <ds:datastoreItem xmlns:ds="http://schemas.openxmlformats.org/officeDocument/2006/customXml" ds:itemID="{7B6F2769-7194-4217-93D3-3AF3A4742282}">
   <ds:schemaRefs>
     <ds:schemaRef ds:uri="http://purl.org/dc/terms/"/>
@@ -24601,4 +27485,12 @@
     <ds:schemaRef ds:uri="http://www.w3.org/XML/1998/namespace"/>
   </ds:schemaRefs>
 </ds:datastoreItem>
+</file>
+
+<file path=customXml/itemProps3.xml><?xml version="1.0" encoding="utf-8"?>
+<ds:datastoreItem xmlns:ds="http://schemas.openxmlformats.org/officeDocument/2006/customXml" ds:itemID="{87D2A1B0-FF3E-4009-940D-AED0EB70AA20}">
+  <ds:schemaRefs>
+    <ds:schemaRef ds:uri="http://schemas.microsoft.com/sharepoint/v3/contenttype/forms"/>
+  </ds:schemaRefs>
+</ds:datastoreItem>
 </file>